--- a/курсова робота.Конещук.pptx
+++ b/курсова робота.Конещук.pptx
@@ -11,13 +11,7 @@
     <p:sldId id="260" r:id="rId5"/>
     <p:sldId id="270" r:id="rId6"/>
     <p:sldId id="271" r:id="rId7"/>
-    <p:sldId id="263" r:id="rId8"/>
-    <p:sldId id="264" r:id="rId9"/>
-    <p:sldId id="265" r:id="rId10"/>
-    <p:sldId id="266" r:id="rId11"/>
-    <p:sldId id="267" r:id="rId12"/>
-    <p:sldId id="268" r:id="rId13"/>
-    <p:sldId id="269" r:id="rId14"/>
+    <p:sldId id="269" r:id="rId8"/>
   </p:sldIdLst>
   <p:sldSz cx="12192000" cy="6858000"/>
   <p:notesSz cx="6858000" cy="9144000"/>
@@ -271,7 +265,7 @@
           <a:p>
             <a:fld id="{C33BDC4C-8F53-4C3C-B639-E78DA6BA50C2}" type="datetimeFigureOut">
               <a:rPr lang="uk-UA" smtClean="0"/>
-              <a:t>29.12.2023</a:t>
+              <a:t>30.12.2023</a:t>
             </a:fld>
             <a:endParaRPr lang="uk-UA" dirty="0"/>
           </a:p>
@@ -469,7 +463,7 @@
           <a:p>
             <a:fld id="{C33BDC4C-8F53-4C3C-B639-E78DA6BA50C2}" type="datetimeFigureOut">
               <a:rPr lang="uk-UA" smtClean="0"/>
-              <a:t>29.12.2023</a:t>
+              <a:t>30.12.2023</a:t>
             </a:fld>
             <a:endParaRPr lang="uk-UA" dirty="0"/>
           </a:p>
@@ -677,7 +671,7 @@
           <a:p>
             <a:fld id="{C33BDC4C-8F53-4C3C-B639-E78DA6BA50C2}" type="datetimeFigureOut">
               <a:rPr lang="uk-UA" smtClean="0"/>
-              <a:t>29.12.2023</a:t>
+              <a:t>30.12.2023</a:t>
             </a:fld>
             <a:endParaRPr lang="uk-UA" dirty="0"/>
           </a:p>
@@ -875,7 +869,7 @@
           <a:p>
             <a:fld id="{C33BDC4C-8F53-4C3C-B639-E78DA6BA50C2}" type="datetimeFigureOut">
               <a:rPr lang="uk-UA" smtClean="0"/>
-              <a:t>29.12.2023</a:t>
+              <a:t>30.12.2023</a:t>
             </a:fld>
             <a:endParaRPr lang="uk-UA" dirty="0"/>
           </a:p>
@@ -1150,7 +1144,7 @@
           <a:p>
             <a:fld id="{C33BDC4C-8F53-4C3C-B639-E78DA6BA50C2}" type="datetimeFigureOut">
               <a:rPr lang="uk-UA" smtClean="0"/>
-              <a:t>29.12.2023</a:t>
+              <a:t>30.12.2023</a:t>
             </a:fld>
             <a:endParaRPr lang="uk-UA" dirty="0"/>
           </a:p>
@@ -1415,7 +1409,7 @@
           <a:p>
             <a:fld id="{C33BDC4C-8F53-4C3C-B639-E78DA6BA50C2}" type="datetimeFigureOut">
               <a:rPr lang="uk-UA" smtClean="0"/>
-              <a:t>29.12.2023</a:t>
+              <a:t>30.12.2023</a:t>
             </a:fld>
             <a:endParaRPr lang="uk-UA" dirty="0"/>
           </a:p>
@@ -1827,7 +1821,7 @@
           <a:p>
             <a:fld id="{C33BDC4C-8F53-4C3C-B639-E78DA6BA50C2}" type="datetimeFigureOut">
               <a:rPr lang="uk-UA" smtClean="0"/>
-              <a:t>29.12.2023</a:t>
+              <a:t>30.12.2023</a:t>
             </a:fld>
             <a:endParaRPr lang="uk-UA" dirty="0"/>
           </a:p>
@@ -1968,7 +1962,7 @@
           <a:p>
             <a:fld id="{C33BDC4C-8F53-4C3C-B639-E78DA6BA50C2}" type="datetimeFigureOut">
               <a:rPr lang="uk-UA" smtClean="0"/>
-              <a:t>29.12.2023</a:t>
+              <a:t>30.12.2023</a:t>
             </a:fld>
             <a:endParaRPr lang="uk-UA" dirty="0"/>
           </a:p>
@@ -2081,7 +2075,7 @@
           <a:p>
             <a:fld id="{C33BDC4C-8F53-4C3C-B639-E78DA6BA50C2}" type="datetimeFigureOut">
               <a:rPr lang="uk-UA" smtClean="0"/>
-              <a:t>29.12.2023</a:t>
+              <a:t>30.12.2023</a:t>
             </a:fld>
             <a:endParaRPr lang="uk-UA" dirty="0"/>
           </a:p>
@@ -2392,7 +2386,7 @@
           <a:p>
             <a:fld id="{C33BDC4C-8F53-4C3C-B639-E78DA6BA50C2}" type="datetimeFigureOut">
               <a:rPr lang="uk-UA" smtClean="0"/>
-              <a:t>29.12.2023</a:t>
+              <a:t>30.12.2023</a:t>
             </a:fld>
             <a:endParaRPr lang="uk-UA" dirty="0"/>
           </a:p>
@@ -2680,7 +2674,7 @@
           <a:p>
             <a:fld id="{C33BDC4C-8F53-4C3C-B639-E78DA6BA50C2}" type="datetimeFigureOut">
               <a:rPr lang="uk-UA" smtClean="0"/>
-              <a:t>29.12.2023</a:t>
+              <a:t>30.12.2023</a:t>
             </a:fld>
             <a:endParaRPr lang="uk-UA" dirty="0"/>
           </a:p>
@@ -2921,7 +2915,7 @@
           <a:p>
             <a:fld id="{C33BDC4C-8F53-4C3C-B639-E78DA6BA50C2}" type="datetimeFigureOut">
               <a:rPr lang="uk-UA" smtClean="0"/>
-              <a:t>29.12.2023</a:t>
+              <a:t>30.12.2023</a:t>
             </a:fld>
             <a:endParaRPr lang="uk-UA" dirty="0"/>
           </a:p>
@@ -3929,2096 +3923,6 @@
 </p:sld>
 </file>
 
-<file path=ppt/slides/slide10.xml><?xml version="1.0" encoding="utf-8"?>
-<p:sld xmlns:a="http://schemas.openxmlformats.org/drawingml/2006/main" xmlns:r="http://schemas.openxmlformats.org/officeDocument/2006/relationships" xmlns:p="http://schemas.openxmlformats.org/presentationml/2006/main">
-  <p:cSld>
-    <p:bg>
-      <p:bgPr>
-        <a:solidFill>
-          <a:srgbClr val="274537"/>
-        </a:solidFill>
-        <a:effectLst/>
-      </p:bgPr>
-    </p:bg>
-    <p:spTree>
-      <p:nvGrpSpPr>
-        <p:cNvPr id="1" name=""/>
-        <p:cNvGrpSpPr/>
-        <p:nvPr/>
-      </p:nvGrpSpPr>
-      <p:grpSpPr>
-        <a:xfrm>
-          <a:off x="0" y="0"/>
-          <a:ext cx="0" cy="0"/>
-          <a:chOff x="0" y="0"/>
-          <a:chExt cx="0" cy="0"/>
-        </a:xfrm>
-      </p:grpSpPr>
-      <p:sp>
-        <p:nvSpPr>
-          <p:cNvPr id="29" name="Діагональна стрічка 28">
-            <a:extLst>
-              <a:ext uri="{FF2B5EF4-FFF2-40B4-BE49-F238E27FC236}">
-                <a16:creationId xmlns:a16="http://schemas.microsoft.com/office/drawing/2014/main" id="{5B652D84-42DD-F76C-A9FB-0CBC50C47DC6}"/>
-              </a:ext>
-            </a:extLst>
-          </p:cNvPr>
-          <p:cNvSpPr/>
-          <p:nvPr/>
-        </p:nvSpPr>
-        <p:spPr>
-          <a:xfrm>
-            <a:off x="-34579" y="1"/>
-            <a:ext cx="12766670" cy="6858000"/>
-          </a:xfrm>
-          <a:prstGeom prst="diagStripe">
-            <a:avLst>
-              <a:gd name="adj" fmla="val 50894"/>
-            </a:avLst>
-          </a:prstGeom>
-          <a:solidFill>
-            <a:srgbClr val="58B88D"/>
-          </a:solidFill>
-          <a:ln>
-            <a:noFill/>
-          </a:ln>
-        </p:spPr>
-        <p:style>
-          <a:lnRef idx="2">
-            <a:schemeClr val="accent1">
-              <a:shade val="15000"/>
-            </a:schemeClr>
-          </a:lnRef>
-          <a:fillRef idx="1">
-            <a:schemeClr val="accent1"/>
-          </a:fillRef>
-          <a:effectRef idx="0">
-            <a:schemeClr val="accent1"/>
-          </a:effectRef>
-          <a:fontRef idx="minor">
-            <a:schemeClr val="lt1"/>
-          </a:fontRef>
-        </p:style>
-        <p:txBody>
-          <a:bodyPr rtlCol="0" anchor="ctr"/>
-          <a:lstStyle/>
-          <a:p>
-            <a:pPr algn="ctr"/>
-            <a:endParaRPr lang="uk-UA">
-              <a:solidFill>
-                <a:schemeClr val="tx1"/>
-              </a:solidFill>
-            </a:endParaRPr>
-          </a:p>
-        </p:txBody>
-      </p:sp>
-      <p:sp>
-        <p:nvSpPr>
-          <p:cNvPr id="20" name="Стрілка: шеврон 19">
-            <a:extLst>
-              <a:ext uri="{FF2B5EF4-FFF2-40B4-BE49-F238E27FC236}">
-                <a16:creationId xmlns:a16="http://schemas.microsoft.com/office/drawing/2014/main" id="{7119E403-408E-1B32-6686-15E7AD95EA71}"/>
-              </a:ext>
-            </a:extLst>
-          </p:cNvPr>
-          <p:cNvSpPr/>
-          <p:nvPr/>
-        </p:nvSpPr>
-        <p:spPr>
-          <a:xfrm>
-            <a:off x="20784404" y="2267253"/>
-            <a:ext cx="1755228" cy="2323494"/>
-          </a:xfrm>
-          <a:prstGeom prst="chevron">
-            <a:avLst>
-              <a:gd name="adj" fmla="val 54192"/>
-            </a:avLst>
-          </a:prstGeom>
-          <a:solidFill>
-            <a:srgbClr val="0D372F">
-              <a:alpha val="38000"/>
-            </a:srgbClr>
-          </a:solidFill>
-          <a:ln>
-            <a:noFill/>
-          </a:ln>
-        </p:spPr>
-        <p:style>
-          <a:lnRef idx="2">
-            <a:schemeClr val="accent1">
-              <a:shade val="15000"/>
-            </a:schemeClr>
-          </a:lnRef>
-          <a:fillRef idx="1">
-            <a:schemeClr val="accent1"/>
-          </a:fillRef>
-          <a:effectRef idx="0">
-            <a:schemeClr val="accent1"/>
-          </a:effectRef>
-          <a:fontRef idx="minor">
-            <a:schemeClr val="lt1"/>
-          </a:fontRef>
-        </p:style>
-        <p:txBody>
-          <a:bodyPr rtlCol="0" anchor="ctr"/>
-          <a:lstStyle/>
-          <a:p>
-            <a:pPr algn="ctr"/>
-            <a:endParaRPr lang="uk-UA">
-              <a:solidFill>
-                <a:schemeClr val="tx1"/>
-              </a:solidFill>
-            </a:endParaRPr>
-          </a:p>
-        </p:txBody>
-      </p:sp>
-      <p:sp>
-        <p:nvSpPr>
-          <p:cNvPr id="21" name="Стрілка: шеврон 20">
-            <a:extLst>
-              <a:ext uri="{FF2B5EF4-FFF2-40B4-BE49-F238E27FC236}">
-                <a16:creationId xmlns:a16="http://schemas.microsoft.com/office/drawing/2014/main" id="{1CCC582D-EAF0-2EE2-136E-A6A3DB371638}"/>
-              </a:ext>
-            </a:extLst>
-          </p:cNvPr>
-          <p:cNvSpPr/>
-          <p:nvPr/>
-        </p:nvSpPr>
-        <p:spPr>
-          <a:xfrm>
-            <a:off x="21984792" y="2267253"/>
-            <a:ext cx="1755228" cy="2323494"/>
-          </a:xfrm>
-          <a:prstGeom prst="chevron">
-            <a:avLst>
-              <a:gd name="adj" fmla="val 54192"/>
-            </a:avLst>
-          </a:prstGeom>
-          <a:solidFill>
-            <a:srgbClr val="0D372F">
-              <a:alpha val="38000"/>
-            </a:srgbClr>
-          </a:solidFill>
-          <a:ln>
-            <a:noFill/>
-          </a:ln>
-        </p:spPr>
-        <p:style>
-          <a:lnRef idx="2">
-            <a:schemeClr val="accent1">
-              <a:shade val="15000"/>
-            </a:schemeClr>
-          </a:lnRef>
-          <a:fillRef idx="1">
-            <a:schemeClr val="accent1"/>
-          </a:fillRef>
-          <a:effectRef idx="0">
-            <a:schemeClr val="accent1"/>
-          </a:effectRef>
-          <a:fontRef idx="minor">
-            <a:schemeClr val="lt1"/>
-          </a:fontRef>
-        </p:style>
-        <p:txBody>
-          <a:bodyPr rtlCol="0" anchor="ctr"/>
-          <a:lstStyle/>
-          <a:p>
-            <a:pPr algn="ctr"/>
-            <a:endParaRPr lang="uk-UA">
-              <a:solidFill>
-                <a:schemeClr val="tx1"/>
-              </a:solidFill>
-            </a:endParaRPr>
-          </a:p>
-        </p:txBody>
-      </p:sp>
-      <p:sp>
-        <p:nvSpPr>
-          <p:cNvPr id="22" name="Стрілка: шеврон 21">
-            <a:extLst>
-              <a:ext uri="{FF2B5EF4-FFF2-40B4-BE49-F238E27FC236}">
-                <a16:creationId xmlns:a16="http://schemas.microsoft.com/office/drawing/2014/main" id="{7AA5A350-4531-9C62-7040-CA6BB3BD3495}"/>
-              </a:ext>
-            </a:extLst>
-          </p:cNvPr>
-          <p:cNvSpPr/>
-          <p:nvPr/>
-        </p:nvSpPr>
-        <p:spPr>
-          <a:xfrm>
-            <a:off x="23107445" y="2286000"/>
-            <a:ext cx="1755228" cy="2323494"/>
-          </a:xfrm>
-          <a:prstGeom prst="chevron">
-            <a:avLst>
-              <a:gd name="adj" fmla="val 54192"/>
-            </a:avLst>
-          </a:prstGeom>
-          <a:solidFill>
-            <a:srgbClr val="0D372F">
-              <a:alpha val="38000"/>
-            </a:srgbClr>
-          </a:solidFill>
-          <a:ln>
-            <a:noFill/>
-          </a:ln>
-        </p:spPr>
-        <p:style>
-          <a:lnRef idx="2">
-            <a:schemeClr val="accent1">
-              <a:shade val="15000"/>
-            </a:schemeClr>
-          </a:lnRef>
-          <a:fillRef idx="1">
-            <a:schemeClr val="accent1"/>
-          </a:fillRef>
-          <a:effectRef idx="0">
-            <a:schemeClr val="accent1"/>
-          </a:effectRef>
-          <a:fontRef idx="minor">
-            <a:schemeClr val="lt1"/>
-          </a:fontRef>
-        </p:style>
-        <p:txBody>
-          <a:bodyPr rtlCol="0" anchor="ctr"/>
-          <a:lstStyle/>
-          <a:p>
-            <a:pPr algn="ctr"/>
-            <a:endParaRPr lang="uk-UA">
-              <a:solidFill>
-                <a:schemeClr val="tx1"/>
-              </a:solidFill>
-            </a:endParaRPr>
-          </a:p>
-        </p:txBody>
-      </p:sp>
-      <p:sp>
-        <p:nvSpPr>
-          <p:cNvPr id="23" name="Стрілка: шеврон 22">
-            <a:extLst>
-              <a:ext uri="{FF2B5EF4-FFF2-40B4-BE49-F238E27FC236}">
-                <a16:creationId xmlns:a16="http://schemas.microsoft.com/office/drawing/2014/main" id="{58F5FAC1-766B-002C-B62C-94111A2AE4C3}"/>
-              </a:ext>
-            </a:extLst>
-          </p:cNvPr>
-          <p:cNvSpPr/>
-          <p:nvPr/>
-        </p:nvSpPr>
-        <p:spPr>
-          <a:xfrm>
-            <a:off x="24230098" y="2304747"/>
-            <a:ext cx="1755228" cy="2323494"/>
-          </a:xfrm>
-          <a:prstGeom prst="chevron">
-            <a:avLst>
-              <a:gd name="adj" fmla="val 54192"/>
-            </a:avLst>
-          </a:prstGeom>
-          <a:solidFill>
-            <a:srgbClr val="0D372F">
-              <a:alpha val="38000"/>
-            </a:srgbClr>
-          </a:solidFill>
-          <a:ln>
-            <a:noFill/>
-          </a:ln>
-        </p:spPr>
-        <p:style>
-          <a:lnRef idx="2">
-            <a:schemeClr val="accent1">
-              <a:shade val="15000"/>
-            </a:schemeClr>
-          </a:lnRef>
-          <a:fillRef idx="1">
-            <a:schemeClr val="accent1"/>
-          </a:fillRef>
-          <a:effectRef idx="0">
-            <a:schemeClr val="accent1"/>
-          </a:effectRef>
-          <a:fontRef idx="minor">
-            <a:schemeClr val="lt1"/>
-          </a:fontRef>
-        </p:style>
-        <p:txBody>
-          <a:bodyPr rtlCol="0" anchor="ctr"/>
-          <a:lstStyle/>
-          <a:p>
-            <a:pPr algn="ctr"/>
-            <a:endParaRPr lang="uk-UA">
-              <a:solidFill>
-                <a:schemeClr val="tx1"/>
-              </a:solidFill>
-            </a:endParaRPr>
-          </a:p>
-        </p:txBody>
-      </p:sp>
-      <p:sp>
-        <p:nvSpPr>
-          <p:cNvPr id="24" name="Стрілка: шеврон 23">
-            <a:extLst>
-              <a:ext uri="{FF2B5EF4-FFF2-40B4-BE49-F238E27FC236}">
-                <a16:creationId xmlns:a16="http://schemas.microsoft.com/office/drawing/2014/main" id="{8214B328-14C3-3BA3-703E-6E6529A800DD}"/>
-              </a:ext>
-            </a:extLst>
-          </p:cNvPr>
-          <p:cNvSpPr/>
-          <p:nvPr/>
-        </p:nvSpPr>
-        <p:spPr>
-          <a:xfrm>
-            <a:off x="19606682" y="2267253"/>
-            <a:ext cx="1755228" cy="2323494"/>
-          </a:xfrm>
-          <a:prstGeom prst="chevron">
-            <a:avLst>
-              <a:gd name="adj" fmla="val 54192"/>
-            </a:avLst>
-          </a:prstGeom>
-          <a:solidFill>
-            <a:srgbClr val="0D372F">
-              <a:alpha val="38000"/>
-            </a:srgbClr>
-          </a:solidFill>
-          <a:ln>
-            <a:noFill/>
-          </a:ln>
-        </p:spPr>
-        <p:style>
-          <a:lnRef idx="2">
-            <a:schemeClr val="accent1">
-              <a:shade val="15000"/>
-            </a:schemeClr>
-          </a:lnRef>
-          <a:fillRef idx="1">
-            <a:schemeClr val="accent1"/>
-          </a:fillRef>
-          <a:effectRef idx="0">
-            <a:schemeClr val="accent1"/>
-          </a:effectRef>
-          <a:fontRef idx="minor">
-            <a:schemeClr val="lt1"/>
-          </a:fontRef>
-        </p:style>
-        <p:txBody>
-          <a:bodyPr rtlCol="0" anchor="ctr"/>
-          <a:lstStyle/>
-          <a:p>
-            <a:pPr algn="ctr"/>
-            <a:endParaRPr lang="uk-UA">
-              <a:solidFill>
-                <a:schemeClr val="tx1"/>
-              </a:solidFill>
-            </a:endParaRPr>
-          </a:p>
-        </p:txBody>
-      </p:sp>
-      <p:sp>
-        <p:nvSpPr>
-          <p:cNvPr id="25" name="Стрілка: шеврон 24">
-            <a:extLst>
-              <a:ext uri="{FF2B5EF4-FFF2-40B4-BE49-F238E27FC236}">
-                <a16:creationId xmlns:a16="http://schemas.microsoft.com/office/drawing/2014/main" id="{FA48A319-84D1-4A2B-FAB7-B6C6E14038B8}"/>
-              </a:ext>
-            </a:extLst>
-          </p:cNvPr>
-          <p:cNvSpPr/>
-          <p:nvPr/>
-        </p:nvSpPr>
-        <p:spPr>
-          <a:xfrm>
-            <a:off x="25429994" y="2279252"/>
-            <a:ext cx="1755228" cy="2323494"/>
-          </a:xfrm>
-          <a:prstGeom prst="chevron">
-            <a:avLst>
-              <a:gd name="adj" fmla="val 54192"/>
-            </a:avLst>
-          </a:prstGeom>
-          <a:solidFill>
-            <a:srgbClr val="0D372F">
-              <a:alpha val="38000"/>
-            </a:srgbClr>
-          </a:solidFill>
-          <a:ln>
-            <a:noFill/>
-          </a:ln>
-        </p:spPr>
-        <p:style>
-          <a:lnRef idx="2">
-            <a:schemeClr val="accent1">
-              <a:shade val="15000"/>
-            </a:schemeClr>
-          </a:lnRef>
-          <a:fillRef idx="1">
-            <a:schemeClr val="accent1"/>
-          </a:fillRef>
-          <a:effectRef idx="0">
-            <a:schemeClr val="accent1"/>
-          </a:effectRef>
-          <a:fontRef idx="minor">
-            <a:schemeClr val="lt1"/>
-          </a:fontRef>
-        </p:style>
-        <p:txBody>
-          <a:bodyPr rtlCol="0" anchor="ctr"/>
-          <a:lstStyle/>
-          <a:p>
-            <a:pPr algn="ctr"/>
-            <a:endParaRPr lang="uk-UA">
-              <a:solidFill>
-                <a:schemeClr val="tx1"/>
-              </a:solidFill>
-            </a:endParaRPr>
-          </a:p>
-        </p:txBody>
-      </p:sp>
-      <p:sp>
-        <p:nvSpPr>
-          <p:cNvPr id="13" name="AutoShape 2" descr="Continuous line drawing of retro sport car driving fast Stock Vector by  ©OneLineStock 276961366">
-            <a:extLst>
-              <a:ext uri="{FF2B5EF4-FFF2-40B4-BE49-F238E27FC236}">
-                <a16:creationId xmlns:a16="http://schemas.microsoft.com/office/drawing/2014/main" id="{A3971AC3-D430-4BA9-E3C7-73FE56DC5956}"/>
-              </a:ext>
-            </a:extLst>
-          </p:cNvPr>
-          <p:cNvSpPr>
-            <a:spLocks noChangeAspect="1" noChangeArrowheads="1"/>
-          </p:cNvSpPr>
-          <p:nvPr/>
-        </p:nvSpPr>
-        <p:spPr bwMode="auto">
-          <a:xfrm>
-            <a:off x="19415759" y="3276599"/>
-            <a:ext cx="1122333" cy="1122333"/>
-          </a:xfrm>
-          <a:prstGeom prst="rect">
-            <a:avLst/>
-          </a:prstGeom>
-          <a:noFill/>
-          <a:extLst>
-            <a:ext uri="{909E8E84-426E-40DD-AFC4-6F175D3DCCD1}">
-              <a14:hiddenFill xmlns:a14="http://schemas.microsoft.com/office/drawing/2010/main">
-                <a:solidFill>
-                  <a:srgbClr val="FFFFFF"/>
-                </a:solidFill>
-              </a14:hiddenFill>
-            </a:ext>
-          </a:extLst>
-        </p:spPr>
-        <p:txBody>
-          <a:bodyPr vert="horz" wrap="square" lIns="91440" tIns="45720" rIns="91440" bIns="45720" numCol="1" anchor="t" anchorCtr="0" compatLnSpc="1">
-            <a:prstTxWarp prst="textNoShape">
-              <a:avLst/>
-            </a:prstTxWarp>
-          </a:bodyPr>
-          <a:lstStyle/>
-          <a:p>
-            <a:endParaRPr lang="uk-UA"/>
-          </a:p>
-        </p:txBody>
-      </p:sp>
-      <p:sp>
-        <p:nvSpPr>
-          <p:cNvPr id="12" name="Стрілка: шеврон 11">
-            <a:extLst>
-              <a:ext uri="{FF2B5EF4-FFF2-40B4-BE49-F238E27FC236}">
-                <a16:creationId xmlns:a16="http://schemas.microsoft.com/office/drawing/2014/main" id="{9485F26B-D795-5768-7026-A1B4F9C84947}"/>
-              </a:ext>
-            </a:extLst>
-          </p:cNvPr>
-          <p:cNvSpPr/>
-          <p:nvPr/>
-        </p:nvSpPr>
-        <p:spPr>
-          <a:xfrm>
-            <a:off x="13863881" y="2248506"/>
-            <a:ext cx="1755228" cy="2323494"/>
-          </a:xfrm>
-          <a:prstGeom prst="chevron">
-            <a:avLst>
-              <a:gd name="adj" fmla="val 54192"/>
-            </a:avLst>
-          </a:prstGeom>
-          <a:solidFill>
-            <a:srgbClr val="0D372F">
-              <a:alpha val="38000"/>
-            </a:srgbClr>
-          </a:solidFill>
-          <a:ln>
-            <a:noFill/>
-          </a:ln>
-        </p:spPr>
-        <p:style>
-          <a:lnRef idx="2">
-            <a:schemeClr val="accent1">
-              <a:shade val="15000"/>
-            </a:schemeClr>
-          </a:lnRef>
-          <a:fillRef idx="1">
-            <a:schemeClr val="accent1"/>
-          </a:fillRef>
-          <a:effectRef idx="0">
-            <a:schemeClr val="accent1"/>
-          </a:effectRef>
-          <a:fontRef idx="minor">
-            <a:schemeClr val="lt1"/>
-          </a:fontRef>
-        </p:style>
-        <p:txBody>
-          <a:bodyPr rtlCol="0" anchor="ctr"/>
-          <a:lstStyle/>
-          <a:p>
-            <a:pPr algn="ctr"/>
-            <a:endParaRPr lang="uk-UA">
-              <a:solidFill>
-                <a:schemeClr val="tx1"/>
-              </a:solidFill>
-            </a:endParaRPr>
-          </a:p>
-        </p:txBody>
-      </p:sp>
-      <p:sp>
-        <p:nvSpPr>
-          <p:cNvPr id="15" name="Стрілка: шеврон 14">
-            <a:extLst>
-              <a:ext uri="{FF2B5EF4-FFF2-40B4-BE49-F238E27FC236}">
-                <a16:creationId xmlns:a16="http://schemas.microsoft.com/office/drawing/2014/main" id="{3CCDA09F-AA1F-D036-1EF8-5F3E4817390C}"/>
-              </a:ext>
-            </a:extLst>
-          </p:cNvPr>
-          <p:cNvSpPr/>
-          <p:nvPr/>
-        </p:nvSpPr>
-        <p:spPr>
-          <a:xfrm>
-            <a:off x="15064269" y="2248506"/>
-            <a:ext cx="1755228" cy="2323494"/>
-          </a:xfrm>
-          <a:prstGeom prst="chevron">
-            <a:avLst>
-              <a:gd name="adj" fmla="val 54192"/>
-            </a:avLst>
-          </a:prstGeom>
-          <a:solidFill>
-            <a:srgbClr val="0D372F">
-              <a:alpha val="38000"/>
-            </a:srgbClr>
-          </a:solidFill>
-          <a:ln>
-            <a:noFill/>
-          </a:ln>
-        </p:spPr>
-        <p:style>
-          <a:lnRef idx="2">
-            <a:schemeClr val="accent1">
-              <a:shade val="15000"/>
-            </a:schemeClr>
-          </a:lnRef>
-          <a:fillRef idx="1">
-            <a:schemeClr val="accent1"/>
-          </a:fillRef>
-          <a:effectRef idx="0">
-            <a:schemeClr val="accent1"/>
-          </a:effectRef>
-          <a:fontRef idx="minor">
-            <a:schemeClr val="lt1"/>
-          </a:fontRef>
-        </p:style>
-        <p:txBody>
-          <a:bodyPr rtlCol="0" anchor="ctr"/>
-          <a:lstStyle/>
-          <a:p>
-            <a:pPr algn="ctr"/>
-            <a:endParaRPr lang="uk-UA">
-              <a:solidFill>
-                <a:schemeClr val="tx1"/>
-              </a:solidFill>
-            </a:endParaRPr>
-          </a:p>
-        </p:txBody>
-      </p:sp>
-      <p:sp>
-        <p:nvSpPr>
-          <p:cNvPr id="16" name="Стрілка: шеврон 15">
-            <a:extLst>
-              <a:ext uri="{FF2B5EF4-FFF2-40B4-BE49-F238E27FC236}">
-                <a16:creationId xmlns:a16="http://schemas.microsoft.com/office/drawing/2014/main" id="{C8C3CA67-AF54-FFFE-EB90-09BC427E2D5C}"/>
-              </a:ext>
-            </a:extLst>
-          </p:cNvPr>
-          <p:cNvSpPr/>
-          <p:nvPr/>
-        </p:nvSpPr>
-        <p:spPr>
-          <a:xfrm>
-            <a:off x="16186922" y="2267253"/>
-            <a:ext cx="1755228" cy="2323494"/>
-          </a:xfrm>
-          <a:prstGeom prst="chevron">
-            <a:avLst>
-              <a:gd name="adj" fmla="val 54192"/>
-            </a:avLst>
-          </a:prstGeom>
-          <a:solidFill>
-            <a:srgbClr val="0D372F">
-              <a:alpha val="38000"/>
-            </a:srgbClr>
-          </a:solidFill>
-          <a:ln>
-            <a:noFill/>
-          </a:ln>
-        </p:spPr>
-        <p:style>
-          <a:lnRef idx="2">
-            <a:schemeClr val="accent1">
-              <a:shade val="15000"/>
-            </a:schemeClr>
-          </a:lnRef>
-          <a:fillRef idx="1">
-            <a:schemeClr val="accent1"/>
-          </a:fillRef>
-          <a:effectRef idx="0">
-            <a:schemeClr val="accent1"/>
-          </a:effectRef>
-          <a:fontRef idx="minor">
-            <a:schemeClr val="lt1"/>
-          </a:fontRef>
-        </p:style>
-        <p:txBody>
-          <a:bodyPr rtlCol="0" anchor="ctr"/>
-          <a:lstStyle/>
-          <a:p>
-            <a:pPr algn="ctr"/>
-            <a:endParaRPr lang="uk-UA">
-              <a:solidFill>
-                <a:schemeClr val="tx1"/>
-              </a:solidFill>
-            </a:endParaRPr>
-          </a:p>
-        </p:txBody>
-      </p:sp>
-      <p:sp>
-        <p:nvSpPr>
-          <p:cNvPr id="17" name="Стрілка: шеврон 16">
-            <a:extLst>
-              <a:ext uri="{FF2B5EF4-FFF2-40B4-BE49-F238E27FC236}">
-                <a16:creationId xmlns:a16="http://schemas.microsoft.com/office/drawing/2014/main" id="{0E0DD223-DAA8-37CF-C360-50E4A569E215}"/>
-              </a:ext>
-            </a:extLst>
-          </p:cNvPr>
-          <p:cNvSpPr/>
-          <p:nvPr/>
-        </p:nvSpPr>
-        <p:spPr>
-          <a:xfrm>
-            <a:off x="17309575" y="2286000"/>
-            <a:ext cx="1755228" cy="2323494"/>
-          </a:xfrm>
-          <a:prstGeom prst="chevron">
-            <a:avLst>
-              <a:gd name="adj" fmla="val 54192"/>
-            </a:avLst>
-          </a:prstGeom>
-          <a:solidFill>
-            <a:srgbClr val="0D372F">
-              <a:alpha val="38000"/>
-            </a:srgbClr>
-          </a:solidFill>
-          <a:ln>
-            <a:noFill/>
-          </a:ln>
-        </p:spPr>
-        <p:style>
-          <a:lnRef idx="2">
-            <a:schemeClr val="accent1">
-              <a:shade val="15000"/>
-            </a:schemeClr>
-          </a:lnRef>
-          <a:fillRef idx="1">
-            <a:schemeClr val="accent1"/>
-          </a:fillRef>
-          <a:effectRef idx="0">
-            <a:schemeClr val="accent1"/>
-          </a:effectRef>
-          <a:fontRef idx="minor">
-            <a:schemeClr val="lt1"/>
-          </a:fontRef>
-        </p:style>
-        <p:txBody>
-          <a:bodyPr rtlCol="0" anchor="ctr"/>
-          <a:lstStyle/>
-          <a:p>
-            <a:pPr algn="ctr"/>
-            <a:endParaRPr lang="uk-UA">
-              <a:solidFill>
-                <a:schemeClr val="tx1"/>
-              </a:solidFill>
-            </a:endParaRPr>
-          </a:p>
-        </p:txBody>
-      </p:sp>
-      <p:sp>
-        <p:nvSpPr>
-          <p:cNvPr id="18" name="Стрілка: шеврон 17">
-            <a:extLst>
-              <a:ext uri="{FF2B5EF4-FFF2-40B4-BE49-F238E27FC236}">
-                <a16:creationId xmlns:a16="http://schemas.microsoft.com/office/drawing/2014/main" id="{76771D32-2209-DE62-B7C1-6DA26FAA9CD6}"/>
-              </a:ext>
-            </a:extLst>
-          </p:cNvPr>
-          <p:cNvSpPr/>
-          <p:nvPr/>
-        </p:nvSpPr>
-        <p:spPr>
-          <a:xfrm>
-            <a:off x="12686159" y="2248506"/>
-            <a:ext cx="1755228" cy="2323494"/>
-          </a:xfrm>
-          <a:prstGeom prst="chevron">
-            <a:avLst>
-              <a:gd name="adj" fmla="val 54192"/>
-            </a:avLst>
-          </a:prstGeom>
-          <a:solidFill>
-            <a:srgbClr val="0D372F">
-              <a:alpha val="38000"/>
-            </a:srgbClr>
-          </a:solidFill>
-          <a:ln>
-            <a:noFill/>
-          </a:ln>
-        </p:spPr>
-        <p:style>
-          <a:lnRef idx="2">
-            <a:schemeClr val="accent1">
-              <a:shade val="15000"/>
-            </a:schemeClr>
-          </a:lnRef>
-          <a:fillRef idx="1">
-            <a:schemeClr val="accent1"/>
-          </a:fillRef>
-          <a:effectRef idx="0">
-            <a:schemeClr val="accent1"/>
-          </a:effectRef>
-          <a:fontRef idx="minor">
-            <a:schemeClr val="lt1"/>
-          </a:fontRef>
-        </p:style>
-        <p:txBody>
-          <a:bodyPr rtlCol="0" anchor="ctr"/>
-          <a:lstStyle/>
-          <a:p>
-            <a:pPr algn="ctr"/>
-            <a:endParaRPr lang="uk-UA">
-              <a:solidFill>
-                <a:schemeClr val="tx1"/>
-              </a:solidFill>
-            </a:endParaRPr>
-          </a:p>
-        </p:txBody>
-      </p:sp>
-      <p:sp>
-        <p:nvSpPr>
-          <p:cNvPr id="19" name="Стрілка: шеврон 18">
-            <a:extLst>
-              <a:ext uri="{FF2B5EF4-FFF2-40B4-BE49-F238E27FC236}">
-                <a16:creationId xmlns:a16="http://schemas.microsoft.com/office/drawing/2014/main" id="{723ADF94-A0A5-041D-3244-580AF55C2410}"/>
-              </a:ext>
-            </a:extLst>
-          </p:cNvPr>
-          <p:cNvSpPr/>
-          <p:nvPr/>
-        </p:nvSpPr>
-        <p:spPr>
-          <a:xfrm>
-            <a:off x="18509471" y="2260505"/>
-            <a:ext cx="1755228" cy="2323494"/>
-          </a:xfrm>
-          <a:prstGeom prst="chevron">
-            <a:avLst>
-              <a:gd name="adj" fmla="val 54192"/>
-            </a:avLst>
-          </a:prstGeom>
-          <a:solidFill>
-            <a:srgbClr val="0D372F">
-              <a:alpha val="38000"/>
-            </a:srgbClr>
-          </a:solidFill>
-          <a:ln>
-            <a:noFill/>
-          </a:ln>
-        </p:spPr>
-        <p:style>
-          <a:lnRef idx="2">
-            <a:schemeClr val="accent1">
-              <a:shade val="15000"/>
-            </a:schemeClr>
-          </a:lnRef>
-          <a:fillRef idx="1">
-            <a:schemeClr val="accent1"/>
-          </a:fillRef>
-          <a:effectRef idx="0">
-            <a:schemeClr val="accent1"/>
-          </a:effectRef>
-          <a:fontRef idx="minor">
-            <a:schemeClr val="lt1"/>
-          </a:fontRef>
-        </p:style>
-        <p:txBody>
-          <a:bodyPr rtlCol="0" anchor="ctr"/>
-          <a:lstStyle/>
-          <a:p>
-            <a:pPr algn="ctr"/>
-            <a:endParaRPr lang="uk-UA">
-              <a:solidFill>
-                <a:schemeClr val="tx1"/>
-              </a:solidFill>
-            </a:endParaRPr>
-          </a:p>
-        </p:txBody>
-      </p:sp>
-      <p:pic>
-        <p:nvPicPr>
-          <p:cNvPr id="6" name="Рисунок 5">
-            <a:extLst>
-              <a:ext uri="{FF2B5EF4-FFF2-40B4-BE49-F238E27FC236}">
-                <a16:creationId xmlns:a16="http://schemas.microsoft.com/office/drawing/2014/main" id="{3D3A56C0-D7C2-93F9-BC7E-AD4507501576}"/>
-              </a:ext>
-            </a:extLst>
-          </p:cNvPr>
-          <p:cNvPicPr>
-            <a:picLocks noChangeAspect="1"/>
-          </p:cNvPicPr>
-          <p:nvPr/>
-        </p:nvPicPr>
-        <p:blipFill>
-          <a:blip r:embed="rId2"/>
-          <a:stretch>
-            <a:fillRect/>
-          </a:stretch>
-        </p:blipFill>
-        <p:spPr>
-          <a:xfrm>
-            <a:off x="182469" y="2215101"/>
-            <a:ext cx="5760000" cy="3245328"/>
-          </a:xfrm>
-          <a:prstGeom prst="rect">
-            <a:avLst/>
-          </a:prstGeom>
-        </p:spPr>
-      </p:pic>
-      <p:pic>
-        <p:nvPicPr>
-          <p:cNvPr id="27" name="Рисунок 26">
-            <a:extLst>
-              <a:ext uri="{FF2B5EF4-FFF2-40B4-BE49-F238E27FC236}">
-                <a16:creationId xmlns:a16="http://schemas.microsoft.com/office/drawing/2014/main" id="{230D30E5-AA11-51B4-4843-A93F855BC397}"/>
-              </a:ext>
-            </a:extLst>
-          </p:cNvPr>
-          <p:cNvPicPr>
-            <a:picLocks noChangeAspect="1"/>
-          </p:cNvPicPr>
-          <p:nvPr/>
-        </p:nvPicPr>
-        <p:blipFill>
-          <a:blip r:embed="rId3"/>
-          <a:stretch>
-            <a:fillRect/>
-          </a:stretch>
-        </p:blipFill>
-        <p:spPr>
-          <a:xfrm>
-            <a:off x="6159517" y="2215101"/>
-            <a:ext cx="5760000" cy="3251417"/>
-          </a:xfrm>
-          <a:prstGeom prst="rect">
-            <a:avLst/>
-          </a:prstGeom>
-        </p:spPr>
-      </p:pic>
-      <p:sp>
-        <p:nvSpPr>
-          <p:cNvPr id="28" name="TextBox 27">
-            <a:extLst>
-              <a:ext uri="{FF2B5EF4-FFF2-40B4-BE49-F238E27FC236}">
-                <a16:creationId xmlns:a16="http://schemas.microsoft.com/office/drawing/2014/main" id="{A2B7EB7A-DF31-1197-D453-043F5641FDBF}"/>
-              </a:ext>
-            </a:extLst>
-          </p:cNvPr>
-          <p:cNvSpPr txBox="1"/>
-          <p:nvPr/>
-        </p:nvSpPr>
-        <p:spPr>
-          <a:xfrm>
-            <a:off x="4252931" y="1037539"/>
-            <a:ext cx="3686137" cy="707886"/>
-          </a:xfrm>
-          <a:prstGeom prst="rect">
-            <a:avLst/>
-          </a:prstGeom>
-          <a:noFill/>
-        </p:spPr>
-        <p:txBody>
-          <a:bodyPr wrap="none" rtlCol="0">
-            <a:spAutoFit/>
-          </a:bodyPr>
-          <a:lstStyle/>
-          <a:p>
-            <a:r>
-              <a:rPr lang="uk-UA" sz="4000" dirty="0">
-                <a:solidFill>
-                  <a:srgbClr val="0D372F"/>
-                </a:solidFill>
-                <a:latin typeface="Franklin Gothic Demi Cond" panose="020B0706030402020204" pitchFamily="34" charset="0"/>
-              </a:rPr>
-              <a:t>Головна сторінка</a:t>
-            </a:r>
-          </a:p>
-        </p:txBody>
-      </p:sp>
-      <p:sp>
-        <p:nvSpPr>
-          <p:cNvPr id="30" name="TextBox 29">
-            <a:extLst>
-              <a:ext uri="{FF2B5EF4-FFF2-40B4-BE49-F238E27FC236}">
-                <a16:creationId xmlns:a16="http://schemas.microsoft.com/office/drawing/2014/main" id="{71CB42A6-E355-092A-21B7-C608762267FD}"/>
-              </a:ext>
-            </a:extLst>
-          </p:cNvPr>
-          <p:cNvSpPr txBox="1"/>
-          <p:nvPr/>
-        </p:nvSpPr>
-        <p:spPr>
-          <a:xfrm>
-            <a:off x="-3501558" y="756745"/>
-            <a:ext cx="3113170" cy="707886"/>
-          </a:xfrm>
-          <a:prstGeom prst="rect">
-            <a:avLst/>
-          </a:prstGeom>
-          <a:noFill/>
-        </p:spPr>
-        <p:txBody>
-          <a:bodyPr wrap="square" rtlCol="0">
-            <a:spAutoFit/>
-          </a:bodyPr>
-          <a:lstStyle/>
-          <a:p>
-            <a:r>
-              <a:rPr lang="uk-UA" sz="4000" dirty="0" err="1">
-                <a:solidFill>
-                  <a:srgbClr val="0D372F"/>
-                </a:solidFill>
-                <a:latin typeface="Franklin Gothic Demi Cond" panose="020B0706030402020204" pitchFamily="34" charset="0"/>
-              </a:rPr>
-              <a:t>Аутенфікація</a:t>
-            </a:r>
-            <a:endParaRPr lang="uk-UA" sz="4000" dirty="0">
-              <a:solidFill>
-                <a:srgbClr val="0D372F"/>
-              </a:solidFill>
-              <a:latin typeface="Franklin Gothic Demi Cond" panose="020B0706030402020204" pitchFamily="34" charset="0"/>
-            </a:endParaRPr>
-          </a:p>
-        </p:txBody>
-      </p:sp>
-      <p:sp>
-        <p:nvSpPr>
-          <p:cNvPr id="31" name="TextBox 30">
-            <a:extLst>
-              <a:ext uri="{FF2B5EF4-FFF2-40B4-BE49-F238E27FC236}">
-                <a16:creationId xmlns:a16="http://schemas.microsoft.com/office/drawing/2014/main" id="{5EFCB1FA-4042-BDBA-B684-F7344F3ED545}"/>
-              </a:ext>
-            </a:extLst>
-          </p:cNvPr>
-          <p:cNvSpPr txBox="1"/>
-          <p:nvPr/>
-        </p:nvSpPr>
-        <p:spPr>
-          <a:xfrm>
-            <a:off x="-2741942" y="5184297"/>
-            <a:ext cx="2447377" cy="707886"/>
-          </a:xfrm>
-          <a:prstGeom prst="rect">
-            <a:avLst/>
-          </a:prstGeom>
-          <a:noFill/>
-        </p:spPr>
-        <p:txBody>
-          <a:bodyPr wrap="square" rtlCol="0">
-            <a:spAutoFit/>
-          </a:bodyPr>
-          <a:lstStyle/>
-          <a:p>
-            <a:r>
-              <a:rPr lang="uk-UA" sz="4000" dirty="0">
-                <a:solidFill>
-                  <a:srgbClr val="0D372F"/>
-                </a:solidFill>
-                <a:latin typeface="Franklin Gothic Demi Cond" panose="020B0706030402020204" pitchFamily="34" charset="0"/>
-              </a:rPr>
-              <a:t>Реєстрація</a:t>
-            </a:r>
-          </a:p>
-        </p:txBody>
-      </p:sp>
-      <p:sp>
-        <p:nvSpPr>
-          <p:cNvPr id="32" name="Рамка 31">
-            <a:extLst>
-              <a:ext uri="{FF2B5EF4-FFF2-40B4-BE49-F238E27FC236}">
-                <a16:creationId xmlns:a16="http://schemas.microsoft.com/office/drawing/2014/main" id="{7ED5FF66-A880-81B9-317C-2B9DC8972841}"/>
-              </a:ext>
-            </a:extLst>
-          </p:cNvPr>
-          <p:cNvSpPr/>
-          <p:nvPr/>
-        </p:nvSpPr>
-        <p:spPr>
-          <a:xfrm>
-            <a:off x="-4062392" y="3116378"/>
-            <a:ext cx="716280" cy="587750"/>
-          </a:xfrm>
-          <a:prstGeom prst="frame">
-            <a:avLst>
-              <a:gd name="adj1" fmla="val 4551"/>
-            </a:avLst>
-          </a:prstGeom>
-          <a:solidFill>
-            <a:srgbClr val="274537"/>
-          </a:solidFill>
-          <a:ln>
-            <a:noFill/>
-          </a:ln>
-        </p:spPr>
-        <p:style>
-          <a:lnRef idx="2">
-            <a:schemeClr val="accent1">
-              <a:shade val="15000"/>
-            </a:schemeClr>
-          </a:lnRef>
-          <a:fillRef idx="1">
-            <a:schemeClr val="accent1"/>
-          </a:fillRef>
-          <a:effectRef idx="0">
-            <a:schemeClr val="accent1"/>
-          </a:effectRef>
-          <a:fontRef idx="minor">
-            <a:schemeClr val="lt1"/>
-          </a:fontRef>
-        </p:style>
-        <p:txBody>
-          <a:bodyPr rtlCol="0" anchor="ctr"/>
-          <a:lstStyle/>
-          <a:p>
-            <a:pPr algn="ctr"/>
-            <a:endParaRPr lang="uk-UA">
-              <a:solidFill>
-                <a:schemeClr val="tx1"/>
-              </a:solidFill>
-            </a:endParaRPr>
-          </a:p>
-        </p:txBody>
-      </p:sp>
-      <p:sp>
-        <p:nvSpPr>
-          <p:cNvPr id="33" name="TextBox 32">
-            <a:extLst>
-              <a:ext uri="{FF2B5EF4-FFF2-40B4-BE49-F238E27FC236}">
-                <a16:creationId xmlns:a16="http://schemas.microsoft.com/office/drawing/2014/main" id="{023FB3BD-C493-F824-00F8-E3350E17E615}"/>
-              </a:ext>
-            </a:extLst>
-          </p:cNvPr>
-          <p:cNvSpPr txBox="1"/>
-          <p:nvPr/>
-        </p:nvSpPr>
-        <p:spPr>
-          <a:xfrm>
-            <a:off x="12262046" y="3116378"/>
-            <a:ext cx="3611501" cy="584775"/>
-          </a:xfrm>
-          <a:prstGeom prst="rect">
-            <a:avLst/>
-          </a:prstGeom>
-          <a:noFill/>
-        </p:spPr>
-        <p:txBody>
-          <a:bodyPr wrap="none" rtlCol="0">
-            <a:spAutoFit/>
-          </a:bodyPr>
-          <a:lstStyle/>
-          <a:p>
-            <a:r>
-              <a:rPr lang="uk-UA" sz="3200" dirty="0">
-                <a:solidFill>
-                  <a:srgbClr val="274537"/>
-                </a:solidFill>
-                <a:latin typeface="Franklin Gothic Demi Cond" panose="020B0706030402020204" pitchFamily="34" charset="0"/>
-              </a:rPr>
-              <a:t>Профіль користувача</a:t>
-            </a:r>
-          </a:p>
-        </p:txBody>
-      </p:sp>
-    </p:spTree>
-    <p:extLst>
-      <p:ext uri="{BB962C8B-B14F-4D97-AF65-F5344CB8AC3E}">
-        <p14:creationId xmlns:p14="http://schemas.microsoft.com/office/powerpoint/2010/main" val="1068972748"/>
-      </p:ext>
-    </p:extLst>
-  </p:cSld>
-  <p:clrMapOvr>
-    <a:masterClrMapping/>
-  </p:clrMapOvr>
-  <mc:AlternateContent xmlns:mc="http://schemas.openxmlformats.org/markup-compatibility/2006" xmlns:p159="http://schemas.microsoft.com/office/powerpoint/2015/09/main">
-    <mc:Choice Requires="p159">
-      <p:transition xmlns:p14="http://schemas.microsoft.com/office/powerpoint/2010/main" spd="slow" p14:dur="2000">
-        <p159:morph option="byObject"/>
-      </p:transition>
-    </mc:Choice>
-    <mc:Fallback xmlns="">
-      <p:transition spd="slow">
-        <p:fade/>
-      </p:transition>
-    </mc:Fallback>
-  </mc:AlternateContent>
-</p:sld>
-</file>
-
-<file path=ppt/slides/slide11.xml><?xml version="1.0" encoding="utf-8"?>
-<p:sld xmlns:a="http://schemas.openxmlformats.org/drawingml/2006/main" xmlns:r="http://schemas.openxmlformats.org/officeDocument/2006/relationships" xmlns:p="http://schemas.openxmlformats.org/presentationml/2006/main">
-  <p:cSld>
-    <p:bg>
-      <p:bgPr>
-        <a:solidFill>
-          <a:srgbClr val="87BBA4"/>
-        </a:solidFill>
-        <a:effectLst/>
-      </p:bgPr>
-    </p:bg>
-    <p:spTree>
-      <p:nvGrpSpPr>
-        <p:cNvPr id="1" name=""/>
-        <p:cNvGrpSpPr/>
-        <p:nvPr/>
-      </p:nvGrpSpPr>
-      <p:grpSpPr>
-        <a:xfrm>
-          <a:off x="0" y="0"/>
-          <a:ext cx="0" cy="0"/>
-          <a:chOff x="0" y="0"/>
-          <a:chExt cx="0" cy="0"/>
-        </a:xfrm>
-      </p:grpSpPr>
-      <p:sp>
-        <p:nvSpPr>
-          <p:cNvPr id="28" name="TextBox 27">
-            <a:extLst>
-              <a:ext uri="{FF2B5EF4-FFF2-40B4-BE49-F238E27FC236}">
-                <a16:creationId xmlns:a16="http://schemas.microsoft.com/office/drawing/2014/main" id="{A2B7EB7A-DF31-1197-D453-043F5641FDBF}"/>
-              </a:ext>
-            </a:extLst>
-          </p:cNvPr>
-          <p:cNvSpPr txBox="1"/>
-          <p:nvPr/>
-        </p:nvSpPr>
-        <p:spPr>
-          <a:xfrm>
-            <a:off x="4252931" y="-1940120"/>
-            <a:ext cx="3686137" cy="707886"/>
-          </a:xfrm>
-          <a:prstGeom prst="rect">
-            <a:avLst/>
-          </a:prstGeom>
-          <a:noFill/>
-        </p:spPr>
-        <p:txBody>
-          <a:bodyPr wrap="none" rtlCol="0">
-            <a:spAutoFit/>
-          </a:bodyPr>
-          <a:lstStyle/>
-          <a:p>
-            <a:r>
-              <a:rPr lang="uk-UA" sz="4000" dirty="0">
-                <a:solidFill>
-                  <a:srgbClr val="0D372F"/>
-                </a:solidFill>
-                <a:latin typeface="Franklin Gothic Demi Cond" panose="020B0706030402020204" pitchFamily="34" charset="0"/>
-              </a:rPr>
-              <a:t>Головна сторінка</a:t>
-            </a:r>
-          </a:p>
-        </p:txBody>
-      </p:sp>
-      <p:pic>
-        <p:nvPicPr>
-          <p:cNvPr id="3" name="Рисунок 2">
-            <a:extLst>
-              <a:ext uri="{FF2B5EF4-FFF2-40B4-BE49-F238E27FC236}">
-                <a16:creationId xmlns:a16="http://schemas.microsoft.com/office/drawing/2014/main" id="{FB8D8F74-D1ED-B902-FDF8-3B7E3A0E0DCB}"/>
-              </a:ext>
-            </a:extLst>
-          </p:cNvPr>
-          <p:cNvPicPr>
-            <a:picLocks noChangeAspect="1"/>
-          </p:cNvPicPr>
-          <p:nvPr/>
-        </p:nvPicPr>
-        <p:blipFill>
-          <a:blip r:embed="rId2"/>
-          <a:stretch>
-            <a:fillRect/>
-          </a:stretch>
-        </p:blipFill>
-        <p:spPr>
-          <a:xfrm>
-            <a:off x="220991" y="1375812"/>
-            <a:ext cx="7718077" cy="4348557"/>
-          </a:xfrm>
-          <a:prstGeom prst="rect">
-            <a:avLst/>
-          </a:prstGeom>
-        </p:spPr>
-      </p:pic>
-      <p:sp>
-        <p:nvSpPr>
-          <p:cNvPr id="4" name="Рамка 3">
-            <a:extLst>
-              <a:ext uri="{FF2B5EF4-FFF2-40B4-BE49-F238E27FC236}">
-                <a16:creationId xmlns:a16="http://schemas.microsoft.com/office/drawing/2014/main" id="{C23B6544-8AB0-7351-4B8E-0DCB07077E2B}"/>
-              </a:ext>
-            </a:extLst>
-          </p:cNvPr>
-          <p:cNvSpPr/>
-          <p:nvPr/>
-        </p:nvSpPr>
-        <p:spPr>
-          <a:xfrm>
-            <a:off x="-198120" y="1003739"/>
-            <a:ext cx="8610600" cy="5044440"/>
-          </a:xfrm>
-          <a:prstGeom prst="frame">
-            <a:avLst>
-              <a:gd name="adj1" fmla="val 4551"/>
-            </a:avLst>
-          </a:prstGeom>
-          <a:solidFill>
-            <a:srgbClr val="274537"/>
-          </a:solidFill>
-          <a:ln>
-            <a:noFill/>
-          </a:ln>
-        </p:spPr>
-        <p:style>
-          <a:lnRef idx="2">
-            <a:schemeClr val="accent1">
-              <a:shade val="15000"/>
-            </a:schemeClr>
-          </a:lnRef>
-          <a:fillRef idx="1">
-            <a:schemeClr val="accent1"/>
-          </a:fillRef>
-          <a:effectRef idx="0">
-            <a:schemeClr val="accent1"/>
-          </a:effectRef>
-          <a:fontRef idx="minor">
-            <a:schemeClr val="lt1"/>
-          </a:fontRef>
-        </p:style>
-        <p:txBody>
-          <a:bodyPr rtlCol="0" anchor="ctr"/>
-          <a:lstStyle/>
-          <a:p>
-            <a:pPr algn="ctr"/>
-            <a:endParaRPr lang="uk-UA">
-              <a:solidFill>
-                <a:schemeClr val="tx1"/>
-              </a:solidFill>
-            </a:endParaRPr>
-          </a:p>
-        </p:txBody>
-      </p:sp>
-      <p:sp>
-        <p:nvSpPr>
-          <p:cNvPr id="5" name="TextBox 4">
-            <a:extLst>
-              <a:ext uri="{FF2B5EF4-FFF2-40B4-BE49-F238E27FC236}">
-                <a16:creationId xmlns:a16="http://schemas.microsoft.com/office/drawing/2014/main" id="{528D1424-489E-0420-8360-CAC6BFE9039F}"/>
-              </a:ext>
-            </a:extLst>
-          </p:cNvPr>
-          <p:cNvSpPr txBox="1"/>
-          <p:nvPr/>
-        </p:nvSpPr>
-        <p:spPr>
-          <a:xfrm>
-            <a:off x="8492193" y="2941184"/>
-            <a:ext cx="3611501" cy="584775"/>
-          </a:xfrm>
-          <a:prstGeom prst="rect">
-            <a:avLst/>
-          </a:prstGeom>
-          <a:noFill/>
-        </p:spPr>
-        <p:txBody>
-          <a:bodyPr wrap="none" rtlCol="0">
-            <a:spAutoFit/>
-          </a:bodyPr>
-          <a:lstStyle/>
-          <a:p>
-            <a:r>
-              <a:rPr lang="uk-UA" sz="3200" dirty="0">
-                <a:solidFill>
-                  <a:srgbClr val="274537"/>
-                </a:solidFill>
-                <a:latin typeface="Franklin Gothic Demi Cond" panose="020B0706030402020204" pitchFamily="34" charset="0"/>
-              </a:rPr>
-              <a:t>Профіль користувача</a:t>
-            </a:r>
-          </a:p>
-        </p:txBody>
-      </p:sp>
-      <p:sp>
-        <p:nvSpPr>
-          <p:cNvPr id="7" name="Прямокутник 6">
-            <a:extLst>
-              <a:ext uri="{FF2B5EF4-FFF2-40B4-BE49-F238E27FC236}">
-                <a16:creationId xmlns:a16="http://schemas.microsoft.com/office/drawing/2014/main" id="{E3BD08DE-C987-4BA7-1A58-A3352CC82857}"/>
-              </a:ext>
-            </a:extLst>
-          </p:cNvPr>
-          <p:cNvSpPr/>
-          <p:nvPr/>
-        </p:nvSpPr>
-        <p:spPr>
-          <a:xfrm>
-            <a:off x="220991" y="-6972819"/>
-            <a:ext cx="3694386" cy="6858571"/>
-          </a:xfrm>
-          <a:prstGeom prst="rect">
-            <a:avLst/>
-          </a:prstGeom>
-          <a:solidFill>
-            <a:srgbClr val="87BBA4">
-              <a:alpha val="23000"/>
-            </a:srgbClr>
-          </a:solidFill>
-          <a:ln>
-            <a:noFill/>
-          </a:ln>
-        </p:spPr>
-        <p:style>
-          <a:lnRef idx="2">
-            <a:schemeClr val="accent1">
-              <a:shade val="15000"/>
-            </a:schemeClr>
-          </a:lnRef>
-          <a:fillRef idx="1">
-            <a:schemeClr val="accent1"/>
-          </a:fillRef>
-          <a:effectRef idx="0">
-            <a:schemeClr val="accent1"/>
-          </a:effectRef>
-          <a:fontRef idx="minor">
-            <a:schemeClr val="lt1"/>
-          </a:fontRef>
-        </p:style>
-        <p:txBody>
-          <a:bodyPr rtlCol="0" anchor="ctr"/>
-          <a:lstStyle/>
-          <a:p>
-            <a:pPr algn="ctr"/>
-            <a:endParaRPr lang="uk-UA"/>
-          </a:p>
-        </p:txBody>
-      </p:sp>
-      <p:sp>
-        <p:nvSpPr>
-          <p:cNvPr id="8" name="Прямокутник 7">
-            <a:extLst>
-              <a:ext uri="{FF2B5EF4-FFF2-40B4-BE49-F238E27FC236}">
-                <a16:creationId xmlns:a16="http://schemas.microsoft.com/office/drawing/2014/main" id="{DD922A8A-02C1-A32A-D425-B6E8F91113E1}"/>
-              </a:ext>
-            </a:extLst>
-          </p:cNvPr>
-          <p:cNvSpPr/>
-          <p:nvPr/>
-        </p:nvSpPr>
-        <p:spPr>
-          <a:xfrm>
-            <a:off x="197414" y="7166166"/>
-            <a:ext cx="12192000" cy="4082373"/>
-          </a:xfrm>
-          <a:prstGeom prst="rect">
-            <a:avLst/>
-          </a:prstGeom>
-          <a:solidFill>
-            <a:srgbClr val="4DB36A">
-              <a:alpha val="23000"/>
-            </a:srgbClr>
-          </a:solidFill>
-          <a:ln>
-            <a:noFill/>
-          </a:ln>
-        </p:spPr>
-        <p:style>
-          <a:lnRef idx="2">
-            <a:schemeClr val="accent1">
-              <a:shade val="15000"/>
-            </a:schemeClr>
-          </a:lnRef>
-          <a:fillRef idx="1">
-            <a:schemeClr val="accent1"/>
-          </a:fillRef>
-          <a:effectRef idx="0">
-            <a:schemeClr val="accent1"/>
-          </a:effectRef>
-          <a:fontRef idx="minor">
-            <a:schemeClr val="lt1"/>
-          </a:fontRef>
-        </p:style>
-        <p:txBody>
-          <a:bodyPr rtlCol="0" anchor="ctr"/>
-          <a:lstStyle/>
-          <a:p>
-            <a:pPr algn="ctr"/>
-            <a:endParaRPr lang="uk-UA"/>
-          </a:p>
-        </p:txBody>
-      </p:sp>
-    </p:spTree>
-    <p:extLst>
-      <p:ext uri="{BB962C8B-B14F-4D97-AF65-F5344CB8AC3E}">
-        <p14:creationId xmlns:p14="http://schemas.microsoft.com/office/powerpoint/2010/main" val="1192087874"/>
-      </p:ext>
-    </p:extLst>
-  </p:cSld>
-  <p:clrMapOvr>
-    <a:masterClrMapping/>
-  </p:clrMapOvr>
-  <mc:AlternateContent xmlns:mc="http://schemas.openxmlformats.org/markup-compatibility/2006" xmlns:p159="http://schemas.microsoft.com/office/powerpoint/2015/09/main">
-    <mc:Choice Requires="p159">
-      <p:transition xmlns:p14="http://schemas.microsoft.com/office/powerpoint/2010/main" spd="slow" p14:dur="2000">
-        <p159:morph option="byObject"/>
-      </p:transition>
-    </mc:Choice>
-    <mc:Fallback xmlns="">
-      <p:transition spd="slow">
-        <p:fade/>
-      </p:transition>
-    </mc:Fallback>
-  </mc:AlternateContent>
-</p:sld>
-</file>
-
-<file path=ppt/slides/slide12.xml><?xml version="1.0" encoding="utf-8"?>
-<p:sld xmlns:a="http://schemas.openxmlformats.org/drawingml/2006/main" xmlns:r="http://schemas.openxmlformats.org/officeDocument/2006/relationships" xmlns:p="http://schemas.openxmlformats.org/presentationml/2006/main">
-  <p:cSld>
-    <p:bg>
-      <p:bgPr>
-        <a:solidFill>
-          <a:srgbClr val="D3E5DD"/>
-        </a:solidFill>
-        <a:effectLst/>
-      </p:bgPr>
-    </p:bg>
-    <p:spTree>
-      <p:nvGrpSpPr>
-        <p:cNvPr id="1" name=""/>
-        <p:cNvGrpSpPr/>
-        <p:nvPr/>
-      </p:nvGrpSpPr>
-      <p:grpSpPr>
-        <a:xfrm>
-          <a:off x="0" y="0"/>
-          <a:ext cx="0" cy="0"/>
-          <a:chOff x="0" y="0"/>
-          <a:chExt cx="0" cy="0"/>
-        </a:xfrm>
-      </p:grpSpPr>
-      <p:sp>
-        <p:nvSpPr>
-          <p:cNvPr id="17" name="Прямокутник 16">
-            <a:extLst>
-              <a:ext uri="{FF2B5EF4-FFF2-40B4-BE49-F238E27FC236}">
-                <a16:creationId xmlns:a16="http://schemas.microsoft.com/office/drawing/2014/main" id="{7910A09C-45E4-D393-CBD3-000D646CD2B2}"/>
-              </a:ext>
-            </a:extLst>
-          </p:cNvPr>
-          <p:cNvSpPr/>
-          <p:nvPr/>
-        </p:nvSpPr>
-        <p:spPr>
-          <a:xfrm>
-            <a:off x="428035" y="-55927"/>
-            <a:ext cx="3694386" cy="6858571"/>
-          </a:xfrm>
-          <a:prstGeom prst="rect">
-            <a:avLst/>
-          </a:prstGeom>
-          <a:solidFill>
-            <a:srgbClr val="87BBA4">
-              <a:alpha val="23000"/>
-            </a:srgbClr>
-          </a:solidFill>
-          <a:ln>
-            <a:noFill/>
-          </a:ln>
-        </p:spPr>
-        <p:style>
-          <a:lnRef idx="2">
-            <a:schemeClr val="accent1">
-              <a:shade val="15000"/>
-            </a:schemeClr>
-          </a:lnRef>
-          <a:fillRef idx="1">
-            <a:schemeClr val="accent1"/>
-          </a:fillRef>
-          <a:effectRef idx="0">
-            <a:schemeClr val="accent1"/>
-          </a:effectRef>
-          <a:fontRef idx="minor">
-            <a:schemeClr val="lt1"/>
-          </a:fontRef>
-        </p:style>
-        <p:txBody>
-          <a:bodyPr rtlCol="0" anchor="ctr"/>
-          <a:lstStyle/>
-          <a:p>
-            <a:pPr algn="ctr"/>
-            <a:endParaRPr lang="uk-UA"/>
-          </a:p>
-        </p:txBody>
-      </p:sp>
-      <p:sp>
-        <p:nvSpPr>
-          <p:cNvPr id="16" name="Прямокутник 15">
-            <a:extLst>
-              <a:ext uri="{FF2B5EF4-FFF2-40B4-BE49-F238E27FC236}">
-                <a16:creationId xmlns:a16="http://schemas.microsoft.com/office/drawing/2014/main" id="{36B8B1EB-DFE8-94DC-9E67-66DD8BD3B102}"/>
-              </a:ext>
-            </a:extLst>
-          </p:cNvPr>
-          <p:cNvSpPr/>
-          <p:nvPr/>
-        </p:nvSpPr>
-        <p:spPr>
-          <a:xfrm>
-            <a:off x="0" y="1196098"/>
-            <a:ext cx="12192000" cy="4082373"/>
-          </a:xfrm>
-          <a:prstGeom prst="rect">
-            <a:avLst/>
-          </a:prstGeom>
-          <a:solidFill>
-            <a:srgbClr val="4DB36A">
-              <a:alpha val="23000"/>
-            </a:srgbClr>
-          </a:solidFill>
-          <a:ln>
-            <a:noFill/>
-          </a:ln>
-        </p:spPr>
-        <p:style>
-          <a:lnRef idx="2">
-            <a:schemeClr val="accent1">
-              <a:shade val="15000"/>
-            </a:schemeClr>
-          </a:lnRef>
-          <a:fillRef idx="1">
-            <a:schemeClr val="accent1"/>
-          </a:fillRef>
-          <a:effectRef idx="0">
-            <a:schemeClr val="accent1"/>
-          </a:effectRef>
-          <a:fontRef idx="minor">
-            <a:schemeClr val="lt1"/>
-          </a:fontRef>
-        </p:style>
-        <p:txBody>
-          <a:bodyPr rtlCol="0" anchor="ctr"/>
-          <a:lstStyle/>
-          <a:p>
-            <a:pPr algn="ctr"/>
-            <a:endParaRPr lang="uk-UA"/>
-          </a:p>
-        </p:txBody>
-      </p:sp>
-      <p:sp>
-        <p:nvSpPr>
-          <p:cNvPr id="28" name="TextBox 27">
-            <a:extLst>
-              <a:ext uri="{FF2B5EF4-FFF2-40B4-BE49-F238E27FC236}">
-                <a16:creationId xmlns:a16="http://schemas.microsoft.com/office/drawing/2014/main" id="{A2B7EB7A-DF31-1197-D453-043F5641FDBF}"/>
-              </a:ext>
-            </a:extLst>
-          </p:cNvPr>
-          <p:cNvSpPr txBox="1"/>
-          <p:nvPr/>
-        </p:nvSpPr>
-        <p:spPr>
-          <a:xfrm>
-            <a:off x="4252931" y="-1940120"/>
-            <a:ext cx="3686137" cy="707886"/>
-          </a:xfrm>
-          <a:prstGeom prst="rect">
-            <a:avLst/>
-          </a:prstGeom>
-          <a:noFill/>
-        </p:spPr>
-        <p:txBody>
-          <a:bodyPr wrap="none" rtlCol="0">
-            <a:spAutoFit/>
-          </a:bodyPr>
-          <a:lstStyle/>
-          <a:p>
-            <a:r>
-              <a:rPr lang="uk-UA" sz="4000" dirty="0">
-                <a:solidFill>
-                  <a:srgbClr val="0D372F"/>
-                </a:solidFill>
-                <a:latin typeface="Franklin Gothic Demi Cond" panose="020B0706030402020204" pitchFamily="34" charset="0"/>
-              </a:rPr>
-              <a:t>Головна сторінка</a:t>
-            </a:r>
-          </a:p>
-        </p:txBody>
-      </p:sp>
-      <p:sp>
-        <p:nvSpPr>
-          <p:cNvPr id="5" name="TextBox 4">
-            <a:extLst>
-              <a:ext uri="{FF2B5EF4-FFF2-40B4-BE49-F238E27FC236}">
-                <a16:creationId xmlns:a16="http://schemas.microsoft.com/office/drawing/2014/main" id="{528D1424-489E-0420-8360-CAC6BFE9039F}"/>
-              </a:ext>
-            </a:extLst>
-          </p:cNvPr>
-          <p:cNvSpPr txBox="1"/>
-          <p:nvPr/>
-        </p:nvSpPr>
-        <p:spPr>
-          <a:xfrm>
-            <a:off x="-3928407" y="2941184"/>
-            <a:ext cx="3611501" cy="584775"/>
-          </a:xfrm>
-          <a:prstGeom prst="rect">
-            <a:avLst/>
-          </a:prstGeom>
-          <a:noFill/>
-        </p:spPr>
-        <p:txBody>
-          <a:bodyPr wrap="none" rtlCol="0">
-            <a:spAutoFit/>
-          </a:bodyPr>
-          <a:lstStyle/>
-          <a:p>
-            <a:r>
-              <a:rPr lang="uk-UA" sz="3200" dirty="0">
-                <a:solidFill>
-                  <a:srgbClr val="274537"/>
-                </a:solidFill>
-                <a:latin typeface="Franklin Gothic Demi Cond" panose="020B0706030402020204" pitchFamily="34" charset="0"/>
-              </a:rPr>
-              <a:t>Профіль користувача</a:t>
-            </a:r>
-          </a:p>
-        </p:txBody>
-      </p:sp>
-      <p:pic>
-        <p:nvPicPr>
-          <p:cNvPr id="6" name="Рисунок 5">
-            <a:extLst>
-              <a:ext uri="{FF2B5EF4-FFF2-40B4-BE49-F238E27FC236}">
-                <a16:creationId xmlns:a16="http://schemas.microsoft.com/office/drawing/2014/main" id="{390C6CAE-F24F-6A80-C12D-F90A478344E8}"/>
-              </a:ext>
-            </a:extLst>
-          </p:cNvPr>
-          <p:cNvPicPr>
-            <a:picLocks noChangeAspect="1"/>
-          </p:cNvPicPr>
-          <p:nvPr/>
-        </p:nvPicPr>
-        <p:blipFill>
-          <a:blip r:embed="rId2"/>
-          <a:stretch>
-            <a:fillRect/>
-          </a:stretch>
-        </p:blipFill>
-        <p:spPr>
-          <a:xfrm>
-            <a:off x="270299" y="1997300"/>
-            <a:ext cx="5426308" cy="3057317"/>
-          </a:xfrm>
-          <a:prstGeom prst="rect">
-            <a:avLst/>
-          </a:prstGeom>
-        </p:spPr>
-      </p:pic>
-      <p:pic>
-        <p:nvPicPr>
-          <p:cNvPr id="8" name="Рисунок 7">
-            <a:extLst>
-              <a:ext uri="{FF2B5EF4-FFF2-40B4-BE49-F238E27FC236}">
-                <a16:creationId xmlns:a16="http://schemas.microsoft.com/office/drawing/2014/main" id="{7B7B2393-C3BB-A812-C754-45C031192F03}"/>
-              </a:ext>
-            </a:extLst>
-          </p:cNvPr>
-          <p:cNvPicPr>
-            <a:picLocks noChangeAspect="1"/>
-          </p:cNvPicPr>
-          <p:nvPr/>
-        </p:nvPicPr>
-        <p:blipFill>
-          <a:blip r:embed="rId3"/>
-          <a:stretch>
-            <a:fillRect/>
-          </a:stretch>
-        </p:blipFill>
-        <p:spPr>
-          <a:xfrm>
-            <a:off x="6495394" y="263349"/>
-            <a:ext cx="5519830" cy="3110010"/>
-          </a:xfrm>
-          <a:prstGeom prst="rect">
-            <a:avLst/>
-          </a:prstGeom>
-        </p:spPr>
-      </p:pic>
-      <p:pic>
-        <p:nvPicPr>
-          <p:cNvPr id="14" name="Рисунок 13">
-            <a:extLst>
-              <a:ext uri="{FF2B5EF4-FFF2-40B4-BE49-F238E27FC236}">
-                <a16:creationId xmlns:a16="http://schemas.microsoft.com/office/drawing/2014/main" id="{4DFBB0F5-81C8-49FD-1E1A-3F81386AC10C}"/>
-              </a:ext>
-            </a:extLst>
-          </p:cNvPr>
-          <p:cNvPicPr>
-            <a:picLocks noChangeAspect="1"/>
-          </p:cNvPicPr>
-          <p:nvPr/>
-        </p:nvPicPr>
-        <p:blipFill>
-          <a:blip r:embed="rId4"/>
-          <a:stretch>
-            <a:fillRect/>
-          </a:stretch>
-        </p:blipFill>
-        <p:spPr>
-          <a:xfrm>
-            <a:off x="6495394" y="3624430"/>
-            <a:ext cx="5519830" cy="3110010"/>
-          </a:xfrm>
-          <a:prstGeom prst="rect">
-            <a:avLst/>
-          </a:prstGeom>
-        </p:spPr>
-      </p:pic>
-      <p:sp>
-        <p:nvSpPr>
-          <p:cNvPr id="15" name="TextBox 14">
-            <a:extLst>
-              <a:ext uri="{FF2B5EF4-FFF2-40B4-BE49-F238E27FC236}">
-                <a16:creationId xmlns:a16="http://schemas.microsoft.com/office/drawing/2014/main" id="{4D656624-D43F-5C31-D760-6105E5A4E399}"/>
-              </a:ext>
-            </a:extLst>
-          </p:cNvPr>
-          <p:cNvSpPr txBox="1"/>
-          <p:nvPr/>
-        </p:nvSpPr>
-        <p:spPr>
-          <a:xfrm>
-            <a:off x="642473" y="594731"/>
-            <a:ext cx="4278735" cy="584775"/>
-          </a:xfrm>
-          <a:prstGeom prst="rect">
-            <a:avLst/>
-          </a:prstGeom>
-          <a:noFill/>
-        </p:spPr>
-        <p:txBody>
-          <a:bodyPr wrap="none" rtlCol="0">
-            <a:spAutoFit/>
-          </a:bodyPr>
-          <a:lstStyle/>
-          <a:p>
-            <a:r>
-              <a:rPr lang="uk-UA" sz="3200" dirty="0">
-                <a:solidFill>
-                  <a:srgbClr val="274537"/>
-                </a:solidFill>
-                <a:latin typeface="Franklin Gothic Demi Cond" panose="020B0706030402020204" pitchFamily="34" charset="0"/>
-              </a:rPr>
-              <a:t>Вікна для адміністратора</a:t>
-            </a:r>
-          </a:p>
-        </p:txBody>
-      </p:sp>
-    </p:spTree>
-    <p:extLst>
-      <p:ext uri="{BB962C8B-B14F-4D97-AF65-F5344CB8AC3E}">
-        <p14:creationId xmlns:p14="http://schemas.microsoft.com/office/powerpoint/2010/main" val="2882703558"/>
-      </p:ext>
-    </p:extLst>
-  </p:cSld>
-  <p:clrMapOvr>
-    <a:masterClrMapping/>
-  </p:clrMapOvr>
-  <mc:AlternateContent xmlns:mc="http://schemas.openxmlformats.org/markup-compatibility/2006" xmlns:p159="http://schemas.microsoft.com/office/powerpoint/2015/09/main">
-    <mc:Choice Requires="p159">
-      <p:transition xmlns:p14="http://schemas.microsoft.com/office/powerpoint/2010/main" spd="slow" p14:dur="2000">
-        <p159:morph option="byObject"/>
-      </p:transition>
-    </mc:Choice>
-    <mc:Fallback xmlns="">
-      <p:transition spd="slow">
-        <p:fade/>
-      </p:transition>
-    </mc:Fallback>
-  </mc:AlternateContent>
-</p:sld>
-</file>
-
-<file path=ppt/slides/slide13.xml><?xml version="1.0" encoding="utf-8"?>
-<p:sld xmlns:a="http://schemas.openxmlformats.org/drawingml/2006/main" xmlns:r="http://schemas.openxmlformats.org/officeDocument/2006/relationships" xmlns:p="http://schemas.openxmlformats.org/presentationml/2006/main">
-  <p:cSld>
-    <p:bg>
-      <p:bgPr>
-        <a:solidFill>
-          <a:srgbClr val="0D372F"/>
-        </a:solidFill>
-        <a:effectLst/>
-      </p:bgPr>
-    </p:bg>
-    <p:spTree>
-      <p:nvGrpSpPr>
-        <p:cNvPr id="1" name=""/>
-        <p:cNvGrpSpPr/>
-        <p:nvPr/>
-      </p:nvGrpSpPr>
-      <p:grpSpPr>
-        <a:xfrm>
-          <a:off x="0" y="0"/>
-          <a:ext cx="0" cy="0"/>
-          <a:chOff x="0" y="0"/>
-          <a:chExt cx="0" cy="0"/>
-        </a:xfrm>
-      </p:grpSpPr>
-      <p:sp>
-        <p:nvSpPr>
-          <p:cNvPr id="17" name="Прямокутник 16">
-            <a:extLst>
-              <a:ext uri="{FF2B5EF4-FFF2-40B4-BE49-F238E27FC236}">
-                <a16:creationId xmlns:a16="http://schemas.microsoft.com/office/drawing/2014/main" id="{7910A09C-45E4-D393-CBD3-000D646CD2B2}"/>
-              </a:ext>
-            </a:extLst>
-          </p:cNvPr>
-          <p:cNvSpPr/>
-          <p:nvPr/>
-        </p:nvSpPr>
-        <p:spPr>
-          <a:xfrm>
-            <a:off x="-5339719" y="0"/>
-            <a:ext cx="3694386" cy="6858571"/>
-          </a:xfrm>
-          <a:prstGeom prst="rect">
-            <a:avLst/>
-          </a:prstGeom>
-          <a:solidFill>
-            <a:srgbClr val="87BBA4">
-              <a:alpha val="23000"/>
-            </a:srgbClr>
-          </a:solidFill>
-          <a:ln>
-            <a:noFill/>
-          </a:ln>
-        </p:spPr>
-        <p:style>
-          <a:lnRef idx="2">
-            <a:schemeClr val="accent1">
-              <a:shade val="15000"/>
-            </a:schemeClr>
-          </a:lnRef>
-          <a:fillRef idx="1">
-            <a:schemeClr val="accent1"/>
-          </a:fillRef>
-          <a:effectRef idx="0">
-            <a:schemeClr val="accent1"/>
-          </a:effectRef>
-          <a:fontRef idx="minor">
-            <a:schemeClr val="lt1"/>
-          </a:fontRef>
-        </p:style>
-        <p:txBody>
-          <a:bodyPr rtlCol="0" anchor="ctr"/>
-          <a:lstStyle/>
-          <a:p>
-            <a:pPr algn="ctr"/>
-            <a:endParaRPr lang="uk-UA"/>
-          </a:p>
-        </p:txBody>
-      </p:sp>
-      <p:sp>
-        <p:nvSpPr>
-          <p:cNvPr id="16" name="Прямокутник 15">
-            <a:extLst>
-              <a:ext uri="{FF2B5EF4-FFF2-40B4-BE49-F238E27FC236}">
-                <a16:creationId xmlns:a16="http://schemas.microsoft.com/office/drawing/2014/main" id="{36B8B1EB-DFE8-94DC-9E67-66DD8BD3B102}"/>
-              </a:ext>
-            </a:extLst>
-          </p:cNvPr>
-          <p:cNvSpPr/>
-          <p:nvPr/>
-        </p:nvSpPr>
-        <p:spPr>
-          <a:xfrm>
-            <a:off x="-1" y="-5028407"/>
-            <a:ext cx="12192000" cy="4082373"/>
-          </a:xfrm>
-          <a:prstGeom prst="rect">
-            <a:avLst/>
-          </a:prstGeom>
-          <a:solidFill>
-            <a:srgbClr val="4DB36A">
-              <a:alpha val="23000"/>
-            </a:srgbClr>
-          </a:solidFill>
-          <a:ln>
-            <a:noFill/>
-          </a:ln>
-        </p:spPr>
-        <p:style>
-          <a:lnRef idx="2">
-            <a:schemeClr val="accent1">
-              <a:shade val="15000"/>
-            </a:schemeClr>
-          </a:lnRef>
-          <a:fillRef idx="1">
-            <a:schemeClr val="accent1"/>
-          </a:fillRef>
-          <a:effectRef idx="0">
-            <a:schemeClr val="accent1"/>
-          </a:effectRef>
-          <a:fontRef idx="minor">
-            <a:schemeClr val="lt1"/>
-          </a:fontRef>
-        </p:style>
-        <p:txBody>
-          <a:bodyPr rtlCol="0" anchor="ctr"/>
-          <a:lstStyle/>
-          <a:p>
-            <a:pPr algn="ctr"/>
-            <a:endParaRPr lang="uk-UA"/>
-          </a:p>
-        </p:txBody>
-      </p:sp>
-      <p:sp>
-        <p:nvSpPr>
-          <p:cNvPr id="2" name="TextBox 1">
-            <a:extLst>
-              <a:ext uri="{FF2B5EF4-FFF2-40B4-BE49-F238E27FC236}">
-                <a16:creationId xmlns:a16="http://schemas.microsoft.com/office/drawing/2014/main" id="{5B21BFBE-0A24-5AE9-864F-428B12BA445A}"/>
-              </a:ext>
-            </a:extLst>
-          </p:cNvPr>
-          <p:cNvSpPr txBox="1"/>
-          <p:nvPr/>
-        </p:nvSpPr>
-        <p:spPr>
-          <a:xfrm>
-            <a:off x="4918433" y="281593"/>
-            <a:ext cx="2355132" cy="769441"/>
-          </a:xfrm>
-          <a:prstGeom prst="rect">
-            <a:avLst/>
-          </a:prstGeom>
-          <a:noFill/>
-        </p:spPr>
-        <p:txBody>
-          <a:bodyPr wrap="none" rtlCol="0">
-            <a:spAutoFit/>
-          </a:bodyPr>
-          <a:lstStyle/>
-          <a:p>
-            <a:r>
-              <a:rPr lang="uk-UA" sz="4400" dirty="0">
-                <a:solidFill>
-                  <a:srgbClr val="D3E5DD"/>
-                </a:solidFill>
-                <a:latin typeface="Franklin Gothic Demi Cond" panose="020B0706030402020204" pitchFamily="34" charset="0"/>
-              </a:rPr>
-              <a:t>Висновок</a:t>
-            </a:r>
-          </a:p>
-        </p:txBody>
-      </p:sp>
-      <p:cxnSp>
-        <p:nvCxnSpPr>
-          <p:cNvPr id="4" name="Пряма сполучна лінія 3">
-            <a:extLst>
-              <a:ext uri="{FF2B5EF4-FFF2-40B4-BE49-F238E27FC236}">
-                <a16:creationId xmlns:a16="http://schemas.microsoft.com/office/drawing/2014/main" id="{8DE5162B-CB86-D565-F3D0-FB5405CA3141}"/>
-              </a:ext>
-            </a:extLst>
-          </p:cNvPr>
-          <p:cNvCxnSpPr/>
-          <p:nvPr/>
-        </p:nvCxnSpPr>
-        <p:spPr>
-          <a:xfrm>
-            <a:off x="4514192" y="1051034"/>
-            <a:ext cx="3163614" cy="0"/>
-          </a:xfrm>
-          <a:prstGeom prst="line">
-            <a:avLst/>
-          </a:prstGeom>
-          <a:ln w="114300">
-            <a:solidFill>
-              <a:srgbClr val="D3E5DD"/>
-            </a:solidFill>
-          </a:ln>
-        </p:spPr>
-        <p:style>
-          <a:lnRef idx="1">
-            <a:schemeClr val="accent1"/>
-          </a:lnRef>
-          <a:fillRef idx="0">
-            <a:schemeClr val="accent1"/>
-          </a:fillRef>
-          <a:effectRef idx="0">
-            <a:schemeClr val="accent1"/>
-          </a:effectRef>
-          <a:fontRef idx="minor">
-            <a:schemeClr val="tx1"/>
-          </a:fontRef>
-        </p:style>
-      </p:cxnSp>
-    </p:spTree>
-    <p:extLst>
-      <p:ext uri="{BB962C8B-B14F-4D97-AF65-F5344CB8AC3E}">
-        <p14:creationId xmlns:p14="http://schemas.microsoft.com/office/powerpoint/2010/main" val="2791380589"/>
-      </p:ext>
-    </p:extLst>
-  </p:cSld>
-  <p:clrMapOvr>
-    <a:masterClrMapping/>
-  </p:clrMapOvr>
-  <mc:AlternateContent xmlns:mc="http://schemas.openxmlformats.org/markup-compatibility/2006" xmlns:p159="http://schemas.microsoft.com/office/powerpoint/2015/09/main">
-    <mc:Choice Requires="p159">
-      <p:transition xmlns:p14="http://schemas.microsoft.com/office/powerpoint/2010/main" spd="slow" p14:dur="2000">
-        <p159:morph option="byObject"/>
-      </p:transition>
-    </mc:Choice>
-    <mc:Fallback xmlns="">
-      <p:transition spd="slow">
-        <p:fade/>
-      </p:transition>
-    </mc:Fallback>
-  </mc:AlternateContent>
-</p:sld>
-</file>
-
 <file path=ppt/slides/slide2.xml><?xml version="1.0" encoding="utf-8"?>
 <p:sld xmlns:a="http://schemas.openxmlformats.org/drawingml/2006/main" xmlns:r="http://schemas.openxmlformats.org/officeDocument/2006/relationships" xmlns:p="http://schemas.openxmlformats.org/presentationml/2006/main">
   <p:cSld>
@@ -7130,7 +5034,7 @@
         <p:spPr>
           <a:xfrm>
             <a:off x="115746" y="1331503"/>
-            <a:ext cx="11968224" cy="1015663"/>
+            <a:ext cx="11968224" cy="2523768"/>
           </a:xfrm>
           <a:prstGeom prst="rect">
             <a:avLst/>
@@ -7144,777 +5048,415 @@
           <a:lstStyle/>
           <a:p>
             <a:r>
-              <a:rPr lang="uk-UA" sz="2400" dirty="0">
-                <a:solidFill>
-                  <a:srgbClr val="274537"/>
-                </a:solidFill>
+              <a:rPr lang="ru-RU" sz="2800" dirty="0" err="1">
+                <a:effectLst/>
                 <a:latin typeface="Franklin Gothic Demi Cond" panose="020B0706030402020204" pitchFamily="34" charset="0"/>
-                <a:cs typeface="Times New Roman" panose="02020603050405020304" pitchFamily="18" charset="0"/>
-              </a:rPr>
-              <a:t>Актуальність теми</a:t>
-            </a:r>
-          </a:p>
-          <a:p>
-            <a:r>
-              <a:rPr lang="ru-RU" b="0" i="0" dirty="0">
-                <a:effectLst/>
-                <a:latin typeface="Franklin Gothic Book" panose="020B0503020102020204" pitchFamily="34" charset="0"/>
-                <a:cs typeface="Times New Roman" panose="02020603050405020304" pitchFamily="18" charset="0"/>
-              </a:rPr>
-              <a:t>Додаток з прокату авто - це швидкий спосіб знайти та орендувати автомобіль онлайн. Кілька хвилин і ви їдете в зручному авто.</a:t>
-            </a:r>
+                <a:ea typeface="Times New Roman" panose="02020603050405020304" pitchFamily="18" charset="0"/>
+              </a:rPr>
+              <a:t>Сучасний</a:t>
+            </a:r>
+            <a:r>
+              <a:rPr lang="ru-RU" sz="2800" dirty="0">
+                <a:effectLst/>
+                <a:latin typeface="Franklin Gothic Demi Cond" panose="020B0706030402020204" pitchFamily="34" charset="0"/>
+                <a:ea typeface="Times New Roman" panose="02020603050405020304" pitchFamily="18" charset="0"/>
+              </a:rPr>
+              <a:t> </a:t>
+            </a:r>
+            <a:r>
+              <a:rPr lang="ru-RU" sz="2800" dirty="0" err="1">
+                <a:effectLst/>
+                <a:latin typeface="Franklin Gothic Demi Cond" panose="020B0706030402020204" pitchFamily="34" charset="0"/>
+                <a:ea typeface="Times New Roman" panose="02020603050405020304" pitchFamily="18" charset="0"/>
+              </a:rPr>
+              <a:t>розвиток</a:t>
+            </a:r>
+            <a:r>
+              <a:rPr lang="ru-RU" sz="2800" dirty="0">
+                <a:effectLst/>
+                <a:latin typeface="Franklin Gothic Demi Cond" panose="020B0706030402020204" pitchFamily="34" charset="0"/>
+                <a:ea typeface="Times New Roman" panose="02020603050405020304" pitchFamily="18" charset="0"/>
+              </a:rPr>
+              <a:t> </a:t>
+            </a:r>
+            <a:r>
+              <a:rPr lang="ru-RU" sz="2800" dirty="0" err="1">
+                <a:effectLst/>
+                <a:latin typeface="Franklin Gothic Demi Cond" panose="020B0706030402020204" pitchFamily="34" charset="0"/>
+                <a:ea typeface="Times New Roman" panose="02020603050405020304" pitchFamily="18" charset="0"/>
+              </a:rPr>
+              <a:t>інформаційних</a:t>
+            </a:r>
+            <a:r>
+              <a:rPr lang="ru-RU" sz="2800" dirty="0">
+                <a:effectLst/>
+                <a:latin typeface="Franklin Gothic Demi Cond" panose="020B0706030402020204" pitchFamily="34" charset="0"/>
+                <a:ea typeface="Times New Roman" panose="02020603050405020304" pitchFamily="18" charset="0"/>
+              </a:rPr>
+              <a:t> </a:t>
+            </a:r>
+            <a:r>
+              <a:rPr lang="ru-RU" sz="2800" dirty="0" err="1">
+                <a:effectLst/>
+                <a:latin typeface="Franklin Gothic Demi Cond" panose="020B0706030402020204" pitchFamily="34" charset="0"/>
+                <a:ea typeface="Times New Roman" panose="02020603050405020304" pitchFamily="18" charset="0"/>
+              </a:rPr>
+              <a:t>технологій</a:t>
+            </a:r>
+            <a:r>
+              <a:rPr lang="ru-RU" sz="2800" dirty="0">
+                <a:effectLst/>
+                <a:latin typeface="Franklin Gothic Demi Cond" panose="020B0706030402020204" pitchFamily="34" charset="0"/>
+                <a:ea typeface="Times New Roman" panose="02020603050405020304" pitchFamily="18" charset="0"/>
+              </a:rPr>
+              <a:t> </a:t>
+            </a:r>
+            <a:r>
+              <a:rPr lang="ru-RU" sz="2800" dirty="0" err="1">
+                <a:effectLst/>
+                <a:latin typeface="Franklin Gothic Demi Cond" panose="020B0706030402020204" pitchFamily="34" charset="0"/>
+                <a:ea typeface="Times New Roman" panose="02020603050405020304" pitchFamily="18" charset="0"/>
+              </a:rPr>
+              <a:t>визначає</a:t>
+            </a:r>
+            <a:r>
+              <a:rPr lang="ru-RU" sz="2800" dirty="0">
+                <a:effectLst/>
+                <a:latin typeface="Franklin Gothic Demi Cond" panose="020B0706030402020204" pitchFamily="34" charset="0"/>
+                <a:ea typeface="Times New Roman" panose="02020603050405020304" pitchFamily="18" charset="0"/>
+              </a:rPr>
+              <a:t> </a:t>
+            </a:r>
+            <a:r>
+              <a:rPr lang="ru-RU" sz="2800" dirty="0" err="1">
+                <a:effectLst/>
+                <a:latin typeface="Franklin Gothic Demi Cond" panose="020B0706030402020204" pitchFamily="34" charset="0"/>
+                <a:ea typeface="Times New Roman" panose="02020603050405020304" pitchFamily="18" charset="0"/>
+              </a:rPr>
+              <a:t>актуальність</a:t>
+            </a:r>
+            <a:r>
+              <a:rPr lang="ru-RU" sz="2800" dirty="0">
+                <a:effectLst/>
+                <a:latin typeface="Franklin Gothic Demi Cond" panose="020B0706030402020204" pitchFamily="34" charset="0"/>
+                <a:ea typeface="Times New Roman" panose="02020603050405020304" pitchFamily="18" charset="0"/>
+              </a:rPr>
+              <a:t> </a:t>
+            </a:r>
+            <a:r>
+              <a:rPr lang="ru-RU" sz="2800" dirty="0" err="1">
+                <a:effectLst/>
+                <a:latin typeface="Franklin Gothic Demi Cond" panose="020B0706030402020204" pitchFamily="34" charset="0"/>
+                <a:ea typeface="Times New Roman" panose="02020603050405020304" pitchFamily="18" charset="0"/>
+              </a:rPr>
+              <a:t>створення</a:t>
+            </a:r>
+            <a:r>
+              <a:rPr lang="ru-RU" sz="2800" dirty="0">
+                <a:effectLst/>
+                <a:latin typeface="Franklin Gothic Demi Cond" panose="020B0706030402020204" pitchFamily="34" charset="0"/>
+                <a:ea typeface="Times New Roman" panose="02020603050405020304" pitchFamily="18" charset="0"/>
+              </a:rPr>
+              <a:t> та </a:t>
+            </a:r>
+            <a:r>
+              <a:rPr lang="ru-RU" sz="2800" dirty="0" err="1">
+                <a:effectLst/>
+                <a:latin typeface="Franklin Gothic Demi Cond" panose="020B0706030402020204" pitchFamily="34" charset="0"/>
+                <a:ea typeface="Times New Roman" panose="02020603050405020304" pitchFamily="18" charset="0"/>
+              </a:rPr>
+              <a:t>вдосконалення</a:t>
+            </a:r>
+            <a:r>
+              <a:rPr lang="ru-RU" sz="2800" dirty="0">
+                <a:effectLst/>
+                <a:latin typeface="Franklin Gothic Demi Cond" panose="020B0706030402020204" pitchFamily="34" charset="0"/>
+                <a:ea typeface="Times New Roman" panose="02020603050405020304" pitchFamily="18" charset="0"/>
+              </a:rPr>
+              <a:t> </a:t>
+            </a:r>
+            <a:r>
+              <a:rPr lang="ru-RU" sz="2800" dirty="0" err="1">
+                <a:effectLst/>
+                <a:latin typeface="Franklin Gothic Demi Cond" panose="020B0706030402020204" pitchFamily="34" charset="0"/>
+                <a:ea typeface="Times New Roman" panose="02020603050405020304" pitchFamily="18" charset="0"/>
+              </a:rPr>
+              <a:t>інформаційних</a:t>
+            </a:r>
+            <a:r>
+              <a:rPr lang="ru-RU" sz="2800" dirty="0">
+                <a:effectLst/>
+                <a:latin typeface="Franklin Gothic Demi Cond" panose="020B0706030402020204" pitchFamily="34" charset="0"/>
+                <a:ea typeface="Times New Roman" panose="02020603050405020304" pitchFamily="18" charset="0"/>
+              </a:rPr>
+              <a:t> систем, </a:t>
+            </a:r>
+            <a:r>
+              <a:rPr lang="ru-RU" sz="2800" dirty="0" err="1">
+                <a:effectLst/>
+                <a:latin typeface="Franklin Gothic Demi Cond" panose="020B0706030402020204" pitchFamily="34" charset="0"/>
+                <a:ea typeface="Times New Roman" panose="02020603050405020304" pitchFamily="18" charset="0"/>
+              </a:rPr>
+              <a:t>зокрема</a:t>
+            </a:r>
+            <a:r>
+              <a:rPr lang="ru-RU" sz="2800" dirty="0">
+                <a:effectLst/>
+                <a:latin typeface="Franklin Gothic Demi Cond" panose="020B0706030402020204" pitchFamily="34" charset="0"/>
+                <a:ea typeface="Times New Roman" panose="02020603050405020304" pitchFamily="18" charset="0"/>
+              </a:rPr>
+              <a:t>, систем прокату </a:t>
+            </a:r>
+            <a:r>
+              <a:rPr lang="ru-RU" sz="2800" dirty="0" err="1">
+                <a:effectLst/>
+                <a:latin typeface="Franklin Gothic Demi Cond" panose="020B0706030402020204" pitchFamily="34" charset="0"/>
+                <a:ea typeface="Times New Roman" panose="02020603050405020304" pitchFamily="18" charset="0"/>
+              </a:rPr>
+              <a:t>автомобілів</a:t>
+            </a:r>
+            <a:r>
+              <a:rPr lang="ru-RU" sz="2800" dirty="0">
+                <a:effectLst/>
+                <a:latin typeface="Franklin Gothic Demi Cond" panose="020B0706030402020204" pitchFamily="34" charset="0"/>
+                <a:ea typeface="Times New Roman" panose="02020603050405020304" pitchFamily="18" charset="0"/>
+              </a:rPr>
+              <a:t>. З метою </a:t>
+            </a:r>
+            <a:r>
+              <a:rPr lang="ru-RU" sz="2800" dirty="0" err="1">
+                <a:effectLst/>
+                <a:latin typeface="Franklin Gothic Demi Cond" panose="020B0706030402020204" pitchFamily="34" charset="0"/>
+                <a:ea typeface="Times New Roman" panose="02020603050405020304" pitchFamily="18" charset="0"/>
+              </a:rPr>
+              <a:t>вдосконалення</a:t>
+            </a:r>
+            <a:r>
+              <a:rPr lang="ru-RU" sz="2800" dirty="0">
+                <a:effectLst/>
+                <a:latin typeface="Franklin Gothic Demi Cond" panose="020B0706030402020204" pitchFamily="34" charset="0"/>
+                <a:ea typeface="Times New Roman" panose="02020603050405020304" pitchFamily="18" charset="0"/>
+              </a:rPr>
+              <a:t> </a:t>
+            </a:r>
+            <a:r>
+              <a:rPr lang="ru-RU" sz="2800" dirty="0" err="1">
+                <a:effectLst/>
+                <a:latin typeface="Franklin Gothic Demi Cond" panose="020B0706030402020204" pitchFamily="34" charset="0"/>
+                <a:ea typeface="Times New Roman" panose="02020603050405020304" pitchFamily="18" charset="0"/>
+              </a:rPr>
+              <a:t>процесів</a:t>
+            </a:r>
+            <a:r>
+              <a:rPr lang="ru-RU" sz="2800" dirty="0">
+                <a:effectLst/>
+                <a:latin typeface="Franklin Gothic Demi Cond" panose="020B0706030402020204" pitchFamily="34" charset="0"/>
+                <a:ea typeface="Times New Roman" panose="02020603050405020304" pitchFamily="18" charset="0"/>
+              </a:rPr>
+              <a:t> </a:t>
+            </a:r>
+            <a:r>
+              <a:rPr lang="ru-RU" sz="2800" dirty="0" err="1">
+                <a:effectLst/>
+                <a:latin typeface="Franklin Gothic Demi Cond" panose="020B0706030402020204" pitchFamily="34" charset="0"/>
+                <a:ea typeface="Times New Roman" panose="02020603050405020304" pitchFamily="18" charset="0"/>
+              </a:rPr>
+              <a:t>управління</a:t>
+            </a:r>
+            <a:r>
+              <a:rPr lang="ru-RU" sz="2800" dirty="0">
+                <a:effectLst/>
+                <a:latin typeface="Franklin Gothic Demi Cond" panose="020B0706030402020204" pitchFamily="34" charset="0"/>
+                <a:ea typeface="Times New Roman" panose="02020603050405020304" pitchFamily="18" charset="0"/>
+              </a:rPr>
+              <a:t> автопрокатом та </a:t>
+            </a:r>
+            <a:r>
+              <a:rPr lang="ru-RU" sz="2800" dirty="0" err="1">
+                <a:effectLst/>
+                <a:latin typeface="Franklin Gothic Demi Cond" panose="020B0706030402020204" pitchFamily="34" charset="0"/>
+                <a:ea typeface="Times New Roman" panose="02020603050405020304" pitchFamily="18" charset="0"/>
+              </a:rPr>
+              <a:t>забезпечення</a:t>
+            </a:r>
+            <a:r>
+              <a:rPr lang="ru-RU" sz="2800" dirty="0">
+                <a:effectLst/>
+                <a:latin typeface="Franklin Gothic Demi Cond" panose="020B0706030402020204" pitchFamily="34" charset="0"/>
+                <a:ea typeface="Times New Roman" panose="02020603050405020304" pitchFamily="18" charset="0"/>
+              </a:rPr>
+              <a:t> </a:t>
+            </a:r>
+            <a:r>
+              <a:rPr lang="ru-RU" sz="2800" dirty="0" err="1">
+                <a:effectLst/>
+                <a:latin typeface="Franklin Gothic Demi Cond" panose="020B0706030402020204" pitchFamily="34" charset="0"/>
+                <a:ea typeface="Times New Roman" panose="02020603050405020304" pitchFamily="18" charset="0"/>
+              </a:rPr>
+              <a:t>зручного</a:t>
+            </a:r>
+            <a:r>
+              <a:rPr lang="ru-RU" sz="2800" dirty="0">
+                <a:effectLst/>
+                <a:latin typeface="Franklin Gothic Demi Cond" panose="020B0706030402020204" pitchFamily="34" charset="0"/>
+                <a:ea typeface="Times New Roman" panose="02020603050405020304" pitchFamily="18" charset="0"/>
+              </a:rPr>
+              <a:t> та </a:t>
+            </a:r>
+            <a:r>
+              <a:rPr lang="ru-RU" sz="2800" dirty="0" err="1">
+                <a:effectLst/>
+                <a:latin typeface="Franklin Gothic Demi Cond" panose="020B0706030402020204" pitchFamily="34" charset="0"/>
+                <a:ea typeface="Times New Roman" panose="02020603050405020304" pitchFamily="18" charset="0"/>
+              </a:rPr>
+              <a:t>ефективного</a:t>
+            </a:r>
+            <a:r>
+              <a:rPr lang="ru-RU" sz="2800" dirty="0">
+                <a:effectLst/>
+                <a:latin typeface="Franklin Gothic Demi Cond" panose="020B0706030402020204" pitchFamily="34" charset="0"/>
+                <a:ea typeface="Times New Roman" panose="02020603050405020304" pitchFamily="18" charset="0"/>
+              </a:rPr>
+              <a:t> </a:t>
+            </a:r>
+            <a:r>
+              <a:rPr lang="ru-RU" sz="2800" dirty="0" err="1">
+                <a:effectLst/>
+                <a:latin typeface="Franklin Gothic Demi Cond" panose="020B0706030402020204" pitchFamily="34" charset="0"/>
+                <a:ea typeface="Times New Roman" panose="02020603050405020304" pitchFamily="18" charset="0"/>
+              </a:rPr>
+              <a:t>користувацького</a:t>
+            </a:r>
+            <a:r>
+              <a:rPr lang="ru-RU" sz="2800" dirty="0">
+                <a:effectLst/>
+                <a:latin typeface="Franklin Gothic Demi Cond" panose="020B0706030402020204" pitchFamily="34" charset="0"/>
+                <a:ea typeface="Times New Roman" panose="02020603050405020304" pitchFamily="18" charset="0"/>
+              </a:rPr>
+              <a:t> </a:t>
+            </a:r>
+            <a:r>
+              <a:rPr lang="ru-RU" sz="2800" dirty="0" err="1">
+                <a:effectLst/>
+                <a:latin typeface="Franklin Gothic Demi Cond" panose="020B0706030402020204" pitchFamily="34" charset="0"/>
+                <a:ea typeface="Times New Roman" panose="02020603050405020304" pitchFamily="18" charset="0"/>
+              </a:rPr>
+              <a:t>інтерфейсу</a:t>
+            </a:r>
+            <a:r>
+              <a:rPr lang="ru-RU" sz="2800" dirty="0">
+                <a:effectLst/>
+                <a:latin typeface="Franklin Gothic Demi Cond" panose="020B0706030402020204" pitchFamily="34" charset="0"/>
+                <a:ea typeface="Times New Roman" panose="02020603050405020304" pitchFamily="18" charset="0"/>
+              </a:rPr>
+              <a:t> </a:t>
+            </a:r>
+            <a:r>
+              <a:rPr lang="ru-RU" sz="2800" dirty="0" err="1">
+                <a:effectLst/>
+                <a:latin typeface="Franklin Gothic Demi Cond" panose="020B0706030402020204" pitchFamily="34" charset="0"/>
+                <a:ea typeface="Times New Roman" panose="02020603050405020304" pitchFamily="18" charset="0"/>
+              </a:rPr>
+              <a:t>було</a:t>
+            </a:r>
+            <a:r>
+              <a:rPr lang="ru-RU" sz="2800" dirty="0">
+                <a:effectLst/>
+                <a:latin typeface="Franklin Gothic Demi Cond" panose="020B0706030402020204" pitchFamily="34" charset="0"/>
+                <a:ea typeface="Times New Roman" panose="02020603050405020304" pitchFamily="18" charset="0"/>
+              </a:rPr>
+              <a:t> </a:t>
+            </a:r>
+            <a:r>
+              <a:rPr lang="ru-RU" sz="2800" dirty="0" err="1">
+                <a:effectLst/>
+                <a:latin typeface="Franklin Gothic Demi Cond" panose="020B0706030402020204" pitchFamily="34" charset="0"/>
+                <a:ea typeface="Times New Roman" panose="02020603050405020304" pitchFamily="18" charset="0"/>
+              </a:rPr>
+              <a:t>обрано</a:t>
+            </a:r>
+            <a:r>
+              <a:rPr lang="ru-RU" sz="2800" dirty="0">
+                <a:effectLst/>
+                <a:latin typeface="Franklin Gothic Demi Cond" panose="020B0706030402020204" pitchFamily="34" charset="0"/>
+                <a:ea typeface="Times New Roman" panose="02020603050405020304" pitchFamily="18" charset="0"/>
+              </a:rPr>
+              <a:t> </a:t>
+            </a:r>
+            <a:r>
+              <a:rPr lang="ru-RU" sz="2800" dirty="0" err="1">
+                <a:effectLst/>
+                <a:latin typeface="Franklin Gothic Demi Cond" panose="020B0706030402020204" pitchFamily="34" charset="0"/>
+                <a:ea typeface="Times New Roman" panose="02020603050405020304" pitchFamily="18" charset="0"/>
+              </a:rPr>
+              <a:t>напрямок</a:t>
+            </a:r>
+            <a:r>
+              <a:rPr lang="ru-RU" sz="2800" dirty="0">
+                <a:effectLst/>
+                <a:latin typeface="Franklin Gothic Demi Cond" panose="020B0706030402020204" pitchFamily="34" charset="0"/>
+                <a:ea typeface="Times New Roman" panose="02020603050405020304" pitchFamily="18" charset="0"/>
+              </a:rPr>
+              <a:t> </a:t>
+            </a:r>
+            <a:r>
+              <a:rPr lang="ru-RU" sz="2800" dirty="0" err="1">
+                <a:effectLst/>
+                <a:latin typeface="Franklin Gothic Demi Cond" panose="020B0706030402020204" pitchFamily="34" charset="0"/>
+                <a:ea typeface="Times New Roman" panose="02020603050405020304" pitchFamily="18" charset="0"/>
+              </a:rPr>
+              <a:t>дослідження</a:t>
+            </a:r>
+            <a:r>
+              <a:rPr lang="ru-RU" sz="2800" dirty="0">
+                <a:effectLst/>
+                <a:latin typeface="Franklin Gothic Demi Cond" panose="020B0706030402020204" pitchFamily="34" charset="0"/>
+                <a:ea typeface="Times New Roman" panose="02020603050405020304" pitchFamily="18" charset="0"/>
+              </a:rPr>
+              <a:t> "База </a:t>
+            </a:r>
+            <a:r>
+              <a:rPr lang="ru-RU" sz="2800" dirty="0" err="1">
+                <a:effectLst/>
+                <a:latin typeface="Franklin Gothic Demi Cond" panose="020B0706030402020204" pitchFamily="34" charset="0"/>
+                <a:ea typeface="Times New Roman" panose="02020603050405020304" pitchFamily="18" charset="0"/>
+              </a:rPr>
+              <a:t>даних</a:t>
+            </a:r>
+            <a:r>
+              <a:rPr lang="ru-RU" sz="2800" dirty="0">
+                <a:effectLst/>
+                <a:latin typeface="Franklin Gothic Demi Cond" panose="020B0706030402020204" pitchFamily="34" charset="0"/>
+                <a:ea typeface="Times New Roman" panose="02020603050405020304" pitchFamily="18" charset="0"/>
+              </a:rPr>
+              <a:t> сайту прокату </a:t>
+            </a:r>
+            <a:r>
+              <a:rPr lang="ru-RU" sz="2800" dirty="0" err="1">
+                <a:effectLst/>
+                <a:latin typeface="Franklin Gothic Demi Cond" panose="020B0706030402020204" pitchFamily="34" charset="0"/>
+                <a:ea typeface="Times New Roman" panose="02020603050405020304" pitchFamily="18" charset="0"/>
+              </a:rPr>
+              <a:t>автомобілів</a:t>
+            </a:r>
+            <a:r>
+              <a:rPr lang="ru-RU" sz="2800" dirty="0">
+                <a:effectLst/>
+                <a:latin typeface="Franklin Gothic Demi Cond" panose="020B0706030402020204" pitchFamily="34" charset="0"/>
+                <a:ea typeface="Times New Roman" panose="02020603050405020304" pitchFamily="18" charset="0"/>
+              </a:rPr>
+              <a:t>".</a:t>
+            </a:r>
+            <a:endParaRPr lang="ru-UA" sz="2800" dirty="0">
+              <a:effectLst/>
+              <a:latin typeface="Franklin Gothic Demi Cond" panose="020B0706030402020204" pitchFamily="34" charset="0"/>
+              <a:ea typeface="Times New Roman" panose="02020603050405020304" pitchFamily="18" charset="0"/>
+            </a:endParaRPr>
+          </a:p>
+          <a:p>
             <a:endParaRPr lang="uk-UA" dirty="0">
               <a:latin typeface="Franklin Gothic Book" panose="020B0503020102020204" pitchFamily="34" charset="0"/>
               <a:cs typeface="Times New Roman" panose="02020603050405020304" pitchFamily="18" charset="0"/>
-            </a:endParaRPr>
-          </a:p>
-        </p:txBody>
-      </p:sp>
-      <p:sp>
-        <p:nvSpPr>
-          <p:cNvPr id="7" name="TextBox 6">
-            <a:extLst>
-              <a:ext uri="{FF2B5EF4-FFF2-40B4-BE49-F238E27FC236}">
-                <a16:creationId xmlns:a16="http://schemas.microsoft.com/office/drawing/2014/main" id="{9071407B-759E-F372-C143-6771512268A9}"/>
-              </a:ext>
-            </a:extLst>
-          </p:cNvPr>
-          <p:cNvSpPr txBox="1"/>
-          <p:nvPr/>
-        </p:nvSpPr>
-        <p:spPr>
-          <a:xfrm>
-            <a:off x="115746" y="2546772"/>
-            <a:ext cx="11968224" cy="1015663"/>
-          </a:xfrm>
-          <a:prstGeom prst="rect">
-            <a:avLst/>
-          </a:prstGeom>
-          <a:noFill/>
-        </p:spPr>
-        <p:txBody>
-          <a:bodyPr wrap="square" rtlCol="0">
-            <a:spAutoFit/>
-          </a:bodyPr>
-          <a:lstStyle/>
-          <a:p>
-            <a:r>
-              <a:rPr lang="uk-UA" sz="2400" dirty="0">
-                <a:solidFill>
-                  <a:srgbClr val="274537"/>
-                </a:solidFill>
-                <a:latin typeface="Franklin Gothic Demi Cond" panose="020B0706030402020204" pitchFamily="34" charset="0"/>
-              </a:rPr>
-              <a:t>Мета</a:t>
-            </a:r>
-          </a:p>
-          <a:p>
-            <a:r>
-              <a:rPr lang="ru-RU" b="0" i="0" dirty="0">
-                <a:effectLst/>
-                <a:latin typeface="Franklin Gothic Book" panose="020B0503020102020204" pitchFamily="34" charset="0"/>
-              </a:rPr>
-              <a:t>Мета </a:t>
-            </a:r>
-            <a:r>
-              <a:rPr lang="ru-RU" b="0" i="0" dirty="0" err="1">
-                <a:effectLst/>
-                <a:latin typeface="Franklin Gothic Book" panose="020B0503020102020204" pitchFamily="34" charset="0"/>
-              </a:rPr>
-              <a:t>додатку</a:t>
-            </a:r>
-            <a:r>
-              <a:rPr lang="ru-RU" b="0" i="0" dirty="0">
-                <a:effectLst/>
-                <a:latin typeface="Franklin Gothic Book" panose="020B0503020102020204" pitchFamily="34" charset="0"/>
-              </a:rPr>
-              <a:t> для прокату авто - </a:t>
-            </a:r>
-            <a:r>
-              <a:rPr lang="ru-RU" b="0" i="0" dirty="0" err="1">
-                <a:effectLst/>
-                <a:latin typeface="Franklin Gothic Book" panose="020B0503020102020204" pitchFamily="34" charset="0"/>
-              </a:rPr>
-              <a:t>забезпечити</a:t>
-            </a:r>
-            <a:r>
-              <a:rPr lang="ru-RU" b="0" i="0" dirty="0">
-                <a:effectLst/>
-                <a:latin typeface="Franklin Gothic Book" panose="020B0503020102020204" pitchFamily="34" charset="0"/>
-              </a:rPr>
-              <a:t> людям </a:t>
-            </a:r>
-            <a:r>
-              <a:rPr lang="ru-RU" b="0" i="0" dirty="0" err="1">
-                <a:effectLst/>
-                <a:latin typeface="Franklin Gothic Book" panose="020B0503020102020204" pitchFamily="34" charset="0"/>
-              </a:rPr>
-              <a:t>зручний</a:t>
-            </a:r>
-            <a:r>
-              <a:rPr lang="ru-RU" b="0" i="0" dirty="0">
-                <a:effectLst/>
-                <a:latin typeface="Franklin Gothic Book" panose="020B0503020102020204" pitchFamily="34" charset="0"/>
-              </a:rPr>
-              <a:t> доступ до </a:t>
-            </a:r>
-            <a:r>
-              <a:rPr lang="ru-RU" b="0" i="0" dirty="0" err="1">
-                <a:effectLst/>
-                <a:latin typeface="Franklin Gothic Book" panose="020B0503020102020204" pitchFamily="34" charset="0"/>
-              </a:rPr>
-              <a:t>оренди</a:t>
-            </a:r>
-            <a:r>
-              <a:rPr lang="ru-RU" b="0" i="0" dirty="0">
-                <a:effectLst/>
-                <a:latin typeface="Franklin Gothic Book" panose="020B0503020102020204" pitchFamily="34" charset="0"/>
-              </a:rPr>
-              <a:t> автомобілів. Додаток </a:t>
-            </a:r>
-            <a:r>
-              <a:rPr lang="ru-RU" b="0" i="0" dirty="0" err="1">
-                <a:effectLst/>
-                <a:latin typeface="Franklin Gothic Book" panose="020B0503020102020204" pitchFamily="34" charset="0"/>
-              </a:rPr>
-              <a:t>спрощує</a:t>
-            </a:r>
-            <a:r>
-              <a:rPr lang="ru-RU" b="0" i="0" dirty="0">
-                <a:effectLst/>
-                <a:latin typeface="Franklin Gothic Book" panose="020B0503020102020204" pitchFamily="34" charset="0"/>
-              </a:rPr>
-              <a:t> процес </a:t>
-            </a:r>
-            <a:r>
-              <a:rPr lang="ru-RU" b="0" i="0" dirty="0" err="1">
-                <a:effectLst/>
-                <a:latin typeface="Franklin Gothic Book" panose="020B0503020102020204" pitchFamily="34" charset="0"/>
-              </a:rPr>
-              <a:t>бронювання</a:t>
-            </a:r>
-            <a:r>
-              <a:rPr lang="ru-RU" b="0" i="0" dirty="0">
-                <a:effectLst/>
-                <a:latin typeface="Franklin Gothic Book" panose="020B0503020102020204" pitchFamily="34" charset="0"/>
-              </a:rPr>
-              <a:t> та </a:t>
-            </a:r>
-            <a:r>
-              <a:rPr lang="ru-RU" b="0" i="0" dirty="0" err="1">
-                <a:effectLst/>
-                <a:latin typeface="Franklin Gothic Book" panose="020B0503020102020204" pitchFamily="34" charset="0"/>
-              </a:rPr>
-              <a:t>надає</a:t>
-            </a:r>
-            <a:r>
-              <a:rPr lang="ru-RU" b="0" i="0" dirty="0">
-                <a:effectLst/>
-                <a:latin typeface="Franklin Gothic Book" panose="020B0503020102020204" pitchFamily="34" charset="0"/>
-              </a:rPr>
-              <a:t> </a:t>
-            </a:r>
-            <a:r>
-              <a:rPr lang="ru-RU" b="0" i="0" dirty="0" err="1">
-                <a:effectLst/>
-                <a:latin typeface="Franklin Gothic Book" panose="020B0503020102020204" pitchFamily="34" charset="0"/>
-              </a:rPr>
-              <a:t>можливість</a:t>
-            </a:r>
-            <a:r>
-              <a:rPr lang="ru-RU" b="0" i="0" dirty="0">
-                <a:effectLst/>
-                <a:latin typeface="Franklin Gothic Book" panose="020B0503020102020204" pitchFamily="34" charset="0"/>
-              </a:rPr>
-              <a:t> </a:t>
-            </a:r>
-            <a:r>
-              <a:rPr lang="ru-RU" b="0" i="0" dirty="0" err="1">
-                <a:effectLst/>
-                <a:latin typeface="Franklin Gothic Book" panose="020B0503020102020204" pitchFamily="34" charset="0"/>
-              </a:rPr>
-              <a:t>швидкої</a:t>
-            </a:r>
-            <a:r>
-              <a:rPr lang="ru-RU" b="0" i="0" dirty="0">
-                <a:effectLst/>
-                <a:latin typeface="Franklin Gothic Book" panose="020B0503020102020204" pitchFamily="34" charset="0"/>
-              </a:rPr>
-              <a:t> та </a:t>
-            </a:r>
-            <a:r>
-              <a:rPr lang="ru-RU" b="0" i="0" dirty="0" err="1">
-                <a:effectLst/>
-                <a:latin typeface="Franklin Gothic Book" panose="020B0503020102020204" pitchFamily="34" charset="0"/>
-              </a:rPr>
-              <a:t>безпечної</a:t>
-            </a:r>
-            <a:r>
-              <a:rPr lang="ru-RU" b="0" i="0" dirty="0">
-                <a:effectLst/>
-                <a:latin typeface="Franklin Gothic Book" panose="020B0503020102020204" pitchFamily="34" charset="0"/>
-              </a:rPr>
-              <a:t> </a:t>
-            </a:r>
-            <a:r>
-              <a:rPr lang="ru-RU" b="0" i="0" dirty="0" err="1">
-                <a:effectLst/>
-                <a:latin typeface="Franklin Gothic Book" panose="020B0503020102020204" pitchFamily="34" charset="0"/>
-              </a:rPr>
-              <a:t>оренди</a:t>
-            </a:r>
-            <a:r>
-              <a:rPr lang="ru-RU" b="0" i="0" dirty="0">
-                <a:effectLst/>
-                <a:latin typeface="Franklin Gothic Book" panose="020B0503020102020204" pitchFamily="34" charset="0"/>
-              </a:rPr>
-              <a:t> транспорту в будь-</a:t>
-            </a:r>
-            <a:r>
-              <a:rPr lang="ru-RU" b="0" i="0" dirty="0" err="1">
-                <a:effectLst/>
-                <a:latin typeface="Franklin Gothic Book" panose="020B0503020102020204" pitchFamily="34" charset="0"/>
-              </a:rPr>
-              <a:t>який</a:t>
-            </a:r>
-            <a:r>
-              <a:rPr lang="ru-RU" b="0" i="0" dirty="0">
-                <a:effectLst/>
-                <a:latin typeface="Franklin Gothic Book" panose="020B0503020102020204" pitchFamily="34" charset="0"/>
-              </a:rPr>
-              <a:t> час і в будь-</a:t>
-            </a:r>
-            <a:r>
-              <a:rPr lang="ru-RU" b="0" i="0" dirty="0" err="1">
-                <a:effectLst/>
-                <a:latin typeface="Franklin Gothic Book" panose="020B0503020102020204" pitchFamily="34" charset="0"/>
-              </a:rPr>
-              <a:t>якому</a:t>
-            </a:r>
-            <a:r>
-              <a:rPr lang="ru-RU" b="0" i="0" dirty="0">
-                <a:effectLst/>
-                <a:latin typeface="Franklin Gothic Book" panose="020B0503020102020204" pitchFamily="34" charset="0"/>
-              </a:rPr>
-              <a:t> </a:t>
-            </a:r>
-            <a:r>
-              <a:rPr lang="ru-RU" b="0" i="0" dirty="0" err="1">
-                <a:effectLst/>
-                <a:latin typeface="Franklin Gothic Book" panose="020B0503020102020204" pitchFamily="34" charset="0"/>
-              </a:rPr>
-              <a:t>місці</a:t>
-            </a:r>
-            <a:r>
-              <a:rPr lang="ru-RU" b="0" i="0" dirty="0">
-                <a:effectLst/>
-                <a:latin typeface="Franklin Gothic Book" panose="020B0503020102020204" pitchFamily="34" charset="0"/>
-              </a:rPr>
-              <a:t>.</a:t>
-            </a:r>
-            <a:endParaRPr lang="uk-UA" dirty="0">
-              <a:latin typeface="Franklin Gothic Book" panose="020B0503020102020204" pitchFamily="34" charset="0"/>
-            </a:endParaRPr>
-          </a:p>
-        </p:txBody>
-      </p:sp>
-      <p:sp>
-        <p:nvSpPr>
-          <p:cNvPr id="8" name="TextBox 7">
-            <a:extLst>
-              <a:ext uri="{FF2B5EF4-FFF2-40B4-BE49-F238E27FC236}">
-                <a16:creationId xmlns:a16="http://schemas.microsoft.com/office/drawing/2014/main" id="{9E563CAB-B088-30BD-BEB0-4D885E9CB12F}"/>
-              </a:ext>
-            </a:extLst>
-          </p:cNvPr>
-          <p:cNvSpPr txBox="1"/>
-          <p:nvPr/>
-        </p:nvSpPr>
-        <p:spPr>
-          <a:xfrm>
-            <a:off x="115746" y="3761699"/>
-            <a:ext cx="11968224" cy="1015663"/>
-          </a:xfrm>
-          <a:prstGeom prst="rect">
-            <a:avLst/>
-          </a:prstGeom>
-          <a:noFill/>
-        </p:spPr>
-        <p:txBody>
-          <a:bodyPr wrap="square" rtlCol="0">
-            <a:spAutoFit/>
-          </a:bodyPr>
-          <a:lstStyle/>
-          <a:p>
-            <a:r>
-              <a:rPr lang="uk-UA" sz="2400" dirty="0">
-                <a:solidFill>
-                  <a:srgbClr val="274537"/>
-                </a:solidFill>
-                <a:latin typeface="Franklin Gothic Demi Cond" panose="020B0706030402020204" pitchFamily="34" charset="0"/>
-              </a:rPr>
-              <a:t>Об’єкт дослідження</a:t>
-            </a:r>
-          </a:p>
-          <a:p>
-            <a:r>
-              <a:rPr lang="ru-RU" b="0" i="0" dirty="0" err="1">
-                <a:effectLst/>
-                <a:latin typeface="Franklin Gothic Book" panose="020B0503020102020204" pitchFamily="34" charset="0"/>
-              </a:rPr>
-              <a:t>Об'єкт</a:t>
-            </a:r>
-            <a:r>
-              <a:rPr lang="ru-RU" b="0" i="0" dirty="0">
-                <a:effectLst/>
-                <a:latin typeface="Franklin Gothic Book" panose="020B0503020102020204" pitchFamily="34" charset="0"/>
-              </a:rPr>
-              <a:t> </a:t>
-            </a:r>
-            <a:r>
-              <a:rPr lang="ru-RU" b="0" i="0" dirty="0" err="1">
-                <a:effectLst/>
-                <a:latin typeface="Franklin Gothic Book" panose="020B0503020102020204" pitchFamily="34" charset="0"/>
-              </a:rPr>
-              <a:t>дослідження</a:t>
-            </a:r>
-            <a:r>
-              <a:rPr lang="ru-RU" b="0" i="0" dirty="0">
-                <a:effectLst/>
-                <a:latin typeface="Franklin Gothic Book" panose="020B0503020102020204" pitchFamily="34" charset="0"/>
-              </a:rPr>
-              <a:t> - </a:t>
-            </a:r>
-            <a:r>
-              <a:rPr lang="ru-UA" sz="1800" dirty="0">
-                <a:effectLst/>
-                <a:latin typeface="Times New Roman" panose="02020603050405020304" pitchFamily="18" charset="0"/>
-                <a:ea typeface="Times New Roman" panose="02020603050405020304" pitchFamily="18" charset="0"/>
-              </a:rPr>
-              <a:t>є </a:t>
-            </a:r>
-            <a:r>
-              <a:rPr lang="ru-UA" sz="1800" dirty="0" err="1">
-                <a:effectLst/>
-                <a:latin typeface="Times New Roman" panose="02020603050405020304" pitchFamily="18" charset="0"/>
-                <a:ea typeface="Times New Roman" panose="02020603050405020304" pitchFamily="18" charset="0"/>
-              </a:rPr>
-              <a:t>методи</a:t>
-            </a:r>
-            <a:r>
-              <a:rPr lang="ru-UA" sz="1800" dirty="0">
-                <a:effectLst/>
-                <a:latin typeface="Times New Roman" panose="02020603050405020304" pitchFamily="18" charset="0"/>
-                <a:ea typeface="Times New Roman" panose="02020603050405020304" pitchFamily="18" charset="0"/>
-              </a:rPr>
-              <a:t> та </a:t>
-            </a:r>
-            <a:r>
-              <a:rPr lang="ru-UA" sz="1800" dirty="0" err="1">
-                <a:effectLst/>
-                <a:latin typeface="Times New Roman" panose="02020603050405020304" pitchFamily="18" charset="0"/>
-                <a:ea typeface="Times New Roman" panose="02020603050405020304" pitchFamily="18" charset="0"/>
-              </a:rPr>
-              <a:t>засоби</a:t>
-            </a:r>
-            <a:r>
-              <a:rPr lang="ru-UA" sz="1800" dirty="0">
-                <a:effectLst/>
-                <a:latin typeface="Times New Roman" panose="02020603050405020304" pitchFamily="18" charset="0"/>
-                <a:ea typeface="Times New Roman" panose="02020603050405020304" pitchFamily="18" charset="0"/>
-              </a:rPr>
-              <a:t> </a:t>
-            </a:r>
-            <a:r>
-              <a:rPr lang="ru-UA" sz="1800" dirty="0" err="1">
-                <a:effectLst/>
-                <a:latin typeface="Times New Roman" panose="02020603050405020304" pitchFamily="18" charset="0"/>
-                <a:ea typeface="Times New Roman" panose="02020603050405020304" pitchFamily="18" charset="0"/>
-              </a:rPr>
-              <a:t>проектування</a:t>
-            </a:r>
-            <a:r>
-              <a:rPr lang="ru-UA" sz="1800" dirty="0">
-                <a:effectLst/>
-                <a:latin typeface="Times New Roman" panose="02020603050405020304" pitchFamily="18" charset="0"/>
-                <a:ea typeface="Times New Roman" panose="02020603050405020304" pitchFamily="18" charset="0"/>
-              </a:rPr>
-              <a:t> баз </a:t>
-            </a:r>
-            <a:r>
-              <a:rPr lang="ru-UA" sz="1800" dirty="0" err="1">
-                <a:effectLst/>
-                <a:latin typeface="Times New Roman" panose="02020603050405020304" pitchFamily="18" charset="0"/>
-                <a:ea typeface="Times New Roman" panose="02020603050405020304" pitchFamily="18" charset="0"/>
-              </a:rPr>
-              <a:t>даних</a:t>
-            </a:r>
-            <a:r>
-              <a:rPr lang="ru-UA" sz="1800" dirty="0">
-                <a:effectLst/>
-                <a:latin typeface="Times New Roman" panose="02020603050405020304" pitchFamily="18" charset="0"/>
-                <a:ea typeface="Times New Roman" panose="02020603050405020304" pitchFamily="18" charset="0"/>
-              </a:rPr>
-              <a:t> для </a:t>
-            </a:r>
-            <a:r>
-              <a:rPr lang="ru-UA" sz="1800" dirty="0" err="1">
-                <a:effectLst/>
-                <a:latin typeface="Times New Roman" panose="02020603050405020304" pitchFamily="18" charset="0"/>
-                <a:ea typeface="Times New Roman" panose="02020603050405020304" pitchFamily="18" charset="0"/>
-              </a:rPr>
-              <a:t>оптимальної</a:t>
-            </a:r>
-            <a:r>
-              <a:rPr lang="ru-UA" sz="1800" dirty="0">
-                <a:effectLst/>
-                <a:latin typeface="Times New Roman" panose="02020603050405020304" pitchFamily="18" charset="0"/>
-                <a:ea typeface="Times New Roman" panose="02020603050405020304" pitchFamily="18" charset="0"/>
-              </a:rPr>
-              <a:t> </a:t>
-            </a:r>
-            <a:r>
-              <a:rPr lang="ru-UA" sz="1800" dirty="0" err="1">
-                <a:effectLst/>
-                <a:latin typeface="Times New Roman" panose="02020603050405020304" pitchFamily="18" charset="0"/>
-                <a:ea typeface="Times New Roman" panose="02020603050405020304" pitchFamily="18" charset="0"/>
-              </a:rPr>
-              <a:t>реалізації</a:t>
-            </a:r>
-            <a:r>
-              <a:rPr lang="ru-UA" sz="1800" dirty="0">
-                <a:effectLst/>
-                <a:latin typeface="Times New Roman" panose="02020603050405020304" pitchFamily="18" charset="0"/>
-                <a:ea typeface="Times New Roman" panose="02020603050405020304" pitchFamily="18" charset="0"/>
-              </a:rPr>
-              <a:t> </a:t>
-            </a:r>
-            <a:r>
-              <a:rPr lang="ru-UA" sz="1800" dirty="0" err="1">
-                <a:effectLst/>
-                <a:latin typeface="Times New Roman" panose="02020603050405020304" pitchFamily="18" charset="0"/>
-                <a:ea typeface="Times New Roman" panose="02020603050405020304" pitchFamily="18" charset="0"/>
-              </a:rPr>
-              <a:t>системи</a:t>
-            </a:r>
-            <a:r>
-              <a:rPr lang="ru-UA" sz="1800" dirty="0">
-                <a:effectLst/>
-                <a:latin typeface="Times New Roman" panose="02020603050405020304" pitchFamily="18" charset="0"/>
-                <a:ea typeface="Times New Roman" panose="02020603050405020304" pitchFamily="18" charset="0"/>
-              </a:rPr>
-              <a:t> прокату </a:t>
-            </a:r>
-            <a:r>
-              <a:rPr lang="ru-UA" sz="1800" dirty="0" err="1">
-                <a:effectLst/>
-                <a:latin typeface="Times New Roman" panose="02020603050405020304" pitchFamily="18" charset="0"/>
-                <a:ea typeface="Times New Roman" panose="02020603050405020304" pitchFamily="18" charset="0"/>
-              </a:rPr>
-              <a:t>автомобілів</a:t>
-            </a:r>
-            <a:r>
-              <a:rPr lang="uk-UA" sz="1800" dirty="0">
-                <a:effectLst/>
-                <a:latin typeface="Times New Roman" panose="02020603050405020304" pitchFamily="18" charset="0"/>
-                <a:ea typeface="Times New Roman" panose="02020603050405020304" pitchFamily="18" charset="0"/>
-              </a:rPr>
-              <a:t> </a:t>
-            </a:r>
-            <a:r>
-              <a:rPr lang="ru-RU" b="0" i="0" dirty="0">
-                <a:effectLst/>
-                <a:latin typeface="Franklin Gothic Book" panose="020B0503020102020204" pitchFamily="34" charset="0"/>
-              </a:rPr>
-              <a:t>з </a:t>
-            </a:r>
-            <a:r>
-              <a:rPr lang="ru-RU" b="0" i="0" dirty="0" err="1">
-                <a:effectLst/>
-                <a:latin typeface="Franklin Gothic Book" panose="020B0503020102020204" pitchFamily="34" charset="0"/>
-              </a:rPr>
-              <a:t>використанням</a:t>
-            </a:r>
-            <a:r>
-              <a:rPr lang="ru-RU" b="0" i="0" dirty="0">
-                <a:effectLst/>
-                <a:latin typeface="Franklin Gothic Book" panose="020B0503020102020204" pitchFamily="34" charset="0"/>
-              </a:rPr>
-              <a:t> </a:t>
-            </a:r>
-            <a:r>
-              <a:rPr lang="ru-RU" b="0" i="0" dirty="0" err="1">
-                <a:effectLst/>
-                <a:latin typeface="Franklin Gothic Book" panose="020B0503020102020204" pitchFamily="34" charset="0"/>
-              </a:rPr>
-              <a:t>мови</a:t>
-            </a:r>
-            <a:r>
-              <a:rPr lang="ru-RU" b="0" i="0" dirty="0">
-                <a:effectLst/>
-                <a:latin typeface="Franklin Gothic Book" panose="020B0503020102020204" pitchFamily="34" charset="0"/>
-              </a:rPr>
-              <a:t> </a:t>
-            </a:r>
-            <a:r>
-              <a:rPr lang="ru-RU" b="0" i="0" dirty="0" err="1">
-                <a:effectLst/>
-                <a:latin typeface="Franklin Gothic Book" panose="020B0503020102020204" pitchFamily="34" charset="0"/>
-              </a:rPr>
-              <a:t>програмування</a:t>
-            </a:r>
-            <a:r>
-              <a:rPr lang="ru-RU" b="0" i="0" dirty="0">
-                <a:effectLst/>
-                <a:latin typeface="Franklin Gothic Book" panose="020B0503020102020204" pitchFamily="34" charset="0"/>
-              </a:rPr>
-              <a:t> C#.</a:t>
-            </a:r>
-            <a:endParaRPr lang="uk-UA" dirty="0">
-              <a:latin typeface="Franklin Gothic Book" panose="020B0503020102020204" pitchFamily="34" charset="0"/>
-            </a:endParaRPr>
-          </a:p>
-        </p:txBody>
-      </p:sp>
-      <p:sp>
-        <p:nvSpPr>
-          <p:cNvPr id="11" name="TextBox 10">
-            <a:extLst>
-              <a:ext uri="{FF2B5EF4-FFF2-40B4-BE49-F238E27FC236}">
-                <a16:creationId xmlns:a16="http://schemas.microsoft.com/office/drawing/2014/main" id="{AD841DDB-E5B0-B0C6-1157-42820317620B}"/>
-              </a:ext>
-            </a:extLst>
-          </p:cNvPr>
-          <p:cNvSpPr txBox="1"/>
-          <p:nvPr/>
-        </p:nvSpPr>
-        <p:spPr>
-          <a:xfrm>
-            <a:off x="115746" y="4976797"/>
-            <a:ext cx="11968224" cy="1015663"/>
-          </a:xfrm>
-          <a:prstGeom prst="rect">
-            <a:avLst/>
-          </a:prstGeom>
-          <a:noFill/>
-        </p:spPr>
-        <p:txBody>
-          <a:bodyPr wrap="square" rtlCol="0">
-            <a:spAutoFit/>
-          </a:bodyPr>
-          <a:lstStyle/>
-          <a:p>
-            <a:r>
-              <a:rPr lang="uk-UA" sz="2400" dirty="0">
-                <a:solidFill>
-                  <a:srgbClr val="274537"/>
-                </a:solidFill>
-                <a:latin typeface="Franklin Gothic Demi Cond" panose="020B0706030402020204" pitchFamily="34" charset="0"/>
-              </a:rPr>
-              <a:t>Предмет дослідження</a:t>
-            </a:r>
-          </a:p>
-          <a:p>
-            <a:r>
-              <a:rPr lang="uk-UA" b="0" i="0" dirty="0">
-                <a:effectLst/>
-                <a:latin typeface="Franklin Gothic Book" panose="020B0503020102020204" pitchFamily="34" charset="0"/>
-              </a:rPr>
-              <a:t>Предмет дослідження - </a:t>
-            </a:r>
-            <a:r>
-              <a:rPr lang="ru-UA" sz="1800" dirty="0">
-                <a:effectLst/>
-                <a:latin typeface="Times New Roman" panose="02020603050405020304" pitchFamily="18" charset="0"/>
-                <a:ea typeface="Times New Roman" panose="02020603050405020304" pitchFamily="18" charset="0"/>
-              </a:rPr>
-              <a:t>є </a:t>
-            </a:r>
-            <a:r>
-              <a:rPr lang="ru-UA" sz="1800" dirty="0" err="1">
-                <a:effectLst/>
-                <a:latin typeface="Times New Roman" panose="02020603050405020304" pitchFamily="18" charset="0"/>
-                <a:ea typeface="Times New Roman" panose="02020603050405020304" pitchFamily="18" charset="0"/>
-              </a:rPr>
-              <a:t>можливості</a:t>
-            </a:r>
-            <a:r>
-              <a:rPr lang="ru-UA" sz="1800" dirty="0">
-                <a:effectLst/>
-                <a:latin typeface="Times New Roman" panose="02020603050405020304" pitchFamily="18" charset="0"/>
-                <a:ea typeface="Times New Roman" panose="02020603050405020304" pitchFamily="18" charset="0"/>
-              </a:rPr>
-              <a:t> </a:t>
-            </a:r>
-            <a:r>
-              <a:rPr lang="ru-UA" sz="1800" dirty="0" err="1">
-                <a:effectLst/>
-                <a:latin typeface="Times New Roman" panose="02020603050405020304" pitchFamily="18" charset="0"/>
-                <a:ea typeface="Times New Roman" panose="02020603050405020304" pitchFamily="18" charset="0"/>
-              </a:rPr>
-              <a:t>застосування</a:t>
-            </a:r>
-            <a:r>
-              <a:rPr lang="ru-UA" sz="1800" dirty="0">
-                <a:effectLst/>
-                <a:latin typeface="Times New Roman" panose="02020603050405020304" pitchFamily="18" charset="0"/>
-                <a:ea typeface="Times New Roman" panose="02020603050405020304" pitchFamily="18" charset="0"/>
-              </a:rPr>
-              <a:t> </a:t>
-            </a:r>
-            <a:r>
-              <a:rPr lang="ru-UA" sz="1800" dirty="0" err="1">
-                <a:effectLst/>
-                <a:latin typeface="Times New Roman" panose="02020603050405020304" pitchFamily="18" charset="0"/>
-                <a:ea typeface="Times New Roman" panose="02020603050405020304" pitchFamily="18" charset="0"/>
-              </a:rPr>
-              <a:t>концепції</a:t>
-            </a:r>
-            <a:r>
-              <a:rPr lang="ru-UA" sz="1800" dirty="0">
-                <a:effectLst/>
-                <a:latin typeface="Times New Roman" panose="02020603050405020304" pitchFamily="18" charset="0"/>
-                <a:ea typeface="Times New Roman" panose="02020603050405020304" pitchFamily="18" charset="0"/>
-              </a:rPr>
-              <a:t> баз </a:t>
-            </a:r>
-            <a:r>
-              <a:rPr lang="ru-UA" sz="1800" dirty="0" err="1">
-                <a:effectLst/>
-                <a:latin typeface="Times New Roman" panose="02020603050405020304" pitchFamily="18" charset="0"/>
-                <a:ea typeface="Times New Roman" panose="02020603050405020304" pitchFamily="18" charset="0"/>
-              </a:rPr>
-              <a:t>даних</a:t>
-            </a:r>
-            <a:r>
-              <a:rPr lang="ru-UA" sz="1800" dirty="0">
-                <a:effectLst/>
-                <a:latin typeface="Times New Roman" panose="02020603050405020304" pitchFamily="18" charset="0"/>
-                <a:ea typeface="Times New Roman" panose="02020603050405020304" pitchFamily="18" charset="0"/>
-              </a:rPr>
-              <a:t> та систем </a:t>
-            </a:r>
-            <a:r>
-              <a:rPr lang="ru-UA" sz="1800" dirty="0" err="1">
-                <a:effectLst/>
-                <a:latin typeface="Times New Roman" panose="02020603050405020304" pitchFamily="18" charset="0"/>
-                <a:ea typeface="Times New Roman" panose="02020603050405020304" pitchFamily="18" charset="0"/>
-              </a:rPr>
-              <a:t>управління</a:t>
-            </a:r>
-            <a:r>
-              <a:rPr lang="ru-UA" sz="1800" dirty="0">
-                <a:effectLst/>
-                <a:latin typeface="Times New Roman" panose="02020603050405020304" pitchFamily="18" charset="0"/>
-                <a:ea typeface="Times New Roman" panose="02020603050405020304" pitchFamily="18" charset="0"/>
-              </a:rPr>
-              <a:t> базами </a:t>
-            </a:r>
-            <a:r>
-              <a:rPr lang="ru-UA" sz="1800" dirty="0" err="1">
-                <a:effectLst/>
-                <a:latin typeface="Times New Roman" panose="02020603050405020304" pitchFamily="18" charset="0"/>
-                <a:ea typeface="Times New Roman" panose="02020603050405020304" pitchFamily="18" charset="0"/>
-              </a:rPr>
-              <a:t>даних</a:t>
-            </a:r>
-            <a:r>
-              <a:rPr lang="ru-UA" sz="1800" dirty="0">
-                <a:effectLst/>
-                <a:latin typeface="Times New Roman" panose="02020603050405020304" pitchFamily="18" charset="0"/>
-                <a:ea typeface="Times New Roman" panose="02020603050405020304" pitchFamily="18" charset="0"/>
-              </a:rPr>
-              <a:t> (СУБД) для </a:t>
-            </a:r>
-            <a:r>
-              <a:rPr lang="ru-UA" sz="1800" dirty="0" err="1">
-                <a:effectLst/>
-                <a:latin typeface="Times New Roman" panose="02020603050405020304" pitchFamily="18" charset="0"/>
-                <a:ea typeface="Times New Roman" panose="02020603050405020304" pitchFamily="18" charset="0"/>
-              </a:rPr>
-              <a:t>забезпечення</a:t>
-            </a:r>
-            <a:r>
-              <a:rPr lang="ru-UA" sz="1800" dirty="0">
-                <a:effectLst/>
-                <a:latin typeface="Times New Roman" panose="02020603050405020304" pitchFamily="18" charset="0"/>
-                <a:ea typeface="Times New Roman" panose="02020603050405020304" pitchFamily="18" charset="0"/>
-              </a:rPr>
-              <a:t> </a:t>
-            </a:r>
-            <a:r>
-              <a:rPr lang="ru-UA" sz="1800" dirty="0" err="1">
-                <a:effectLst/>
-                <a:latin typeface="Times New Roman" panose="02020603050405020304" pitchFamily="18" charset="0"/>
-                <a:ea typeface="Times New Roman" panose="02020603050405020304" pitchFamily="18" charset="0"/>
-              </a:rPr>
-              <a:t>інформаційних</a:t>
-            </a:r>
-            <a:r>
-              <a:rPr lang="ru-UA" sz="1800" dirty="0">
-                <a:effectLst/>
-                <a:latin typeface="Times New Roman" panose="02020603050405020304" pitchFamily="18" charset="0"/>
-                <a:ea typeface="Times New Roman" panose="02020603050405020304" pitchFamily="18" charset="0"/>
-              </a:rPr>
-              <a:t> потреб </a:t>
-            </a:r>
-            <a:r>
-              <a:rPr lang="ru-UA" sz="1800" dirty="0" err="1">
-                <a:effectLst/>
-                <a:latin typeface="Times New Roman" panose="02020603050405020304" pitchFamily="18" charset="0"/>
-                <a:ea typeface="Times New Roman" panose="02020603050405020304" pitchFamily="18" charset="0"/>
-              </a:rPr>
-              <a:t>предметної</a:t>
-            </a:r>
-            <a:r>
-              <a:rPr lang="ru-UA" sz="1800" dirty="0">
-                <a:effectLst/>
-                <a:latin typeface="Times New Roman" panose="02020603050405020304" pitchFamily="18" charset="0"/>
-                <a:ea typeface="Times New Roman" panose="02020603050405020304" pitchFamily="18" charset="0"/>
-              </a:rPr>
-              <a:t> </a:t>
-            </a:r>
-            <a:r>
-              <a:rPr lang="ru-UA" sz="1800" dirty="0" err="1">
-                <a:effectLst/>
-                <a:latin typeface="Times New Roman" panose="02020603050405020304" pitchFamily="18" charset="0"/>
-                <a:ea typeface="Times New Roman" panose="02020603050405020304" pitchFamily="18" charset="0"/>
-              </a:rPr>
-              <a:t>області</a:t>
-            </a:r>
-            <a:r>
-              <a:rPr lang="ru-UA" sz="1800" dirty="0">
-                <a:effectLst/>
-                <a:latin typeface="Times New Roman" panose="02020603050405020304" pitchFamily="18" charset="0"/>
-                <a:ea typeface="Times New Roman" panose="02020603050405020304" pitchFamily="18" charset="0"/>
-              </a:rPr>
-              <a:t> прокату </a:t>
-            </a:r>
-            <a:r>
-              <a:rPr lang="ru-UA" sz="1800" dirty="0" err="1">
-                <a:effectLst/>
-                <a:latin typeface="Times New Roman" panose="02020603050405020304" pitchFamily="18" charset="0"/>
-                <a:ea typeface="Times New Roman" panose="02020603050405020304" pitchFamily="18" charset="0"/>
-              </a:rPr>
-              <a:t>автомобілів</a:t>
-            </a:r>
-            <a:r>
-              <a:rPr lang="ru-UA" sz="1800" dirty="0">
-                <a:effectLst/>
-                <a:latin typeface="Times New Roman" panose="02020603050405020304" pitchFamily="18" charset="0"/>
-                <a:ea typeface="Times New Roman" panose="02020603050405020304" pitchFamily="18" charset="0"/>
-              </a:rPr>
-              <a:t>.</a:t>
-            </a:r>
-            <a:r>
-              <a:rPr lang="uk-UA" b="0" i="0" dirty="0">
-                <a:effectLst/>
-                <a:latin typeface="Franklin Gothic Book" panose="020B0503020102020204" pitchFamily="34" charset="0"/>
-              </a:rPr>
-              <a:t>.</a:t>
-            </a:r>
-            <a:endParaRPr lang="uk-UA" dirty="0">
-              <a:latin typeface="Franklin Gothic Book" panose="020B0503020102020204" pitchFamily="34" charset="0"/>
             </a:endParaRPr>
           </a:p>
         </p:txBody>
@@ -7968,230 +5510,6 @@
           <a:p>
             <a:pPr algn="ctr"/>
             <a:endParaRPr lang="uk-UA" dirty="0"/>
-          </a:p>
-        </p:txBody>
-      </p:sp>
-      <p:sp>
-        <p:nvSpPr>
-          <p:cNvPr id="27" name="Стрілка: шеврон 26">
-            <a:extLst>
-              <a:ext uri="{FF2B5EF4-FFF2-40B4-BE49-F238E27FC236}">
-                <a16:creationId xmlns:a16="http://schemas.microsoft.com/office/drawing/2014/main" id="{D92DDC05-007D-D2E3-3C62-D1176F792625}"/>
-              </a:ext>
-            </a:extLst>
-          </p:cNvPr>
-          <p:cNvSpPr/>
-          <p:nvPr/>
-        </p:nvSpPr>
-        <p:spPr>
-          <a:xfrm>
-            <a:off x="2503022" y="1399597"/>
-            <a:ext cx="301137" cy="368243"/>
-          </a:xfrm>
-          <a:prstGeom prst="chevron">
-            <a:avLst/>
-          </a:prstGeom>
-          <a:solidFill>
-            <a:srgbClr val="274537"/>
-          </a:solidFill>
-          <a:ln>
-            <a:noFill/>
-          </a:ln>
-        </p:spPr>
-        <p:style>
-          <a:lnRef idx="2">
-            <a:schemeClr val="accent1">
-              <a:shade val="15000"/>
-            </a:schemeClr>
-          </a:lnRef>
-          <a:fillRef idx="1">
-            <a:schemeClr val="accent1"/>
-          </a:fillRef>
-          <a:effectRef idx="0">
-            <a:schemeClr val="accent1"/>
-          </a:effectRef>
-          <a:fontRef idx="minor">
-            <a:schemeClr val="lt1"/>
-          </a:fontRef>
-        </p:style>
-        <p:txBody>
-          <a:bodyPr rtlCol="0" anchor="ctr"/>
-          <a:lstStyle/>
-          <a:p>
-            <a:pPr algn="ctr"/>
-            <a:endParaRPr lang="uk-UA">
-              <a:solidFill>
-                <a:schemeClr val="tx1"/>
-              </a:solidFill>
-            </a:endParaRPr>
-          </a:p>
-        </p:txBody>
-      </p:sp>
-      <p:sp>
-        <p:nvSpPr>
-          <p:cNvPr id="31" name="Стрілка: шеврон 30">
-            <a:extLst>
-              <a:ext uri="{FF2B5EF4-FFF2-40B4-BE49-F238E27FC236}">
-                <a16:creationId xmlns:a16="http://schemas.microsoft.com/office/drawing/2014/main" id="{352B8FC8-AB78-9253-C0F3-D245C91356B1}"/>
-              </a:ext>
-            </a:extLst>
-          </p:cNvPr>
-          <p:cNvSpPr/>
-          <p:nvPr/>
-        </p:nvSpPr>
-        <p:spPr>
-          <a:xfrm>
-            <a:off x="921619" y="2652858"/>
-            <a:ext cx="301137" cy="368243"/>
-          </a:xfrm>
-          <a:prstGeom prst="chevron">
-            <a:avLst/>
-          </a:prstGeom>
-          <a:solidFill>
-            <a:srgbClr val="274537"/>
-          </a:solidFill>
-          <a:ln>
-            <a:noFill/>
-          </a:ln>
-        </p:spPr>
-        <p:style>
-          <a:lnRef idx="2">
-            <a:schemeClr val="accent1">
-              <a:shade val="15000"/>
-            </a:schemeClr>
-          </a:lnRef>
-          <a:fillRef idx="1">
-            <a:schemeClr val="accent1"/>
-          </a:fillRef>
-          <a:effectRef idx="0">
-            <a:schemeClr val="accent1"/>
-          </a:effectRef>
-          <a:fontRef idx="minor">
-            <a:schemeClr val="lt1"/>
-          </a:fontRef>
-        </p:style>
-        <p:txBody>
-          <a:bodyPr rtlCol="0" anchor="ctr"/>
-          <a:lstStyle/>
-          <a:p>
-            <a:pPr algn="ctr"/>
-            <a:endParaRPr lang="uk-UA">
-              <a:solidFill>
-                <a:schemeClr val="tx1"/>
-              </a:solidFill>
-            </a:endParaRPr>
-          </a:p>
-        </p:txBody>
-      </p:sp>
-      <p:sp>
-        <p:nvSpPr>
-          <p:cNvPr id="32" name="Стрілка: шеврон 31">
-            <a:extLst>
-              <a:ext uri="{FF2B5EF4-FFF2-40B4-BE49-F238E27FC236}">
-                <a16:creationId xmlns:a16="http://schemas.microsoft.com/office/drawing/2014/main" id="{3306F040-5CEB-FA44-4A73-7B7F1509F964}"/>
-              </a:ext>
-            </a:extLst>
-          </p:cNvPr>
-          <p:cNvSpPr/>
-          <p:nvPr/>
-        </p:nvSpPr>
-        <p:spPr>
-          <a:xfrm>
-            <a:off x="2639211" y="3856126"/>
-            <a:ext cx="301137" cy="368243"/>
-          </a:xfrm>
-          <a:prstGeom prst="chevron">
-            <a:avLst/>
-          </a:prstGeom>
-          <a:solidFill>
-            <a:srgbClr val="274537"/>
-          </a:solidFill>
-          <a:ln>
-            <a:noFill/>
-          </a:ln>
-        </p:spPr>
-        <p:style>
-          <a:lnRef idx="2">
-            <a:schemeClr val="accent1">
-              <a:shade val="15000"/>
-            </a:schemeClr>
-          </a:lnRef>
-          <a:fillRef idx="1">
-            <a:schemeClr val="accent1"/>
-          </a:fillRef>
-          <a:effectRef idx="0">
-            <a:schemeClr val="accent1"/>
-          </a:effectRef>
-          <a:fontRef idx="minor">
-            <a:schemeClr val="lt1"/>
-          </a:fontRef>
-        </p:style>
-        <p:txBody>
-          <a:bodyPr rtlCol="0" anchor="ctr"/>
-          <a:lstStyle/>
-          <a:p>
-            <a:pPr algn="ctr"/>
-            <a:endParaRPr lang="uk-UA">
-              <a:solidFill>
-                <a:schemeClr val="tx1"/>
-              </a:solidFill>
-            </a:endParaRPr>
-          </a:p>
-        </p:txBody>
-      </p:sp>
-      <p:sp>
-        <p:nvSpPr>
-          <p:cNvPr id="33" name="Стрілка: шеврон 32">
-            <a:extLst>
-              <a:ext uri="{FF2B5EF4-FFF2-40B4-BE49-F238E27FC236}">
-                <a16:creationId xmlns:a16="http://schemas.microsoft.com/office/drawing/2014/main" id="{FF604799-28BC-B1DC-3F61-B0E29A344C58}"/>
-              </a:ext>
-            </a:extLst>
-          </p:cNvPr>
-          <p:cNvSpPr/>
-          <p:nvPr/>
-        </p:nvSpPr>
-        <p:spPr>
-          <a:xfrm>
-            <a:off x="2940348" y="5004221"/>
-            <a:ext cx="301137" cy="368243"/>
-          </a:xfrm>
-          <a:prstGeom prst="chevron">
-            <a:avLst/>
-          </a:prstGeom>
-          <a:solidFill>
-            <a:srgbClr val="274537"/>
-          </a:solidFill>
-          <a:ln>
-            <a:noFill/>
-          </a:ln>
-        </p:spPr>
-        <p:style>
-          <a:lnRef idx="2">
-            <a:schemeClr val="accent1">
-              <a:shade val="15000"/>
-            </a:schemeClr>
-          </a:lnRef>
-          <a:fillRef idx="1">
-            <a:schemeClr val="accent1"/>
-          </a:fillRef>
-          <a:effectRef idx="0">
-            <a:schemeClr val="accent1"/>
-          </a:effectRef>
-          <a:fontRef idx="minor">
-            <a:schemeClr val="lt1"/>
-          </a:fontRef>
-        </p:style>
-        <p:txBody>
-          <a:bodyPr rtlCol="0" anchor="ctr"/>
-          <a:lstStyle/>
-          <a:p>
-            <a:pPr algn="ctr"/>
-            <a:endParaRPr lang="uk-UA">
-              <a:solidFill>
-                <a:schemeClr val="tx1"/>
-              </a:solidFill>
-            </a:endParaRPr>
           </a:p>
         </p:txBody>
       </p:sp>
@@ -9603,7 +6921,7 @@
     <p:bg>
       <p:bgPr>
         <a:solidFill>
-          <a:srgbClr val="D3E5DD"/>
+          <a:srgbClr val="0D372F"/>
         </a:solidFill>
         <a:effectLst/>
       </p:bgPr>
@@ -9624,10 +6942,10 @@
       </p:grpSpPr>
       <p:sp>
         <p:nvSpPr>
-          <p:cNvPr id="18" name="Стрілка: шеврон 17">
-            <a:extLst>
-              <a:ext uri="{FF2B5EF4-FFF2-40B4-BE49-F238E27FC236}">
-                <a16:creationId xmlns:a16="http://schemas.microsoft.com/office/drawing/2014/main" id="{E87888DD-D2CA-FB29-1110-46FCD2A9D6F7}"/>
+          <p:cNvPr id="17" name="Прямокутник 16">
+            <a:extLst>
+              <a:ext uri="{FF2B5EF4-FFF2-40B4-BE49-F238E27FC236}">
+                <a16:creationId xmlns:a16="http://schemas.microsoft.com/office/drawing/2014/main" id="{7910A09C-45E4-D393-CBD3-000D646CD2B2}"/>
               </a:ext>
             </a:extLst>
           </p:cNvPr>
@@ -9635,16 +6953,16 @@
           <p:nvPr/>
         </p:nvSpPr>
         <p:spPr>
-          <a:xfrm rot="1835391">
-            <a:off x="18738083" y="12032356"/>
-            <a:ext cx="2251635" cy="2417265"/>
+          <a:xfrm>
+            <a:off x="-5339719" y="0"/>
+            <a:ext cx="3694386" cy="6858571"/>
           </a:xfrm>
-          <a:prstGeom prst="chevron">
+          <a:prstGeom prst="rect">
             <a:avLst/>
           </a:prstGeom>
           <a:solidFill>
             <a:srgbClr val="87BBA4">
-              <a:alpha val="62000"/>
+              <a:alpha val="23000"/>
             </a:srgbClr>
           </a:solidFill>
           <a:ln>
@@ -9672,20 +6990,16 @@
           <a:lstStyle/>
           <a:p>
             <a:pPr algn="ctr"/>
-            <a:endParaRPr lang="uk-UA">
-              <a:solidFill>
-                <a:schemeClr val="tx1"/>
-              </a:solidFill>
-            </a:endParaRPr>
-          </a:p>
-        </p:txBody>
-      </p:sp>
-      <p:sp>
-        <p:nvSpPr>
-          <p:cNvPr id="19" name="Стрілка: шеврон 18">
-            <a:extLst>
-              <a:ext uri="{FF2B5EF4-FFF2-40B4-BE49-F238E27FC236}">
-                <a16:creationId xmlns:a16="http://schemas.microsoft.com/office/drawing/2014/main" id="{86955E44-85A6-1BBF-F71E-1BF1A1169351}"/>
+            <a:endParaRPr lang="uk-UA"/>
+          </a:p>
+        </p:txBody>
+      </p:sp>
+      <p:sp>
+        <p:nvSpPr>
+          <p:cNvPr id="16" name="Прямокутник 15">
+            <a:extLst>
+              <a:ext uri="{FF2B5EF4-FFF2-40B4-BE49-F238E27FC236}">
+                <a16:creationId xmlns:a16="http://schemas.microsoft.com/office/drawing/2014/main" id="{36B8B1EB-DFE8-94DC-9E67-66DD8BD3B102}"/>
               </a:ext>
             </a:extLst>
           </p:cNvPr>
@@ -9693,16 +7007,16 @@
           <p:nvPr/>
         </p:nvSpPr>
         <p:spPr>
-          <a:xfrm rot="1835391">
-            <a:off x="20888280" y="13216018"/>
-            <a:ext cx="2251635" cy="2417265"/>
+          <a:xfrm>
+            <a:off x="-1" y="-5028407"/>
+            <a:ext cx="12192000" cy="4082373"/>
           </a:xfrm>
-          <a:prstGeom prst="chevron">
+          <a:prstGeom prst="rect">
             <a:avLst/>
           </a:prstGeom>
           <a:solidFill>
-            <a:srgbClr val="87BBA4">
-              <a:alpha val="62000"/>
+            <a:srgbClr val="4DB36A">
+              <a:alpha val="23000"/>
             </a:srgbClr>
           </a:solidFill>
           <a:ln>
@@ -9730,252 +7044,97 @@
           <a:lstStyle/>
           <a:p>
             <a:pPr algn="ctr"/>
-            <a:endParaRPr lang="uk-UA">
-              <a:solidFill>
-                <a:schemeClr val="tx1"/>
-              </a:solidFill>
-            </a:endParaRPr>
-          </a:p>
-        </p:txBody>
-      </p:sp>
-      <p:sp>
-        <p:nvSpPr>
-          <p:cNvPr id="20" name="Стрілка: шеврон 19">
-            <a:extLst>
-              <a:ext uri="{FF2B5EF4-FFF2-40B4-BE49-F238E27FC236}">
-                <a16:creationId xmlns:a16="http://schemas.microsoft.com/office/drawing/2014/main" id="{C5C4A6A3-1CD5-D1C2-25EA-28B4E9A58DAA}"/>
-              </a:ext>
-            </a:extLst>
-          </p:cNvPr>
-          <p:cNvSpPr/>
+            <a:endParaRPr lang="uk-UA"/>
+          </a:p>
+        </p:txBody>
+      </p:sp>
+      <p:sp>
+        <p:nvSpPr>
+          <p:cNvPr id="2" name="TextBox 1">
+            <a:extLst>
+              <a:ext uri="{FF2B5EF4-FFF2-40B4-BE49-F238E27FC236}">
+                <a16:creationId xmlns:a16="http://schemas.microsoft.com/office/drawing/2014/main" id="{5B21BFBE-0A24-5AE9-864F-428B12BA445A}"/>
+              </a:ext>
+            </a:extLst>
+          </p:cNvPr>
+          <p:cNvSpPr txBox="1"/>
           <p:nvPr/>
         </p:nvSpPr>
         <p:spPr>
-          <a:xfrm rot="1835391">
-            <a:off x="22966702" y="14578474"/>
-            <a:ext cx="2251635" cy="2417265"/>
+          <a:xfrm>
+            <a:off x="4918433" y="281593"/>
+            <a:ext cx="2355132" cy="769441"/>
           </a:xfrm>
-          <a:prstGeom prst="chevron">
+          <a:prstGeom prst="rect">
             <a:avLst/>
           </a:prstGeom>
-          <a:solidFill>
-            <a:srgbClr val="87BBA4">
-              <a:alpha val="62000"/>
-            </a:srgbClr>
-          </a:solidFill>
-          <a:ln>
-            <a:noFill/>
+          <a:noFill/>
+        </p:spPr>
+        <p:txBody>
+          <a:bodyPr wrap="none" rtlCol="0">
+            <a:spAutoFit/>
+          </a:bodyPr>
+          <a:lstStyle/>
+          <a:p>
+            <a:r>
+              <a:rPr lang="uk-UA" sz="4400" dirty="0">
+                <a:solidFill>
+                  <a:srgbClr val="D3E5DD"/>
+                </a:solidFill>
+                <a:latin typeface="Franklin Gothic Demi Cond" panose="020B0706030402020204" pitchFamily="34" charset="0"/>
+              </a:rPr>
+              <a:t>Висновок</a:t>
+            </a:r>
+          </a:p>
+        </p:txBody>
+      </p:sp>
+      <p:cxnSp>
+        <p:nvCxnSpPr>
+          <p:cNvPr id="4" name="Пряма сполучна лінія 3">
+            <a:extLst>
+              <a:ext uri="{FF2B5EF4-FFF2-40B4-BE49-F238E27FC236}">
+                <a16:creationId xmlns:a16="http://schemas.microsoft.com/office/drawing/2014/main" id="{8DE5162B-CB86-D565-F3D0-FB5405CA3141}"/>
+              </a:ext>
+            </a:extLst>
+          </p:cNvPr>
+          <p:cNvCxnSpPr/>
+          <p:nvPr/>
+        </p:nvCxnSpPr>
+        <p:spPr>
+          <a:xfrm>
+            <a:off x="4514192" y="1051034"/>
+            <a:ext cx="3163614" cy="0"/>
+          </a:xfrm>
+          <a:prstGeom prst="line">
+            <a:avLst/>
+          </a:prstGeom>
+          <a:ln w="114300">
+            <a:solidFill>
+              <a:srgbClr val="D3E5DD"/>
+            </a:solidFill>
           </a:ln>
         </p:spPr>
         <p:style>
-          <a:lnRef idx="2">
-            <a:schemeClr val="accent1">
-              <a:shade val="15000"/>
-            </a:schemeClr>
+          <a:lnRef idx="1">
+            <a:schemeClr val="accent1"/>
           </a:lnRef>
-          <a:fillRef idx="1">
+          <a:fillRef idx="0">
             <a:schemeClr val="accent1"/>
           </a:fillRef>
           <a:effectRef idx="0">
             <a:schemeClr val="accent1"/>
           </a:effectRef>
           <a:fontRef idx="minor">
-            <a:schemeClr val="lt1"/>
+            <a:schemeClr val="tx1"/>
           </a:fontRef>
         </p:style>
-        <p:txBody>
-          <a:bodyPr rtlCol="0" anchor="ctr"/>
-          <a:lstStyle/>
-          <a:p>
-            <a:pPr algn="ctr"/>
-            <a:endParaRPr lang="uk-UA">
-              <a:solidFill>
-                <a:schemeClr val="tx1"/>
-              </a:solidFill>
-            </a:endParaRPr>
-          </a:p>
-        </p:txBody>
-      </p:sp>
-      <p:sp>
-        <p:nvSpPr>
-          <p:cNvPr id="21" name="Стрілка: шеврон 20">
-            <a:extLst>
-              <a:ext uri="{FF2B5EF4-FFF2-40B4-BE49-F238E27FC236}">
-                <a16:creationId xmlns:a16="http://schemas.microsoft.com/office/drawing/2014/main" id="{9B46C6F1-BCF7-333F-F0DC-55521C6A2A90}"/>
-              </a:ext>
-            </a:extLst>
-          </p:cNvPr>
-          <p:cNvSpPr/>
-          <p:nvPr/>
-        </p:nvSpPr>
-        <p:spPr>
-          <a:xfrm rot="1835391">
-            <a:off x="25045124" y="15806602"/>
-            <a:ext cx="2251635" cy="2417265"/>
-          </a:xfrm>
-          <a:prstGeom prst="chevron">
-            <a:avLst/>
-          </a:prstGeom>
-          <a:solidFill>
-            <a:srgbClr val="87BBA4">
-              <a:alpha val="62000"/>
-            </a:srgbClr>
-          </a:solidFill>
-          <a:ln>
-            <a:noFill/>
-          </a:ln>
-        </p:spPr>
-        <p:style>
-          <a:lnRef idx="2">
-            <a:schemeClr val="accent1">
-              <a:shade val="15000"/>
-            </a:schemeClr>
-          </a:lnRef>
-          <a:fillRef idx="1">
-            <a:schemeClr val="accent1"/>
-          </a:fillRef>
-          <a:effectRef idx="0">
-            <a:schemeClr val="accent1"/>
-          </a:effectRef>
-          <a:fontRef idx="minor">
-            <a:schemeClr val="lt1"/>
-          </a:fontRef>
-        </p:style>
-        <p:txBody>
-          <a:bodyPr rtlCol="0" anchor="ctr"/>
-          <a:lstStyle/>
-          <a:p>
-            <a:pPr algn="ctr"/>
-            <a:endParaRPr lang="uk-UA">
-              <a:solidFill>
-                <a:schemeClr val="tx1"/>
-              </a:solidFill>
-            </a:endParaRPr>
-          </a:p>
-        </p:txBody>
-      </p:sp>
-      <p:sp>
-        <p:nvSpPr>
-          <p:cNvPr id="22" name="Стрілка: шеврон 21">
-            <a:extLst>
-              <a:ext uri="{FF2B5EF4-FFF2-40B4-BE49-F238E27FC236}">
-                <a16:creationId xmlns:a16="http://schemas.microsoft.com/office/drawing/2014/main" id="{EFCA58C6-FFD8-76C9-0408-187255DF3463}"/>
-              </a:ext>
-            </a:extLst>
-          </p:cNvPr>
-          <p:cNvSpPr/>
-          <p:nvPr/>
-        </p:nvSpPr>
-        <p:spPr>
-          <a:xfrm rot="1835391">
-            <a:off x="16784740" y="10769700"/>
-            <a:ext cx="2251635" cy="2417265"/>
-          </a:xfrm>
-          <a:prstGeom prst="chevron">
-            <a:avLst/>
-          </a:prstGeom>
-          <a:solidFill>
-            <a:srgbClr val="87BBA4">
-              <a:alpha val="62000"/>
-            </a:srgbClr>
-          </a:solidFill>
-          <a:ln>
-            <a:noFill/>
-          </a:ln>
-        </p:spPr>
-        <p:style>
-          <a:lnRef idx="2">
-            <a:schemeClr val="accent1">
-              <a:shade val="15000"/>
-            </a:schemeClr>
-          </a:lnRef>
-          <a:fillRef idx="1">
-            <a:schemeClr val="accent1"/>
-          </a:fillRef>
-          <a:effectRef idx="0">
-            <a:schemeClr val="accent1"/>
-          </a:effectRef>
-          <a:fontRef idx="minor">
-            <a:schemeClr val="lt1"/>
-          </a:fontRef>
-        </p:style>
-        <p:txBody>
-          <a:bodyPr rtlCol="0" anchor="ctr"/>
-          <a:lstStyle/>
-          <a:p>
-            <a:pPr algn="ctr"/>
-            <a:endParaRPr lang="uk-UA">
-              <a:solidFill>
-                <a:schemeClr val="tx1"/>
-              </a:solidFill>
-            </a:endParaRPr>
-          </a:p>
-        </p:txBody>
-      </p:sp>
-      <p:sp>
-        <p:nvSpPr>
-          <p:cNvPr id="23" name="Стрілка: шеврон 22">
-            <a:extLst>
-              <a:ext uri="{FF2B5EF4-FFF2-40B4-BE49-F238E27FC236}">
-                <a16:creationId xmlns:a16="http://schemas.microsoft.com/office/drawing/2014/main" id="{DC815EF0-D9D1-D2CA-2693-767DC8C86E96}"/>
-              </a:ext>
-            </a:extLst>
-          </p:cNvPr>
-          <p:cNvSpPr/>
-          <p:nvPr/>
-        </p:nvSpPr>
-        <p:spPr>
-          <a:xfrm rot="1835391">
-            <a:off x="26997850" y="16791050"/>
-            <a:ext cx="2251635" cy="2417265"/>
-          </a:xfrm>
-          <a:prstGeom prst="chevron">
-            <a:avLst/>
-          </a:prstGeom>
-          <a:solidFill>
-            <a:srgbClr val="87BBA4">
-              <a:alpha val="62000"/>
-            </a:srgbClr>
-          </a:solidFill>
-          <a:ln>
-            <a:noFill/>
-          </a:ln>
-        </p:spPr>
-        <p:style>
-          <a:lnRef idx="2">
-            <a:schemeClr val="accent1">
-              <a:shade val="15000"/>
-            </a:schemeClr>
-          </a:lnRef>
-          <a:fillRef idx="1">
-            <a:schemeClr val="accent1"/>
-          </a:fillRef>
-          <a:effectRef idx="0">
-            <a:schemeClr val="accent1"/>
-          </a:effectRef>
-          <a:fontRef idx="minor">
-            <a:schemeClr val="lt1"/>
-          </a:fontRef>
-        </p:style>
-        <p:txBody>
-          <a:bodyPr rtlCol="0" anchor="ctr"/>
-          <a:lstStyle/>
-          <a:p>
-            <a:pPr algn="ctr"/>
-            <a:endParaRPr lang="uk-UA">
-              <a:solidFill>
-                <a:schemeClr val="tx1"/>
-              </a:solidFill>
-            </a:endParaRPr>
-          </a:p>
-        </p:txBody>
-      </p:sp>
-      <p:sp>
-        <p:nvSpPr>
-          <p:cNvPr id="5" name="TextBox 4">
-            <a:extLst>
-              <a:ext uri="{FF2B5EF4-FFF2-40B4-BE49-F238E27FC236}">
-                <a16:creationId xmlns:a16="http://schemas.microsoft.com/office/drawing/2014/main" id="{69D826C9-FFEF-FD15-6D9B-A8E16BDE8D04}"/>
+      </p:cxnSp>
+      <p:sp>
+        <p:nvSpPr>
+          <p:cNvPr id="7" name="TextBox 6">
+            <a:extLst>
+              <a:ext uri="{FF2B5EF4-FFF2-40B4-BE49-F238E27FC236}">
+                <a16:creationId xmlns:a16="http://schemas.microsoft.com/office/drawing/2014/main" id="{65781F6A-3903-49F0-BA32-CC72E698FAE3}"/>
               </a:ext>
             </a:extLst>
           </p:cNvPr>
@@ -9984,8 +7143,8 @@
         </p:nvSpPr>
         <p:spPr>
           <a:xfrm>
-            <a:off x="-181519" y="311034"/>
-            <a:ext cx="7510071" cy="523220"/>
+            <a:off x="606721" y="1468553"/>
+            <a:ext cx="8768280" cy="2246769"/>
           </a:xfrm>
           <a:prstGeom prst="rect">
             <a:avLst/>
@@ -9993,2589 +7152,530 @@
           <a:noFill/>
         </p:spPr>
         <p:txBody>
-          <a:bodyPr wrap="square" rtlCol="0">
-            <a:spAutoFit/>
-          </a:bodyPr>
-          <a:lstStyle/>
-          <a:p>
-            <a:pPr algn="r"/>
-            <a:r>
-              <a:rPr lang="uk-UA" sz="2800" dirty="0">
-                <a:solidFill>
-                  <a:srgbClr val="0D372F"/>
-                </a:solidFill>
-                <a:latin typeface="Franklin Gothic Demi Cond" panose="020B0706030402020204" pitchFamily="34" charset="0"/>
-              </a:rPr>
-              <a:t>Аналіз аналогічного програмного забезпечення</a:t>
-            </a:r>
-          </a:p>
-        </p:txBody>
-      </p:sp>
-      <p:pic>
-        <p:nvPicPr>
-          <p:cNvPr id="5126" name="Picture 6">
-            <a:extLst>
-              <a:ext uri="{FF2B5EF4-FFF2-40B4-BE49-F238E27FC236}">
-                <a16:creationId xmlns:a16="http://schemas.microsoft.com/office/drawing/2014/main" id="{6D22F977-41E6-035E-3F4B-22D963AD3578}"/>
-              </a:ext>
-            </a:extLst>
-          </p:cNvPr>
-          <p:cNvPicPr>
-            <a:picLocks noChangeAspect="1" noChangeArrowheads="1"/>
-          </p:cNvPicPr>
-          <p:nvPr/>
-        </p:nvPicPr>
-        <p:blipFill>
-          <a:blip r:embed="rId2">
-            <a:alphaModFix/>
-            <a:extLst>
-              <a:ext uri="{28A0092B-C50C-407E-A947-70E740481C1C}">
-                <a14:useLocalDpi xmlns:a14="http://schemas.microsoft.com/office/drawing/2010/main" val="0"/>
-              </a:ext>
-            </a:extLst>
-          </a:blip>
-          <a:srcRect/>
-          <a:stretch>
-            <a:fillRect/>
-          </a:stretch>
-        </p:blipFill>
-        <p:spPr bwMode="auto">
-          <a:xfrm>
-            <a:off x="-2718696" y="2497120"/>
-            <a:ext cx="9886950" cy="3571875"/>
-          </a:xfrm>
-          <a:prstGeom prst="rect">
-            <a:avLst/>
-          </a:prstGeom>
-          <a:noFill/>
-          <a:extLst>
-            <a:ext uri="{909E8E84-426E-40DD-AFC4-6F175D3DCCD1}">
-              <a14:hiddenFill xmlns:a14="http://schemas.microsoft.com/office/drawing/2010/main">
-                <a:solidFill>
-                  <a:srgbClr val="FFFFFF"/>
-                </a:solidFill>
-              </a14:hiddenFill>
-            </a:ext>
-          </a:extLst>
-        </p:spPr>
-      </p:pic>
-      <p:sp>
-        <p:nvSpPr>
-          <p:cNvPr id="8" name="Прямокутник 16">
-            <a:extLst>
-              <a:ext uri="{FF2B5EF4-FFF2-40B4-BE49-F238E27FC236}">
-                <a16:creationId xmlns:a16="http://schemas.microsoft.com/office/drawing/2014/main" id="{7D1140A1-382E-3369-0E30-C5F05B02677F}"/>
-              </a:ext>
-            </a:extLst>
-          </p:cNvPr>
-          <p:cNvSpPr/>
-          <p:nvPr/>
-        </p:nvSpPr>
-        <p:spPr>
-          <a:xfrm>
-            <a:off x="3573517" y="996714"/>
-            <a:ext cx="8618483" cy="245444"/>
-          </a:xfrm>
-          <a:custGeom>
-            <a:avLst/>
-            <a:gdLst>
-              <a:gd name="connsiteX0" fmla="*/ 0 w 5507421"/>
-              <a:gd name="connsiteY0" fmla="*/ 0 h 261317"/>
-              <a:gd name="connsiteX1" fmla="*/ 5507421 w 5507421"/>
-              <a:gd name="connsiteY1" fmla="*/ 0 h 261317"/>
-              <a:gd name="connsiteX2" fmla="*/ 5507421 w 5507421"/>
-              <a:gd name="connsiteY2" fmla="*/ 261317 h 261317"/>
-              <a:gd name="connsiteX3" fmla="*/ 0 w 5507421"/>
-              <a:gd name="connsiteY3" fmla="*/ 261317 h 261317"/>
-              <a:gd name="connsiteX4" fmla="*/ 0 w 5507421"/>
-              <a:gd name="connsiteY4" fmla="*/ 0 h 261317"/>
-              <a:gd name="connsiteX0" fmla="*/ 0 w 5507421"/>
-              <a:gd name="connsiteY0" fmla="*/ 0 h 271827"/>
-              <a:gd name="connsiteX1" fmla="*/ 5507421 w 5507421"/>
-              <a:gd name="connsiteY1" fmla="*/ 0 h 271827"/>
-              <a:gd name="connsiteX2" fmla="*/ 5507421 w 5507421"/>
-              <a:gd name="connsiteY2" fmla="*/ 261317 h 271827"/>
-              <a:gd name="connsiteX3" fmla="*/ 252248 w 5507421"/>
-              <a:gd name="connsiteY3" fmla="*/ 271827 h 271827"/>
-              <a:gd name="connsiteX4" fmla="*/ 0 w 5507421"/>
-              <a:gd name="connsiteY4" fmla="*/ 0 h 271827"/>
-            </a:gdLst>
-            <a:ahLst/>
-            <a:cxnLst>
-              <a:cxn ang="0">
-                <a:pos x="connsiteX0" y="connsiteY0"/>
-              </a:cxn>
-              <a:cxn ang="0">
-                <a:pos x="connsiteX1" y="connsiteY1"/>
-              </a:cxn>
-              <a:cxn ang="0">
-                <a:pos x="connsiteX2" y="connsiteY2"/>
-              </a:cxn>
-              <a:cxn ang="0">
-                <a:pos x="connsiteX3" y="connsiteY3"/>
-              </a:cxn>
-              <a:cxn ang="0">
-                <a:pos x="connsiteX4" y="connsiteY4"/>
-              </a:cxn>
-            </a:cxnLst>
-            <a:rect l="l" t="t" r="r" b="b"/>
-            <a:pathLst>
-              <a:path w="5507421" h="271827">
-                <a:moveTo>
-                  <a:pt x="0" y="0"/>
-                </a:moveTo>
-                <a:lnTo>
-                  <a:pt x="5507421" y="0"/>
-                </a:lnTo>
-                <a:lnTo>
-                  <a:pt x="5507421" y="261317"/>
-                </a:lnTo>
-                <a:lnTo>
-                  <a:pt x="252248" y="271827"/>
-                </a:lnTo>
-                <a:lnTo>
-                  <a:pt x="0" y="0"/>
-                </a:lnTo>
-                <a:close/>
-              </a:path>
-            </a:pathLst>
-          </a:custGeom>
-          <a:solidFill>
-            <a:srgbClr val="0D372F"/>
-          </a:solidFill>
-          <a:ln>
-            <a:noFill/>
-          </a:ln>
-        </p:spPr>
-        <p:style>
-          <a:lnRef idx="2">
-            <a:schemeClr val="accent1">
-              <a:shade val="15000"/>
-            </a:schemeClr>
-          </a:lnRef>
-          <a:fillRef idx="1">
-            <a:schemeClr val="accent1"/>
-          </a:fillRef>
-          <a:effectRef idx="0">
-            <a:schemeClr val="accent1"/>
-          </a:effectRef>
-          <a:fontRef idx="minor">
-            <a:schemeClr val="lt1"/>
-          </a:fontRef>
-        </p:style>
-        <p:txBody>
-          <a:bodyPr rtlCol="0" anchor="ctr"/>
-          <a:lstStyle/>
-          <a:p>
-            <a:pPr algn="ctr"/>
-            <a:endParaRPr lang="uk-UA" dirty="0"/>
-          </a:p>
-        </p:txBody>
-      </p:sp>
-      <p:grpSp>
-        <p:nvGrpSpPr>
-          <p:cNvPr id="16" name="Групувати 15">
-            <a:extLst>
-              <a:ext uri="{FF2B5EF4-FFF2-40B4-BE49-F238E27FC236}">
-                <a16:creationId xmlns:a16="http://schemas.microsoft.com/office/drawing/2014/main" id="{FB7633FE-7E8B-7E74-E30D-5C73077D10B9}"/>
-              </a:ext>
-            </a:extLst>
-          </p:cNvPr>
-          <p:cNvGrpSpPr/>
-          <p:nvPr/>
-        </p:nvGrpSpPr>
-        <p:grpSpPr>
-          <a:xfrm>
-            <a:off x="5184184" y="1562949"/>
-            <a:ext cx="6773696" cy="4549631"/>
-            <a:chOff x="-25654" y="1700698"/>
-            <a:chExt cx="6773696" cy="4549631"/>
-          </a:xfrm>
-        </p:grpSpPr>
-        <p:sp>
-          <p:nvSpPr>
-            <p:cNvPr id="2" name="Прямокутник 1">
-              <a:extLst>
-                <a:ext uri="{FF2B5EF4-FFF2-40B4-BE49-F238E27FC236}">
-                  <a16:creationId xmlns:a16="http://schemas.microsoft.com/office/drawing/2014/main" id="{BD09AEC8-AA34-37EA-2CF2-0CD13AABF9E1}"/>
-                </a:ext>
-              </a:extLst>
-            </p:cNvPr>
-            <p:cNvSpPr/>
-            <p:nvPr/>
-          </p:nvSpPr>
-          <p:spPr>
-            <a:xfrm>
-              <a:off x="-25654" y="1700698"/>
-              <a:ext cx="6773696" cy="4549631"/>
-            </a:xfrm>
-            <a:prstGeom prst="rect">
-              <a:avLst/>
-            </a:prstGeom>
-            <a:solidFill>
-              <a:srgbClr val="0D372F"/>
-            </a:solidFill>
-            <a:ln>
-              <a:noFill/>
-            </a:ln>
-          </p:spPr>
-          <p:style>
-            <a:lnRef idx="2">
-              <a:schemeClr val="accent1">
-                <a:shade val="15000"/>
-              </a:schemeClr>
-            </a:lnRef>
-            <a:fillRef idx="1">
-              <a:schemeClr val="accent1"/>
-            </a:fillRef>
-            <a:effectRef idx="0">
-              <a:schemeClr val="accent1"/>
-            </a:effectRef>
-            <a:fontRef idx="minor">
-              <a:schemeClr val="lt1"/>
-            </a:fontRef>
-          </p:style>
-          <p:txBody>
-            <a:bodyPr rtlCol="0" anchor="ctr"/>
-            <a:lstStyle/>
-            <a:p>
-              <a:pPr algn="ctr"/>
-              <a:endParaRPr lang="uk-UA" dirty="0">
-                <a:solidFill>
-                  <a:srgbClr val="0D372F"/>
-                </a:solidFill>
-              </a:endParaRPr>
-            </a:p>
-          </p:txBody>
-        </p:sp>
-        <p:pic>
-          <p:nvPicPr>
-            <p:cNvPr id="6" name="Рисунок 5">
-              <a:extLst>
-                <a:ext uri="{FF2B5EF4-FFF2-40B4-BE49-F238E27FC236}">
-                  <a16:creationId xmlns:a16="http://schemas.microsoft.com/office/drawing/2014/main" id="{BE931381-82F1-00AE-161C-0D1E1DD31371}"/>
-                </a:ext>
-              </a:extLst>
-            </p:cNvPr>
-            <p:cNvPicPr>
-              <a:picLocks noChangeAspect="1"/>
-            </p:cNvPicPr>
-            <p:nvPr/>
-          </p:nvPicPr>
-          <p:blipFill rotWithShape="1">
-            <a:blip r:embed="rId3"/>
-            <a:srcRect b="10735"/>
-            <a:stretch/>
-          </p:blipFill>
-          <p:spPr>
-            <a:xfrm>
-              <a:off x="182527" y="1901113"/>
-              <a:ext cx="6322238" cy="4175679"/>
-            </a:xfrm>
-            <a:prstGeom prst="rect">
-              <a:avLst/>
-            </a:prstGeom>
-          </p:spPr>
-        </p:pic>
-      </p:grpSp>
-      <p:sp>
-        <p:nvSpPr>
-          <p:cNvPr id="12" name="TextBox 11">
-            <a:extLst>
-              <a:ext uri="{FF2B5EF4-FFF2-40B4-BE49-F238E27FC236}">
-                <a16:creationId xmlns:a16="http://schemas.microsoft.com/office/drawing/2014/main" id="{1C2BEFB4-FD84-8493-BEF2-F8CE03A246F5}"/>
-              </a:ext>
-            </a:extLst>
-          </p:cNvPr>
-          <p:cNvSpPr txBox="1"/>
-          <p:nvPr/>
-        </p:nvSpPr>
-        <p:spPr>
-          <a:xfrm>
-            <a:off x="8046973" y="6124602"/>
-            <a:ext cx="1387365" cy="400110"/>
-          </a:xfrm>
-          <a:prstGeom prst="rect">
-            <a:avLst/>
-          </a:prstGeom>
-          <a:noFill/>
-        </p:spPr>
-        <p:txBody>
           <a:bodyPr wrap="square">
             <a:spAutoFit/>
           </a:bodyPr>
           <a:lstStyle/>
           <a:p>
             <a:r>
-              <a:rPr lang="uk-UA" sz="2000" dirty="0"/>
-              <a:t>ua.sixt.ua</a:t>
-            </a:r>
-          </a:p>
-        </p:txBody>
-      </p:sp>
-      <p:sp>
-        <p:nvSpPr>
-          <p:cNvPr id="13" name="AutoShape 2" descr="Continuous line drawing of retro sport car driving fast Stock Vector by  ©OneLineStock 276961366">
-            <a:extLst>
-              <a:ext uri="{FF2B5EF4-FFF2-40B4-BE49-F238E27FC236}">
-                <a16:creationId xmlns:a16="http://schemas.microsoft.com/office/drawing/2014/main" id="{A3971AC3-D430-4BA9-E3C7-73FE56DC5956}"/>
-              </a:ext>
-            </a:extLst>
-          </p:cNvPr>
-          <p:cNvSpPr>
-            <a:spLocks noChangeAspect="1" noChangeArrowheads="1"/>
-          </p:cNvSpPr>
-          <p:nvPr/>
-        </p:nvSpPr>
-        <p:spPr bwMode="auto">
-          <a:xfrm>
-            <a:off x="5943599" y="3276599"/>
-            <a:ext cx="1122333" cy="1122333"/>
-          </a:xfrm>
-          <a:prstGeom prst="rect">
-            <a:avLst/>
-          </a:prstGeom>
-          <a:noFill/>
-          <a:extLst>
-            <a:ext uri="{909E8E84-426E-40DD-AFC4-6F175D3DCCD1}">
-              <a14:hiddenFill xmlns:a14="http://schemas.microsoft.com/office/drawing/2010/main">
+              <a:rPr lang="ru-RU" sz="2800" dirty="0">
                 <a:solidFill>
-                  <a:srgbClr val="FFFFFF"/>
+                  <a:srgbClr val="87BBA4"/>
                 </a:solidFill>
-              </a14:hiddenFill>
-            </a:ext>
-          </a:extLst>
-        </p:spPr>
-        <p:txBody>
-          <a:bodyPr vert="horz" wrap="square" lIns="91440" tIns="45720" rIns="91440" bIns="45720" numCol="1" anchor="t" anchorCtr="0" compatLnSpc="1">
-            <a:prstTxWarp prst="textNoShape">
-              <a:avLst/>
-            </a:prstTxWarp>
-          </a:bodyPr>
-          <a:lstStyle/>
-          <a:p>
-            <a:endParaRPr lang="uk-UA"/>
+                <a:effectLst/>
+                <a:latin typeface="Franklin Gothic Medium Cond" panose="020B0606030402020204" pitchFamily="34" charset="0"/>
+                <a:ea typeface="Calibri" panose="020F0502020204030204" pitchFamily="34" charset="0"/>
+              </a:rPr>
+              <a:t>В </a:t>
+            </a:r>
+            <a:r>
+              <a:rPr lang="ru-RU" sz="2800" dirty="0" err="1">
+                <a:solidFill>
+                  <a:srgbClr val="87BBA4"/>
+                </a:solidFill>
+                <a:effectLst/>
+                <a:latin typeface="Franklin Gothic Medium Cond" panose="020B0606030402020204" pitchFamily="34" charset="0"/>
+                <a:ea typeface="Calibri" panose="020F0502020204030204" pitchFamily="34" charset="0"/>
+              </a:rPr>
+              <a:t>процесі</a:t>
+            </a:r>
+            <a:r>
+              <a:rPr lang="ru-RU" sz="2800" dirty="0">
+                <a:solidFill>
+                  <a:srgbClr val="87BBA4"/>
+                </a:solidFill>
+                <a:effectLst/>
+                <a:latin typeface="Franklin Gothic Medium Cond" panose="020B0606030402020204" pitchFamily="34" charset="0"/>
+                <a:ea typeface="Calibri" panose="020F0502020204030204" pitchFamily="34" charset="0"/>
+              </a:rPr>
+              <a:t> </a:t>
+            </a:r>
+            <a:r>
+              <a:rPr lang="ru-RU" sz="2800" dirty="0" err="1">
+                <a:solidFill>
+                  <a:srgbClr val="87BBA4"/>
+                </a:solidFill>
+                <a:effectLst/>
+                <a:latin typeface="Franklin Gothic Medium Cond" panose="020B0606030402020204" pitchFamily="34" charset="0"/>
+                <a:ea typeface="Calibri" panose="020F0502020204030204" pitchFamily="34" charset="0"/>
+              </a:rPr>
+              <a:t>розробки</a:t>
+            </a:r>
+            <a:r>
+              <a:rPr lang="ru-RU" sz="2800" dirty="0">
+                <a:solidFill>
+                  <a:srgbClr val="87BBA4"/>
+                </a:solidFill>
+                <a:effectLst/>
+                <a:latin typeface="Franklin Gothic Medium Cond" panose="020B0606030402020204" pitchFamily="34" charset="0"/>
+                <a:ea typeface="Calibri" panose="020F0502020204030204" pitchFamily="34" charset="0"/>
+              </a:rPr>
+              <a:t> БД </a:t>
+            </a:r>
+            <a:r>
+              <a:rPr lang="ru-RU" sz="2800" dirty="0" err="1">
+                <a:solidFill>
+                  <a:srgbClr val="87BBA4"/>
+                </a:solidFill>
+                <a:effectLst/>
+                <a:latin typeface="Franklin Gothic Medium Cond" panose="020B0606030402020204" pitchFamily="34" charset="0"/>
+                <a:ea typeface="Calibri" panose="020F0502020204030204" pitchFamily="34" charset="0"/>
+              </a:rPr>
+              <a:t>було</a:t>
+            </a:r>
+            <a:r>
+              <a:rPr lang="ru-RU" sz="2800" dirty="0">
+                <a:solidFill>
+                  <a:srgbClr val="87BBA4"/>
+                </a:solidFill>
+                <a:effectLst/>
+                <a:latin typeface="Franklin Gothic Medium Cond" panose="020B0606030402020204" pitchFamily="34" charset="0"/>
+                <a:ea typeface="Calibri" panose="020F0502020204030204" pitchFamily="34" charset="0"/>
+              </a:rPr>
+              <a:t> </a:t>
+            </a:r>
+            <a:r>
+              <a:rPr lang="ru-RU" sz="2800" dirty="0" err="1">
+                <a:solidFill>
+                  <a:srgbClr val="87BBA4"/>
+                </a:solidFill>
+                <a:effectLst/>
+                <a:latin typeface="Franklin Gothic Medium Cond" panose="020B0606030402020204" pitchFamily="34" charset="0"/>
+                <a:ea typeface="Calibri" panose="020F0502020204030204" pitchFamily="34" charset="0"/>
+              </a:rPr>
+              <a:t>ретельно</a:t>
+            </a:r>
+            <a:r>
+              <a:rPr lang="ru-RU" sz="2800" dirty="0">
+                <a:solidFill>
+                  <a:srgbClr val="87BBA4"/>
+                </a:solidFill>
+                <a:effectLst/>
+                <a:latin typeface="Franklin Gothic Medium Cond" panose="020B0606030402020204" pitchFamily="34" charset="0"/>
+                <a:ea typeface="Calibri" panose="020F0502020204030204" pitchFamily="34" charset="0"/>
+              </a:rPr>
+              <a:t> </a:t>
+            </a:r>
+            <a:r>
+              <a:rPr lang="ru-RU" sz="2800" dirty="0" err="1">
+                <a:solidFill>
+                  <a:srgbClr val="87BBA4"/>
+                </a:solidFill>
+                <a:effectLst/>
+                <a:latin typeface="Franklin Gothic Medium Cond" panose="020B0606030402020204" pitchFamily="34" charset="0"/>
+                <a:ea typeface="Calibri" panose="020F0502020204030204" pitchFamily="34" charset="0"/>
+              </a:rPr>
+              <a:t>вивчено</a:t>
+            </a:r>
+            <a:r>
+              <a:rPr lang="ru-RU" sz="2800" dirty="0">
+                <a:solidFill>
+                  <a:srgbClr val="87BBA4"/>
+                </a:solidFill>
+                <a:effectLst/>
+                <a:latin typeface="Franklin Gothic Medium Cond" panose="020B0606030402020204" pitchFamily="34" charset="0"/>
+                <a:ea typeface="Calibri" panose="020F0502020204030204" pitchFamily="34" charset="0"/>
+              </a:rPr>
+              <a:t> </a:t>
+            </a:r>
+            <a:r>
+              <a:rPr lang="ru-RU" sz="2800" dirty="0" err="1">
+                <a:solidFill>
+                  <a:srgbClr val="87BBA4"/>
+                </a:solidFill>
+                <a:effectLst/>
+                <a:latin typeface="Franklin Gothic Medium Cond" panose="020B0606030402020204" pitchFamily="34" charset="0"/>
+                <a:ea typeface="Calibri" panose="020F0502020204030204" pitchFamily="34" charset="0"/>
+              </a:rPr>
+              <a:t>вимоги</a:t>
+            </a:r>
+            <a:r>
+              <a:rPr lang="ru-RU" sz="2800" dirty="0">
+                <a:solidFill>
+                  <a:srgbClr val="87BBA4"/>
+                </a:solidFill>
+                <a:effectLst/>
+                <a:latin typeface="Franklin Gothic Medium Cond" panose="020B0606030402020204" pitchFamily="34" charset="0"/>
+                <a:ea typeface="Calibri" panose="020F0502020204030204" pitchFamily="34" charset="0"/>
+              </a:rPr>
+              <a:t> </a:t>
+            </a:r>
+            <a:r>
+              <a:rPr lang="ru-RU" sz="2800" dirty="0" err="1">
+                <a:solidFill>
+                  <a:srgbClr val="87BBA4"/>
+                </a:solidFill>
+                <a:effectLst/>
+                <a:latin typeface="Franklin Gothic Medium Cond" panose="020B0606030402020204" pitchFamily="34" charset="0"/>
+                <a:ea typeface="Calibri" panose="020F0502020204030204" pitchFamily="34" charset="0"/>
+              </a:rPr>
+              <a:t>предметної</a:t>
+            </a:r>
+            <a:r>
+              <a:rPr lang="ru-RU" sz="2800" dirty="0">
+                <a:solidFill>
+                  <a:srgbClr val="87BBA4"/>
+                </a:solidFill>
+                <a:effectLst/>
+                <a:latin typeface="Franklin Gothic Medium Cond" panose="020B0606030402020204" pitchFamily="34" charset="0"/>
+                <a:ea typeface="Calibri" panose="020F0502020204030204" pitchFamily="34" charset="0"/>
+              </a:rPr>
+              <a:t> </a:t>
+            </a:r>
+            <a:r>
+              <a:rPr lang="ru-RU" sz="2800" dirty="0" err="1">
+                <a:solidFill>
+                  <a:srgbClr val="87BBA4"/>
+                </a:solidFill>
+                <a:effectLst/>
+                <a:latin typeface="Franklin Gothic Medium Cond" panose="020B0606030402020204" pitchFamily="34" charset="0"/>
+                <a:ea typeface="Calibri" panose="020F0502020204030204" pitchFamily="34" charset="0"/>
+              </a:rPr>
+              <a:t>області</a:t>
+            </a:r>
+            <a:r>
+              <a:rPr lang="ru-RU" sz="2800" dirty="0">
+                <a:solidFill>
+                  <a:srgbClr val="87BBA4"/>
+                </a:solidFill>
+                <a:effectLst/>
+                <a:latin typeface="Franklin Gothic Medium Cond" panose="020B0606030402020204" pitchFamily="34" charset="0"/>
+                <a:ea typeface="Calibri" panose="020F0502020204030204" pitchFamily="34" charset="0"/>
+              </a:rPr>
+              <a:t>, проведено </a:t>
+            </a:r>
+            <a:r>
+              <a:rPr lang="ru-RU" sz="2800" dirty="0" err="1">
+                <a:solidFill>
+                  <a:srgbClr val="87BBA4"/>
+                </a:solidFill>
+                <a:effectLst/>
+                <a:latin typeface="Franklin Gothic Medium Cond" panose="020B0606030402020204" pitchFamily="34" charset="0"/>
+                <a:ea typeface="Calibri" panose="020F0502020204030204" pitchFamily="34" charset="0"/>
+              </a:rPr>
+              <a:t>аналіз</a:t>
+            </a:r>
+            <a:r>
+              <a:rPr lang="ru-RU" sz="2800" dirty="0">
+                <a:solidFill>
+                  <a:srgbClr val="87BBA4"/>
+                </a:solidFill>
+                <a:effectLst/>
+                <a:latin typeface="Franklin Gothic Medium Cond" panose="020B0606030402020204" pitchFamily="34" charset="0"/>
+                <a:ea typeface="Calibri" panose="020F0502020204030204" pitchFamily="34" charset="0"/>
+              </a:rPr>
+              <a:t> </a:t>
+            </a:r>
+            <a:r>
+              <a:rPr lang="ru-RU" sz="2800" dirty="0" err="1">
+                <a:solidFill>
+                  <a:srgbClr val="87BBA4"/>
+                </a:solidFill>
+                <a:effectLst/>
+                <a:latin typeface="Franklin Gothic Medium Cond" panose="020B0606030402020204" pitchFamily="34" charset="0"/>
+                <a:ea typeface="Calibri" panose="020F0502020204030204" pitchFamily="34" charset="0"/>
+              </a:rPr>
+              <a:t>інформаційних</a:t>
+            </a:r>
+            <a:r>
+              <a:rPr lang="ru-RU" sz="2800" dirty="0">
+                <a:solidFill>
+                  <a:srgbClr val="87BBA4"/>
+                </a:solidFill>
+                <a:effectLst/>
+                <a:latin typeface="Franklin Gothic Medium Cond" panose="020B0606030402020204" pitchFamily="34" charset="0"/>
+                <a:ea typeface="Calibri" panose="020F0502020204030204" pitchFamily="34" charset="0"/>
+              </a:rPr>
+              <a:t> потреб та </a:t>
+            </a:r>
+            <a:r>
+              <a:rPr lang="ru-RU" sz="2800" dirty="0" err="1">
+                <a:solidFill>
+                  <a:srgbClr val="87BBA4"/>
+                </a:solidFill>
+                <a:effectLst/>
+                <a:latin typeface="Franklin Gothic Medium Cond" panose="020B0606030402020204" pitchFamily="34" charset="0"/>
+                <a:ea typeface="Calibri" panose="020F0502020204030204" pitchFamily="34" charset="0"/>
+              </a:rPr>
+              <a:t>ризиків</a:t>
+            </a:r>
+            <a:r>
+              <a:rPr lang="ru-RU" sz="2800" dirty="0">
+                <a:solidFill>
+                  <a:srgbClr val="87BBA4"/>
+                </a:solidFill>
+                <a:effectLst/>
+                <a:latin typeface="Franklin Gothic Medium Cond" panose="020B0606030402020204" pitchFamily="34" charset="0"/>
+                <a:ea typeface="Calibri" panose="020F0502020204030204" pitchFamily="34" charset="0"/>
+              </a:rPr>
+              <a:t>. Створено базу </a:t>
+            </a:r>
+            <a:r>
+              <a:rPr lang="ru-RU" sz="2800" dirty="0" err="1">
+                <a:solidFill>
+                  <a:srgbClr val="87BBA4"/>
+                </a:solidFill>
+                <a:effectLst/>
+                <a:latin typeface="Franklin Gothic Medium Cond" panose="020B0606030402020204" pitchFamily="34" charset="0"/>
+                <a:ea typeface="Calibri" panose="020F0502020204030204" pitchFamily="34" charset="0"/>
+              </a:rPr>
+              <a:t>даних</a:t>
+            </a:r>
+            <a:r>
+              <a:rPr lang="ru-RU" sz="2800" dirty="0">
+                <a:solidFill>
+                  <a:srgbClr val="87BBA4"/>
+                </a:solidFill>
+                <a:effectLst/>
+                <a:latin typeface="Franklin Gothic Medium Cond" panose="020B0606030402020204" pitchFamily="34" charset="0"/>
+                <a:ea typeface="Calibri" panose="020F0502020204030204" pitchFamily="34" charset="0"/>
+              </a:rPr>
+              <a:t> з </a:t>
+            </a:r>
+            <a:r>
+              <a:rPr lang="ru-RU" sz="2800" dirty="0" err="1">
+                <a:solidFill>
+                  <a:srgbClr val="87BBA4"/>
+                </a:solidFill>
+                <a:effectLst/>
+                <a:latin typeface="Franklin Gothic Medium Cond" panose="020B0606030402020204" pitchFamily="34" charset="0"/>
+                <a:ea typeface="Calibri" panose="020F0502020204030204" pitchFamily="34" charset="0"/>
+              </a:rPr>
+              <a:t>урахуванням</a:t>
+            </a:r>
+            <a:r>
+              <a:rPr lang="ru-RU" sz="2800" dirty="0">
+                <a:solidFill>
+                  <a:srgbClr val="87BBA4"/>
+                </a:solidFill>
+                <a:effectLst/>
+                <a:latin typeface="Franklin Gothic Medium Cond" panose="020B0606030402020204" pitchFamily="34" charset="0"/>
+                <a:ea typeface="Calibri" panose="020F0502020204030204" pitchFamily="34" charset="0"/>
+              </a:rPr>
+              <a:t> </a:t>
+            </a:r>
+            <a:r>
+              <a:rPr lang="ru-RU" sz="2800" dirty="0" err="1">
+                <a:solidFill>
+                  <a:srgbClr val="87BBA4"/>
+                </a:solidFill>
+                <a:effectLst/>
+                <a:latin typeface="Franklin Gothic Medium Cond" panose="020B0606030402020204" pitchFamily="34" charset="0"/>
+                <a:ea typeface="Calibri" panose="020F0502020204030204" pitchFamily="34" charset="0"/>
+              </a:rPr>
+              <a:t>специфіки</a:t>
+            </a:r>
+            <a:r>
+              <a:rPr lang="ru-RU" sz="2800" dirty="0">
+                <a:solidFill>
+                  <a:srgbClr val="87BBA4"/>
+                </a:solidFill>
+                <a:effectLst/>
+                <a:latin typeface="Franklin Gothic Medium Cond" panose="020B0606030402020204" pitchFamily="34" charset="0"/>
+                <a:ea typeface="Calibri" panose="020F0502020204030204" pitchFamily="34" charset="0"/>
+              </a:rPr>
+              <a:t> прокату </a:t>
+            </a:r>
+            <a:r>
+              <a:rPr lang="ru-RU" sz="2800" dirty="0" err="1">
+                <a:solidFill>
+                  <a:srgbClr val="87BBA4"/>
+                </a:solidFill>
+                <a:effectLst/>
+                <a:latin typeface="Franklin Gothic Medium Cond" panose="020B0606030402020204" pitchFamily="34" charset="0"/>
+                <a:ea typeface="Calibri" panose="020F0502020204030204" pitchFamily="34" charset="0"/>
+              </a:rPr>
+              <a:t>автомобілів</a:t>
+            </a:r>
+            <a:r>
+              <a:rPr lang="ru-RU" sz="2800" dirty="0">
+                <a:solidFill>
+                  <a:srgbClr val="87BBA4"/>
+                </a:solidFill>
+                <a:effectLst/>
+                <a:latin typeface="Franklin Gothic Medium Cond" panose="020B0606030402020204" pitchFamily="34" charset="0"/>
+                <a:ea typeface="Calibri" panose="020F0502020204030204" pitchFamily="34" charset="0"/>
+              </a:rPr>
+              <a:t>, </a:t>
+            </a:r>
+            <a:r>
+              <a:rPr lang="ru-RU" sz="2800" dirty="0" err="1">
+                <a:solidFill>
+                  <a:srgbClr val="87BBA4"/>
+                </a:solidFill>
+                <a:effectLst/>
+                <a:latin typeface="Franklin Gothic Medium Cond" panose="020B0606030402020204" pitchFamily="34" charset="0"/>
+                <a:ea typeface="Calibri" panose="020F0502020204030204" pitchFamily="34" charset="0"/>
+              </a:rPr>
+              <a:t>включаючи</a:t>
+            </a:r>
+            <a:r>
+              <a:rPr lang="ru-RU" sz="2800" dirty="0">
+                <a:solidFill>
+                  <a:srgbClr val="87BBA4"/>
+                </a:solidFill>
+                <a:effectLst/>
+                <a:latin typeface="Franklin Gothic Medium Cond" panose="020B0606030402020204" pitchFamily="34" charset="0"/>
+                <a:ea typeface="Calibri" panose="020F0502020204030204" pitchFamily="34" charset="0"/>
+              </a:rPr>
+              <a:t> </a:t>
+            </a:r>
+            <a:r>
+              <a:rPr lang="ru-RU" sz="2800" dirty="0" err="1">
+                <a:solidFill>
+                  <a:srgbClr val="87BBA4"/>
+                </a:solidFill>
+                <a:effectLst/>
+                <a:latin typeface="Franklin Gothic Medium Cond" panose="020B0606030402020204" pitchFamily="34" charset="0"/>
+                <a:ea typeface="Calibri" panose="020F0502020204030204" pitchFamily="34" charset="0"/>
+              </a:rPr>
+              <a:t>таблиці</a:t>
+            </a:r>
+            <a:r>
+              <a:rPr lang="ru-RU" sz="2800" dirty="0">
+                <a:solidFill>
+                  <a:srgbClr val="87BBA4"/>
+                </a:solidFill>
+                <a:effectLst/>
+                <a:latin typeface="Franklin Gothic Medium Cond" panose="020B0606030402020204" pitchFamily="34" charset="0"/>
+                <a:ea typeface="Calibri" panose="020F0502020204030204" pitchFamily="34" charset="0"/>
+              </a:rPr>
+              <a:t> для </a:t>
+            </a:r>
+            <a:r>
+              <a:rPr lang="ru-RU" sz="2800" dirty="0" err="1">
+                <a:solidFill>
+                  <a:srgbClr val="87BBA4"/>
+                </a:solidFill>
+                <a:effectLst/>
+                <a:latin typeface="Franklin Gothic Medium Cond" panose="020B0606030402020204" pitchFamily="34" charset="0"/>
+                <a:ea typeface="Calibri" panose="020F0502020204030204" pitchFamily="34" charset="0"/>
+              </a:rPr>
+              <a:t>автомобілів</a:t>
+            </a:r>
+            <a:r>
+              <a:rPr lang="ru-RU" sz="2800" dirty="0">
+                <a:solidFill>
+                  <a:srgbClr val="87BBA4"/>
+                </a:solidFill>
+                <a:effectLst/>
+                <a:latin typeface="Franklin Gothic Medium Cond" panose="020B0606030402020204" pitchFamily="34" charset="0"/>
+                <a:ea typeface="Calibri" panose="020F0502020204030204" pitchFamily="34" charset="0"/>
+              </a:rPr>
+              <a:t>, </a:t>
+            </a:r>
+            <a:r>
+              <a:rPr lang="ru-RU" sz="2800" dirty="0" err="1">
+                <a:solidFill>
+                  <a:srgbClr val="87BBA4"/>
+                </a:solidFill>
+                <a:effectLst/>
+                <a:latin typeface="Franklin Gothic Medium Cond" panose="020B0606030402020204" pitchFamily="34" charset="0"/>
+                <a:ea typeface="Calibri" panose="020F0502020204030204" pitchFamily="34" charset="0"/>
+              </a:rPr>
+              <a:t>клієнтів</a:t>
+            </a:r>
+            <a:r>
+              <a:rPr lang="ru-RU" sz="2800" dirty="0">
+                <a:solidFill>
+                  <a:srgbClr val="87BBA4"/>
+                </a:solidFill>
+                <a:effectLst/>
+                <a:latin typeface="Franklin Gothic Medium Cond" panose="020B0606030402020204" pitchFamily="34" charset="0"/>
+                <a:ea typeface="Calibri" panose="020F0502020204030204" pitchFamily="34" charset="0"/>
+              </a:rPr>
+              <a:t>, </a:t>
+            </a:r>
+            <a:r>
+              <a:rPr lang="ru-RU" sz="2800" dirty="0" err="1">
+                <a:solidFill>
+                  <a:srgbClr val="87BBA4"/>
+                </a:solidFill>
+                <a:effectLst/>
+                <a:latin typeface="Franklin Gothic Medium Cond" panose="020B0606030402020204" pitchFamily="34" charset="0"/>
+                <a:ea typeface="Calibri" panose="020F0502020204030204" pitchFamily="34" charset="0"/>
+              </a:rPr>
+              <a:t>бронювань</a:t>
+            </a:r>
+            <a:r>
+              <a:rPr lang="ru-RU" sz="2800" dirty="0">
+                <a:solidFill>
+                  <a:srgbClr val="87BBA4"/>
+                </a:solidFill>
+                <a:effectLst/>
+                <a:latin typeface="Franklin Gothic Medium Cond" panose="020B0606030402020204" pitchFamily="34" charset="0"/>
+                <a:ea typeface="Calibri" panose="020F0502020204030204" pitchFamily="34" charset="0"/>
+              </a:rPr>
+              <a:t> та </a:t>
+            </a:r>
+            <a:r>
+              <a:rPr lang="ru-RU" sz="2800" dirty="0" err="1">
+                <a:solidFill>
+                  <a:srgbClr val="87BBA4"/>
+                </a:solidFill>
+                <a:effectLst/>
+                <a:latin typeface="Franklin Gothic Medium Cond" panose="020B0606030402020204" pitchFamily="34" charset="0"/>
+                <a:ea typeface="Calibri" panose="020F0502020204030204" pitchFamily="34" charset="0"/>
+              </a:rPr>
+              <a:t>інші</a:t>
+            </a:r>
+            <a:r>
+              <a:rPr lang="ru-RU" sz="2800" dirty="0">
+                <a:solidFill>
+                  <a:srgbClr val="87BBA4"/>
+                </a:solidFill>
+                <a:effectLst/>
+                <a:latin typeface="Franklin Gothic Medium Cond" panose="020B0606030402020204" pitchFamily="34" charset="0"/>
+                <a:ea typeface="Calibri" panose="020F0502020204030204" pitchFamily="34" charset="0"/>
+              </a:rPr>
+              <a:t> </a:t>
+            </a:r>
+            <a:r>
+              <a:rPr lang="ru-RU" sz="2800" dirty="0" err="1">
+                <a:solidFill>
+                  <a:srgbClr val="87BBA4"/>
+                </a:solidFill>
+                <a:effectLst/>
+                <a:latin typeface="Franklin Gothic Medium Cond" panose="020B0606030402020204" pitchFamily="34" charset="0"/>
+                <a:ea typeface="Calibri" panose="020F0502020204030204" pitchFamily="34" charset="0"/>
+              </a:rPr>
+              <a:t>важливі</a:t>
+            </a:r>
+            <a:r>
+              <a:rPr lang="ru-RU" sz="2800" dirty="0">
+                <a:solidFill>
+                  <a:srgbClr val="87BBA4"/>
+                </a:solidFill>
+                <a:effectLst/>
+                <a:latin typeface="Franklin Gothic Medium Cond" panose="020B0606030402020204" pitchFamily="34" charset="0"/>
+                <a:ea typeface="Calibri" panose="020F0502020204030204" pitchFamily="34" charset="0"/>
+              </a:rPr>
+              <a:t> </a:t>
+            </a:r>
+            <a:r>
+              <a:rPr lang="ru-RU" sz="2800" dirty="0" err="1">
+                <a:solidFill>
+                  <a:srgbClr val="87BBA4"/>
+                </a:solidFill>
+                <a:effectLst/>
+                <a:latin typeface="Franklin Gothic Medium Cond" panose="020B0606030402020204" pitchFamily="34" charset="0"/>
+                <a:ea typeface="Calibri" panose="020F0502020204030204" pitchFamily="34" charset="0"/>
+              </a:rPr>
+              <a:t>елементи</a:t>
+            </a:r>
+            <a:endParaRPr lang="ru-UA" sz="2800" dirty="0">
+              <a:solidFill>
+                <a:srgbClr val="87BBA4"/>
+              </a:solidFill>
+              <a:latin typeface="Franklin Gothic Medium Cond" panose="020B0606030402020204" pitchFamily="34" charset="0"/>
+            </a:endParaRPr>
           </a:p>
         </p:txBody>
       </p:sp>
     </p:spTree>
     <p:extLst>
       <p:ext uri="{BB962C8B-B14F-4D97-AF65-F5344CB8AC3E}">
-        <p14:creationId xmlns:p14="http://schemas.microsoft.com/office/powerpoint/2010/main" val="2730182823"/>
-      </p:ext>
-    </p:extLst>
-  </p:cSld>
-  <p:clrMapOvr>
-    <a:masterClrMapping/>
-  </p:clrMapOvr>
-  <mc:AlternateContent xmlns:mc="http://schemas.openxmlformats.org/markup-compatibility/2006" xmlns:p159="http://schemas.microsoft.com/office/powerpoint/2015/09/main">
-    <mc:Choice Requires="p159">
-      <p:transition xmlns:p14="http://schemas.microsoft.com/office/powerpoint/2010/main" spd="slow" p14:dur="2000">
-        <p159:morph option="byObject"/>
-      </p:transition>
-    </mc:Choice>
-    <mc:Fallback xmlns="">
-      <p:transition spd="slow">
-        <p:fade/>
-      </p:transition>
-    </mc:Fallback>
-  </mc:AlternateContent>
-</p:sld>
-</file>
-
-<file path=ppt/slides/slide8.xml><?xml version="1.0" encoding="utf-8"?>
-<p:sld xmlns:a="http://schemas.openxmlformats.org/drawingml/2006/main" xmlns:r="http://schemas.openxmlformats.org/officeDocument/2006/relationships" xmlns:p="http://schemas.openxmlformats.org/presentationml/2006/main">
-  <p:cSld>
-    <p:bg>
-      <p:bgPr>
-        <a:solidFill>
-          <a:srgbClr val="274537"/>
-        </a:solidFill>
-        <a:effectLst/>
-      </p:bgPr>
-    </p:bg>
-    <p:spTree>
-      <p:nvGrpSpPr>
-        <p:cNvPr id="1" name=""/>
-        <p:cNvGrpSpPr/>
-        <p:nvPr/>
-      </p:nvGrpSpPr>
-      <p:grpSpPr>
-        <a:xfrm>
-          <a:off x="0" y="0"/>
-          <a:ext cx="0" cy="0"/>
-          <a:chOff x="0" y="0"/>
-          <a:chExt cx="0" cy="0"/>
-        </a:xfrm>
-      </p:grpSpPr>
-      <p:pic>
-        <p:nvPicPr>
-          <p:cNvPr id="5126" name="Picture 6">
-            <a:extLst>
-              <a:ext uri="{FF2B5EF4-FFF2-40B4-BE49-F238E27FC236}">
-                <a16:creationId xmlns:a16="http://schemas.microsoft.com/office/drawing/2014/main" id="{6D22F977-41E6-035E-3F4B-22D963AD3578}"/>
-              </a:ext>
-            </a:extLst>
-          </p:cNvPr>
-          <p:cNvPicPr>
-            <a:picLocks noChangeAspect="1" noChangeArrowheads="1"/>
-          </p:cNvPicPr>
-          <p:nvPr/>
-        </p:nvPicPr>
-        <p:blipFill>
-          <a:blip r:embed="rId2">
-            <a:alphaModFix/>
-            <a:extLst>
-              <a:ext uri="{28A0092B-C50C-407E-A947-70E740481C1C}">
-                <a14:useLocalDpi xmlns:a14="http://schemas.microsoft.com/office/drawing/2010/main" val="0"/>
-              </a:ext>
-            </a:extLst>
-          </a:blip>
-          <a:srcRect/>
-          <a:stretch>
-            <a:fillRect/>
-          </a:stretch>
-        </p:blipFill>
-        <p:spPr bwMode="auto">
-          <a:xfrm>
-            <a:off x="12553340" y="2510147"/>
-            <a:ext cx="9886950" cy="3571875"/>
-          </a:xfrm>
-          <a:prstGeom prst="rect">
-            <a:avLst/>
-          </a:prstGeom>
-          <a:noFill/>
-          <a:extLst>
-            <a:ext uri="{909E8E84-426E-40DD-AFC4-6F175D3DCCD1}">
-              <a14:hiddenFill xmlns:a14="http://schemas.microsoft.com/office/drawing/2010/main">
-                <a:solidFill>
-                  <a:srgbClr val="FFFFFF"/>
-                </a:solidFill>
-              </a14:hiddenFill>
-            </a:ext>
-          </a:extLst>
-        </p:spPr>
-      </p:pic>
-      <p:sp>
-        <p:nvSpPr>
-          <p:cNvPr id="13" name="AutoShape 2" descr="Continuous line drawing of retro sport car driving fast Stock Vector by  ©OneLineStock 276961366">
-            <a:extLst>
-              <a:ext uri="{FF2B5EF4-FFF2-40B4-BE49-F238E27FC236}">
-                <a16:creationId xmlns:a16="http://schemas.microsoft.com/office/drawing/2014/main" id="{A3971AC3-D430-4BA9-E3C7-73FE56DC5956}"/>
-              </a:ext>
-            </a:extLst>
-          </p:cNvPr>
-          <p:cNvSpPr>
-            <a:spLocks noChangeAspect="1" noChangeArrowheads="1"/>
-          </p:cNvSpPr>
-          <p:nvPr/>
-        </p:nvSpPr>
-        <p:spPr bwMode="auto">
-          <a:xfrm>
-            <a:off x="5943599" y="3276599"/>
-            <a:ext cx="1122333" cy="1122333"/>
-          </a:xfrm>
-          <a:prstGeom prst="rect">
-            <a:avLst/>
-          </a:prstGeom>
-          <a:noFill/>
-          <a:extLst>
-            <a:ext uri="{909E8E84-426E-40DD-AFC4-6F175D3DCCD1}">
-              <a14:hiddenFill xmlns:a14="http://schemas.microsoft.com/office/drawing/2010/main">
-                <a:solidFill>
-                  <a:srgbClr val="FFFFFF"/>
-                </a:solidFill>
-              </a14:hiddenFill>
-            </a:ext>
-          </a:extLst>
-        </p:spPr>
-        <p:txBody>
-          <a:bodyPr vert="horz" wrap="square" lIns="91440" tIns="45720" rIns="91440" bIns="45720" numCol="1" anchor="t" anchorCtr="0" compatLnSpc="1">
-            <a:prstTxWarp prst="textNoShape">
-              <a:avLst/>
-            </a:prstTxWarp>
-          </a:bodyPr>
-          <a:lstStyle/>
-          <a:p>
-            <a:endParaRPr lang="uk-UA"/>
-          </a:p>
-        </p:txBody>
-      </p:sp>
-      <p:sp>
-        <p:nvSpPr>
-          <p:cNvPr id="3" name="Прямокутник 2">
-            <a:extLst>
-              <a:ext uri="{FF2B5EF4-FFF2-40B4-BE49-F238E27FC236}">
-                <a16:creationId xmlns:a16="http://schemas.microsoft.com/office/drawing/2014/main" id="{051B2A7C-4BEB-1A63-9E78-A6277FCB7654}"/>
-              </a:ext>
-            </a:extLst>
-          </p:cNvPr>
-          <p:cNvSpPr/>
-          <p:nvPr/>
-        </p:nvSpPr>
-        <p:spPr>
-          <a:xfrm>
-            <a:off x="5943599" y="0"/>
-            <a:ext cx="6248401" cy="6858000"/>
-          </a:xfrm>
-          <a:prstGeom prst="rect">
-            <a:avLst/>
-          </a:prstGeom>
-          <a:solidFill>
-            <a:srgbClr val="CDE9CE"/>
-          </a:solidFill>
-          <a:ln>
-            <a:noFill/>
-          </a:ln>
-        </p:spPr>
-        <p:style>
-          <a:lnRef idx="2">
-            <a:schemeClr val="accent1">
-              <a:shade val="15000"/>
-            </a:schemeClr>
-          </a:lnRef>
-          <a:fillRef idx="1">
-            <a:schemeClr val="accent1"/>
-          </a:fillRef>
-          <a:effectRef idx="0">
-            <a:schemeClr val="accent1"/>
-          </a:effectRef>
-          <a:fontRef idx="minor">
-            <a:schemeClr val="lt1"/>
-          </a:fontRef>
-        </p:style>
-        <p:txBody>
-          <a:bodyPr rtlCol="0" anchor="ctr"/>
-          <a:lstStyle/>
-          <a:p>
-            <a:pPr algn="ctr"/>
-            <a:endParaRPr lang="uk-UA"/>
-          </a:p>
-        </p:txBody>
-      </p:sp>
-      <p:sp>
-        <p:nvSpPr>
-          <p:cNvPr id="4" name="TextBox 3">
-            <a:extLst>
-              <a:ext uri="{FF2B5EF4-FFF2-40B4-BE49-F238E27FC236}">
-                <a16:creationId xmlns:a16="http://schemas.microsoft.com/office/drawing/2014/main" id="{1621BBBA-FEE4-83CF-49C6-0A8BF8BE869A}"/>
-              </a:ext>
-            </a:extLst>
-          </p:cNvPr>
-          <p:cNvSpPr txBox="1"/>
-          <p:nvPr/>
-        </p:nvSpPr>
-        <p:spPr>
-          <a:xfrm>
-            <a:off x="2187615" y="1956119"/>
-            <a:ext cx="1239442" cy="584775"/>
-          </a:xfrm>
-          <a:prstGeom prst="rect">
-            <a:avLst/>
-          </a:prstGeom>
-          <a:noFill/>
-        </p:spPr>
-        <p:txBody>
-          <a:bodyPr wrap="none" rtlCol="0">
-            <a:spAutoFit/>
-          </a:bodyPr>
-          <a:lstStyle/>
-          <a:p>
-            <a:r>
-              <a:rPr lang="uk-UA" sz="3200" dirty="0">
-                <a:solidFill>
-                  <a:srgbClr val="D3E5DD"/>
-                </a:solidFill>
-                <a:latin typeface="Franklin Gothic Demi Cond" panose="020B0706030402020204" pitchFamily="34" charset="0"/>
-              </a:rPr>
-              <a:t>Плюси</a:t>
-            </a:r>
-          </a:p>
-        </p:txBody>
-      </p:sp>
-      <p:sp>
-        <p:nvSpPr>
-          <p:cNvPr id="7" name="TextBox 6">
-            <a:extLst>
-              <a:ext uri="{FF2B5EF4-FFF2-40B4-BE49-F238E27FC236}">
-                <a16:creationId xmlns:a16="http://schemas.microsoft.com/office/drawing/2014/main" id="{BD1E56E3-04F7-021C-2B30-99BE996BA7A1}"/>
-              </a:ext>
-            </a:extLst>
-          </p:cNvPr>
-          <p:cNvSpPr txBox="1"/>
-          <p:nvPr/>
-        </p:nvSpPr>
-        <p:spPr>
-          <a:xfrm>
-            <a:off x="196771" y="3032565"/>
-            <a:ext cx="5395730" cy="1631216"/>
-          </a:xfrm>
-          <a:prstGeom prst="rect">
-            <a:avLst/>
-          </a:prstGeom>
-          <a:noFill/>
-        </p:spPr>
-        <p:txBody>
-          <a:bodyPr wrap="square" rtlCol="0">
-            <a:spAutoFit/>
-          </a:bodyPr>
-          <a:lstStyle/>
-          <a:p>
-            <a:pPr marL="285750" indent="-285750">
-              <a:buFont typeface="Arial" panose="020B0604020202020204" pitchFamily="34" charset="0"/>
-              <a:buChar char="•"/>
-            </a:pPr>
-            <a:r>
-              <a:rPr lang="uk-UA" sz="2000" dirty="0">
-                <a:solidFill>
-                  <a:srgbClr val="D3E5DD"/>
-                </a:solidFill>
-                <a:latin typeface="Franklin Gothic Book" panose="020B0503020102020204" pitchFamily="34" charset="0"/>
-              </a:rPr>
-              <a:t>Доступний у багатьох містах України</a:t>
-            </a:r>
-          </a:p>
-          <a:p>
-            <a:pPr marL="285750" indent="-285750">
-              <a:buFont typeface="Arial" panose="020B0604020202020204" pitchFamily="34" charset="0"/>
-              <a:buChar char="•"/>
-            </a:pPr>
-            <a:r>
-              <a:rPr lang="uk-UA" sz="2000" dirty="0">
-                <a:solidFill>
-                  <a:srgbClr val="D3E5DD"/>
-                </a:solidFill>
-                <a:latin typeface="Franklin Gothic Book" panose="020B0503020102020204" pitchFamily="34" charset="0"/>
-              </a:rPr>
-              <a:t>Можна орендувати авто закордоном</a:t>
-            </a:r>
-          </a:p>
-          <a:p>
-            <a:pPr marL="285750" indent="-285750">
-              <a:buFont typeface="Arial" panose="020B0604020202020204" pitchFamily="34" charset="0"/>
-              <a:buChar char="•"/>
-            </a:pPr>
-            <a:r>
-              <a:rPr lang="uk-UA" sz="2000" dirty="0">
-                <a:solidFill>
-                  <a:srgbClr val="D3E5DD"/>
-                </a:solidFill>
-                <a:latin typeface="Franklin Gothic Book" panose="020B0503020102020204" pitchFamily="34" charset="0"/>
-              </a:rPr>
-              <a:t>Великий вибір авто</a:t>
-            </a:r>
-          </a:p>
-          <a:p>
-            <a:pPr marL="285750" indent="-285750">
-              <a:buFont typeface="Arial" panose="020B0604020202020204" pitchFamily="34" charset="0"/>
-              <a:buChar char="•"/>
-            </a:pPr>
-            <a:r>
-              <a:rPr lang="uk-UA" sz="2000" dirty="0">
-                <a:solidFill>
-                  <a:srgbClr val="D3E5DD"/>
-                </a:solidFill>
-                <a:latin typeface="Franklin Gothic Book" panose="020B0503020102020204" pitchFamily="34" charset="0"/>
-              </a:rPr>
-              <a:t>Наявні додаткові послуги (водій, автокрісло для дитини і </a:t>
-            </a:r>
-            <a:r>
-              <a:rPr lang="uk-UA" sz="2000" dirty="0" err="1">
-                <a:solidFill>
-                  <a:srgbClr val="D3E5DD"/>
-                </a:solidFill>
-                <a:latin typeface="Franklin Gothic Book" panose="020B0503020102020204" pitchFamily="34" charset="0"/>
-              </a:rPr>
-              <a:t>тд</a:t>
-            </a:r>
-            <a:r>
-              <a:rPr lang="uk-UA" sz="2000" dirty="0">
-                <a:solidFill>
-                  <a:srgbClr val="D3E5DD"/>
-                </a:solidFill>
-                <a:latin typeface="Franklin Gothic Book" panose="020B0503020102020204" pitchFamily="34" charset="0"/>
-              </a:rPr>
-              <a:t>.)</a:t>
-            </a:r>
-          </a:p>
-        </p:txBody>
-      </p:sp>
-      <p:sp>
-        <p:nvSpPr>
-          <p:cNvPr id="10" name="TextBox 9">
-            <a:extLst>
-              <a:ext uri="{FF2B5EF4-FFF2-40B4-BE49-F238E27FC236}">
-                <a16:creationId xmlns:a16="http://schemas.microsoft.com/office/drawing/2014/main" id="{FE1B2B1B-4330-1B03-7338-76C6A11B40F1}"/>
-              </a:ext>
-            </a:extLst>
-          </p:cNvPr>
-          <p:cNvSpPr txBox="1"/>
-          <p:nvPr/>
-        </p:nvSpPr>
-        <p:spPr>
-          <a:xfrm>
-            <a:off x="8411112" y="1956119"/>
-            <a:ext cx="1313373" cy="584775"/>
-          </a:xfrm>
-          <a:prstGeom prst="rect">
-            <a:avLst/>
-          </a:prstGeom>
-          <a:noFill/>
-        </p:spPr>
-        <p:txBody>
-          <a:bodyPr wrap="none" rtlCol="0">
-            <a:spAutoFit/>
-          </a:bodyPr>
-          <a:lstStyle/>
-          <a:p>
-            <a:r>
-              <a:rPr lang="uk-UA" sz="3200" dirty="0">
-                <a:solidFill>
-                  <a:srgbClr val="0D372F"/>
-                </a:solidFill>
-                <a:latin typeface="Franklin Gothic Demi Cond" panose="020B0706030402020204" pitchFamily="34" charset="0"/>
-              </a:rPr>
-              <a:t>Мінуси</a:t>
-            </a:r>
-          </a:p>
-        </p:txBody>
-      </p:sp>
-      <p:sp>
-        <p:nvSpPr>
-          <p:cNvPr id="11" name="TextBox 10">
-            <a:extLst>
-              <a:ext uri="{FF2B5EF4-FFF2-40B4-BE49-F238E27FC236}">
-                <a16:creationId xmlns:a16="http://schemas.microsoft.com/office/drawing/2014/main" id="{7D732E36-6F9C-2EE9-DA86-70B100EC2C31}"/>
-              </a:ext>
-            </a:extLst>
-          </p:cNvPr>
-          <p:cNvSpPr txBox="1"/>
-          <p:nvPr/>
-        </p:nvSpPr>
-        <p:spPr>
-          <a:xfrm>
-            <a:off x="6096000" y="3027030"/>
-            <a:ext cx="5744901" cy="1323439"/>
-          </a:xfrm>
-          <a:prstGeom prst="rect">
-            <a:avLst/>
-          </a:prstGeom>
-          <a:noFill/>
-        </p:spPr>
-        <p:txBody>
-          <a:bodyPr wrap="square" rtlCol="0">
-            <a:spAutoFit/>
-          </a:bodyPr>
-          <a:lstStyle/>
-          <a:p>
-            <a:pPr marL="285750" indent="-285750">
-              <a:buFont typeface="Arial" panose="020B0604020202020204" pitchFamily="34" charset="0"/>
-              <a:buChar char="•"/>
-            </a:pPr>
-            <a:r>
-              <a:rPr lang="uk-UA" sz="2000" dirty="0">
-                <a:solidFill>
-                  <a:srgbClr val="0D372F"/>
-                </a:solidFill>
-                <a:latin typeface="Franklin Gothic Book" panose="020B0503020102020204" pitchFamily="34" charset="0"/>
-              </a:rPr>
-              <a:t>Ціна стабільна, не зменшується від терміну прокату</a:t>
-            </a:r>
-          </a:p>
-          <a:p>
-            <a:pPr marL="285750" indent="-285750">
-              <a:buFont typeface="Arial" panose="020B0604020202020204" pitchFamily="34" charset="0"/>
-              <a:buChar char="•"/>
-            </a:pPr>
-            <a:r>
-              <a:rPr lang="uk-UA" sz="2000" dirty="0">
-                <a:solidFill>
-                  <a:srgbClr val="0D372F"/>
-                </a:solidFill>
-                <a:latin typeface="Franklin Gothic Book" panose="020B0503020102020204" pitchFamily="34" charset="0"/>
-              </a:rPr>
-              <a:t>Місцями заплутаний інтерфейс</a:t>
-            </a:r>
-          </a:p>
-          <a:p>
-            <a:pPr marL="285750" indent="-285750">
-              <a:buFont typeface="Arial" panose="020B0604020202020204" pitchFamily="34" charset="0"/>
-              <a:buChar char="•"/>
-            </a:pPr>
-            <a:endParaRPr lang="uk-UA" sz="2000" dirty="0">
-              <a:solidFill>
-                <a:srgbClr val="0D372F"/>
-              </a:solidFill>
-              <a:latin typeface="Franklin Gothic Book" panose="020B0503020102020204" pitchFamily="34" charset="0"/>
-            </a:endParaRPr>
-          </a:p>
-        </p:txBody>
-      </p:sp>
-      <p:sp>
-        <p:nvSpPr>
-          <p:cNvPr id="14" name="Стрілка: шеврон 13">
-            <a:extLst>
-              <a:ext uri="{FF2B5EF4-FFF2-40B4-BE49-F238E27FC236}">
-                <a16:creationId xmlns:a16="http://schemas.microsoft.com/office/drawing/2014/main" id="{D61811E9-FA85-9808-276C-666C99E830A4}"/>
-              </a:ext>
-            </a:extLst>
-          </p:cNvPr>
-          <p:cNvSpPr/>
-          <p:nvPr/>
-        </p:nvSpPr>
-        <p:spPr>
-          <a:xfrm>
-            <a:off x="-17165724" y="2559641"/>
-            <a:ext cx="934787" cy="1982637"/>
-          </a:xfrm>
-          <a:prstGeom prst="chevron">
-            <a:avLst>
-              <a:gd name="adj" fmla="val 54192"/>
-            </a:avLst>
-          </a:prstGeom>
-          <a:solidFill>
-            <a:srgbClr val="0D372F">
-              <a:alpha val="38000"/>
-            </a:srgbClr>
-          </a:solidFill>
-          <a:ln>
-            <a:noFill/>
-          </a:ln>
-        </p:spPr>
-        <p:style>
-          <a:lnRef idx="2">
-            <a:schemeClr val="accent1">
-              <a:shade val="15000"/>
-            </a:schemeClr>
-          </a:lnRef>
-          <a:fillRef idx="1">
-            <a:schemeClr val="accent1"/>
-          </a:fillRef>
-          <a:effectRef idx="0">
-            <a:schemeClr val="accent1"/>
-          </a:effectRef>
-          <a:fontRef idx="minor">
-            <a:schemeClr val="lt1"/>
-          </a:fontRef>
-        </p:style>
-        <p:txBody>
-          <a:bodyPr rtlCol="0" anchor="ctr"/>
-          <a:lstStyle/>
-          <a:p>
-            <a:pPr algn="ctr"/>
-            <a:endParaRPr lang="uk-UA">
-              <a:solidFill>
-                <a:schemeClr val="tx1"/>
-              </a:solidFill>
-            </a:endParaRPr>
-          </a:p>
-        </p:txBody>
-      </p:sp>
-      <p:sp>
-        <p:nvSpPr>
-          <p:cNvPr id="15" name="Стрілка: шеврон 14">
-            <a:extLst>
-              <a:ext uri="{FF2B5EF4-FFF2-40B4-BE49-F238E27FC236}">
-                <a16:creationId xmlns:a16="http://schemas.microsoft.com/office/drawing/2014/main" id="{B27FE6EE-CA85-E2C1-0F26-EF0E6DCA7C50}"/>
-              </a:ext>
-            </a:extLst>
-          </p:cNvPr>
-          <p:cNvSpPr/>
-          <p:nvPr/>
-        </p:nvSpPr>
-        <p:spPr>
-          <a:xfrm>
-            <a:off x="-15965336" y="2559641"/>
-            <a:ext cx="934787" cy="1982637"/>
-          </a:xfrm>
-          <a:prstGeom prst="chevron">
-            <a:avLst>
-              <a:gd name="adj" fmla="val 54192"/>
-            </a:avLst>
-          </a:prstGeom>
-          <a:solidFill>
-            <a:srgbClr val="0D372F">
-              <a:alpha val="38000"/>
-            </a:srgbClr>
-          </a:solidFill>
-          <a:ln>
-            <a:noFill/>
-          </a:ln>
-        </p:spPr>
-        <p:style>
-          <a:lnRef idx="2">
-            <a:schemeClr val="accent1">
-              <a:shade val="15000"/>
-            </a:schemeClr>
-          </a:lnRef>
-          <a:fillRef idx="1">
-            <a:schemeClr val="accent1"/>
-          </a:fillRef>
-          <a:effectRef idx="0">
-            <a:schemeClr val="accent1"/>
-          </a:effectRef>
-          <a:fontRef idx="minor">
-            <a:schemeClr val="lt1"/>
-          </a:fontRef>
-        </p:style>
-        <p:txBody>
-          <a:bodyPr rtlCol="0" anchor="ctr"/>
-          <a:lstStyle/>
-          <a:p>
-            <a:pPr algn="ctr"/>
-            <a:endParaRPr lang="uk-UA">
-              <a:solidFill>
-                <a:schemeClr val="tx1"/>
-              </a:solidFill>
-            </a:endParaRPr>
-          </a:p>
-        </p:txBody>
-      </p:sp>
-      <p:sp>
-        <p:nvSpPr>
-          <p:cNvPr id="16" name="Стрілка: шеврон 15">
-            <a:extLst>
-              <a:ext uri="{FF2B5EF4-FFF2-40B4-BE49-F238E27FC236}">
-                <a16:creationId xmlns:a16="http://schemas.microsoft.com/office/drawing/2014/main" id="{DAE97C2C-6121-13DA-8FF7-BAEB23DC45E5}"/>
-              </a:ext>
-            </a:extLst>
-          </p:cNvPr>
-          <p:cNvSpPr/>
-          <p:nvPr/>
-        </p:nvSpPr>
-        <p:spPr>
-          <a:xfrm>
-            <a:off x="-14842683" y="2578388"/>
-            <a:ext cx="934787" cy="1982637"/>
-          </a:xfrm>
-          <a:prstGeom prst="chevron">
-            <a:avLst>
-              <a:gd name="adj" fmla="val 54192"/>
-            </a:avLst>
-          </a:prstGeom>
-          <a:solidFill>
-            <a:srgbClr val="0D372F">
-              <a:alpha val="38000"/>
-            </a:srgbClr>
-          </a:solidFill>
-          <a:ln>
-            <a:noFill/>
-          </a:ln>
-        </p:spPr>
-        <p:style>
-          <a:lnRef idx="2">
-            <a:schemeClr val="accent1">
-              <a:shade val="15000"/>
-            </a:schemeClr>
-          </a:lnRef>
-          <a:fillRef idx="1">
-            <a:schemeClr val="accent1"/>
-          </a:fillRef>
-          <a:effectRef idx="0">
-            <a:schemeClr val="accent1"/>
-          </a:effectRef>
-          <a:fontRef idx="minor">
-            <a:schemeClr val="lt1"/>
-          </a:fontRef>
-        </p:style>
-        <p:txBody>
-          <a:bodyPr rtlCol="0" anchor="ctr"/>
-          <a:lstStyle/>
-          <a:p>
-            <a:pPr algn="ctr"/>
-            <a:endParaRPr lang="uk-UA">
-              <a:solidFill>
-                <a:schemeClr val="tx1"/>
-              </a:solidFill>
-            </a:endParaRPr>
-          </a:p>
-        </p:txBody>
-      </p:sp>
-      <p:sp>
-        <p:nvSpPr>
-          <p:cNvPr id="24" name="Стрілка: шеврон 23">
-            <a:extLst>
-              <a:ext uri="{FF2B5EF4-FFF2-40B4-BE49-F238E27FC236}">
-                <a16:creationId xmlns:a16="http://schemas.microsoft.com/office/drawing/2014/main" id="{61D17072-291F-AB9E-CB34-EC7B4B6E5C70}"/>
-              </a:ext>
-            </a:extLst>
-          </p:cNvPr>
-          <p:cNvSpPr/>
-          <p:nvPr/>
-        </p:nvSpPr>
-        <p:spPr>
-          <a:xfrm>
-            <a:off x="-13720030" y="2597135"/>
-            <a:ext cx="934787" cy="1982637"/>
-          </a:xfrm>
-          <a:prstGeom prst="chevron">
-            <a:avLst>
-              <a:gd name="adj" fmla="val 54192"/>
-            </a:avLst>
-          </a:prstGeom>
-          <a:solidFill>
-            <a:srgbClr val="0D372F">
-              <a:alpha val="38000"/>
-            </a:srgbClr>
-          </a:solidFill>
-          <a:ln>
-            <a:noFill/>
-          </a:ln>
-        </p:spPr>
-        <p:style>
-          <a:lnRef idx="2">
-            <a:schemeClr val="accent1">
-              <a:shade val="15000"/>
-            </a:schemeClr>
-          </a:lnRef>
-          <a:fillRef idx="1">
-            <a:schemeClr val="accent1"/>
-          </a:fillRef>
-          <a:effectRef idx="0">
-            <a:schemeClr val="accent1"/>
-          </a:effectRef>
-          <a:fontRef idx="minor">
-            <a:schemeClr val="lt1"/>
-          </a:fontRef>
-        </p:style>
-        <p:txBody>
-          <a:bodyPr rtlCol="0" anchor="ctr"/>
-          <a:lstStyle/>
-          <a:p>
-            <a:pPr algn="ctr"/>
-            <a:endParaRPr lang="uk-UA">
-              <a:solidFill>
-                <a:schemeClr val="tx1"/>
-              </a:solidFill>
-            </a:endParaRPr>
-          </a:p>
-        </p:txBody>
-      </p:sp>
-      <p:sp>
-        <p:nvSpPr>
-          <p:cNvPr id="25" name="Стрілка: шеврон 24">
-            <a:extLst>
-              <a:ext uri="{FF2B5EF4-FFF2-40B4-BE49-F238E27FC236}">
-                <a16:creationId xmlns:a16="http://schemas.microsoft.com/office/drawing/2014/main" id="{1CF0056D-E042-3B3C-6C67-D16C8FD38482}"/>
-              </a:ext>
-            </a:extLst>
-          </p:cNvPr>
-          <p:cNvSpPr/>
-          <p:nvPr/>
-        </p:nvSpPr>
-        <p:spPr>
-          <a:xfrm>
-            <a:off x="-18343446" y="2559641"/>
-            <a:ext cx="934787" cy="1982637"/>
-          </a:xfrm>
-          <a:prstGeom prst="chevron">
-            <a:avLst>
-              <a:gd name="adj" fmla="val 54192"/>
-            </a:avLst>
-          </a:prstGeom>
-          <a:solidFill>
-            <a:srgbClr val="0D372F">
-              <a:alpha val="38000"/>
-            </a:srgbClr>
-          </a:solidFill>
-          <a:ln>
-            <a:noFill/>
-          </a:ln>
-        </p:spPr>
-        <p:style>
-          <a:lnRef idx="2">
-            <a:schemeClr val="accent1">
-              <a:shade val="15000"/>
-            </a:schemeClr>
-          </a:lnRef>
-          <a:fillRef idx="1">
-            <a:schemeClr val="accent1"/>
-          </a:fillRef>
-          <a:effectRef idx="0">
-            <a:schemeClr val="accent1"/>
-          </a:effectRef>
-          <a:fontRef idx="minor">
-            <a:schemeClr val="lt1"/>
-          </a:fontRef>
-        </p:style>
-        <p:txBody>
-          <a:bodyPr rtlCol="0" anchor="ctr"/>
-          <a:lstStyle/>
-          <a:p>
-            <a:pPr algn="ctr"/>
-            <a:endParaRPr lang="uk-UA">
-              <a:solidFill>
-                <a:schemeClr val="tx1"/>
-              </a:solidFill>
-            </a:endParaRPr>
-          </a:p>
-        </p:txBody>
-      </p:sp>
-      <p:sp>
-        <p:nvSpPr>
-          <p:cNvPr id="26" name="Стрілка: шеврон 25">
-            <a:extLst>
-              <a:ext uri="{FF2B5EF4-FFF2-40B4-BE49-F238E27FC236}">
-                <a16:creationId xmlns:a16="http://schemas.microsoft.com/office/drawing/2014/main" id="{5CDB4F65-6374-A6B0-9711-B214082D603B}"/>
-              </a:ext>
-            </a:extLst>
-          </p:cNvPr>
-          <p:cNvSpPr/>
-          <p:nvPr/>
-        </p:nvSpPr>
-        <p:spPr>
-          <a:xfrm>
-            <a:off x="-12520134" y="2571640"/>
-            <a:ext cx="934787" cy="1982637"/>
-          </a:xfrm>
-          <a:prstGeom prst="chevron">
-            <a:avLst>
-              <a:gd name="adj" fmla="val 54192"/>
-            </a:avLst>
-          </a:prstGeom>
-          <a:solidFill>
-            <a:srgbClr val="0D372F">
-              <a:alpha val="38000"/>
-            </a:srgbClr>
-          </a:solidFill>
-          <a:ln>
-            <a:noFill/>
-          </a:ln>
-        </p:spPr>
-        <p:style>
-          <a:lnRef idx="2">
-            <a:schemeClr val="accent1">
-              <a:shade val="15000"/>
-            </a:schemeClr>
-          </a:lnRef>
-          <a:fillRef idx="1">
-            <a:schemeClr val="accent1"/>
-          </a:fillRef>
-          <a:effectRef idx="0">
-            <a:schemeClr val="accent1"/>
-          </a:effectRef>
-          <a:fontRef idx="minor">
-            <a:schemeClr val="lt1"/>
-          </a:fontRef>
-        </p:style>
-        <p:txBody>
-          <a:bodyPr rtlCol="0" anchor="ctr"/>
-          <a:lstStyle/>
-          <a:p>
-            <a:pPr algn="ctr"/>
-            <a:endParaRPr lang="uk-UA">
-              <a:solidFill>
-                <a:schemeClr val="tx1"/>
-              </a:solidFill>
-            </a:endParaRPr>
-          </a:p>
-        </p:txBody>
-      </p:sp>
-      <p:sp>
-        <p:nvSpPr>
-          <p:cNvPr id="27" name="Стрілка: шеврон 26">
-            <a:extLst>
-              <a:ext uri="{FF2B5EF4-FFF2-40B4-BE49-F238E27FC236}">
-                <a16:creationId xmlns:a16="http://schemas.microsoft.com/office/drawing/2014/main" id="{6A271BEE-74C2-561A-3C53-D0A25CD7AD1C}"/>
-              </a:ext>
-            </a:extLst>
-          </p:cNvPr>
-          <p:cNvSpPr/>
-          <p:nvPr/>
-        </p:nvSpPr>
-        <p:spPr>
-          <a:xfrm>
-            <a:off x="-24086247" y="2540894"/>
-            <a:ext cx="934787" cy="1982637"/>
-          </a:xfrm>
-          <a:prstGeom prst="chevron">
-            <a:avLst>
-              <a:gd name="adj" fmla="val 54192"/>
-            </a:avLst>
-          </a:prstGeom>
-          <a:solidFill>
-            <a:srgbClr val="0D372F">
-              <a:alpha val="38000"/>
-            </a:srgbClr>
-          </a:solidFill>
-          <a:ln>
-            <a:noFill/>
-          </a:ln>
-        </p:spPr>
-        <p:style>
-          <a:lnRef idx="2">
-            <a:schemeClr val="accent1">
-              <a:shade val="15000"/>
-            </a:schemeClr>
-          </a:lnRef>
-          <a:fillRef idx="1">
-            <a:schemeClr val="accent1"/>
-          </a:fillRef>
-          <a:effectRef idx="0">
-            <a:schemeClr val="accent1"/>
-          </a:effectRef>
-          <a:fontRef idx="minor">
-            <a:schemeClr val="lt1"/>
-          </a:fontRef>
-        </p:style>
-        <p:txBody>
-          <a:bodyPr rtlCol="0" anchor="ctr"/>
-          <a:lstStyle/>
-          <a:p>
-            <a:pPr algn="ctr"/>
-            <a:endParaRPr lang="uk-UA">
-              <a:solidFill>
-                <a:schemeClr val="tx1"/>
-              </a:solidFill>
-            </a:endParaRPr>
-          </a:p>
-        </p:txBody>
-      </p:sp>
-      <p:sp>
-        <p:nvSpPr>
-          <p:cNvPr id="28" name="Стрілка: шеврон 27">
-            <a:extLst>
-              <a:ext uri="{FF2B5EF4-FFF2-40B4-BE49-F238E27FC236}">
-                <a16:creationId xmlns:a16="http://schemas.microsoft.com/office/drawing/2014/main" id="{67A292E7-C97F-3E64-9764-F7BCCBE49E39}"/>
-              </a:ext>
-            </a:extLst>
-          </p:cNvPr>
-          <p:cNvSpPr/>
-          <p:nvPr/>
-        </p:nvSpPr>
-        <p:spPr>
-          <a:xfrm>
-            <a:off x="-22885859" y="2540894"/>
-            <a:ext cx="934787" cy="1982637"/>
-          </a:xfrm>
-          <a:prstGeom prst="chevron">
-            <a:avLst>
-              <a:gd name="adj" fmla="val 54192"/>
-            </a:avLst>
-          </a:prstGeom>
-          <a:solidFill>
-            <a:srgbClr val="0D372F">
-              <a:alpha val="38000"/>
-            </a:srgbClr>
-          </a:solidFill>
-          <a:ln>
-            <a:noFill/>
-          </a:ln>
-        </p:spPr>
-        <p:style>
-          <a:lnRef idx="2">
-            <a:schemeClr val="accent1">
-              <a:shade val="15000"/>
-            </a:schemeClr>
-          </a:lnRef>
-          <a:fillRef idx="1">
-            <a:schemeClr val="accent1"/>
-          </a:fillRef>
-          <a:effectRef idx="0">
-            <a:schemeClr val="accent1"/>
-          </a:effectRef>
-          <a:fontRef idx="minor">
-            <a:schemeClr val="lt1"/>
-          </a:fontRef>
-        </p:style>
-        <p:txBody>
-          <a:bodyPr rtlCol="0" anchor="ctr"/>
-          <a:lstStyle/>
-          <a:p>
-            <a:pPr algn="ctr"/>
-            <a:endParaRPr lang="uk-UA">
-              <a:solidFill>
-                <a:schemeClr val="tx1"/>
-              </a:solidFill>
-            </a:endParaRPr>
-          </a:p>
-        </p:txBody>
-      </p:sp>
-      <p:sp>
-        <p:nvSpPr>
-          <p:cNvPr id="29" name="Стрілка: шеврон 28">
-            <a:extLst>
-              <a:ext uri="{FF2B5EF4-FFF2-40B4-BE49-F238E27FC236}">
-                <a16:creationId xmlns:a16="http://schemas.microsoft.com/office/drawing/2014/main" id="{54AB3720-958B-3F5E-C920-2B4162BA80EF}"/>
-              </a:ext>
-            </a:extLst>
-          </p:cNvPr>
-          <p:cNvSpPr/>
-          <p:nvPr/>
-        </p:nvSpPr>
-        <p:spPr>
-          <a:xfrm>
-            <a:off x="-21763206" y="2559641"/>
-            <a:ext cx="934787" cy="1982637"/>
-          </a:xfrm>
-          <a:prstGeom prst="chevron">
-            <a:avLst>
-              <a:gd name="adj" fmla="val 54192"/>
-            </a:avLst>
-          </a:prstGeom>
-          <a:solidFill>
-            <a:srgbClr val="0D372F">
-              <a:alpha val="38000"/>
-            </a:srgbClr>
-          </a:solidFill>
-          <a:ln>
-            <a:noFill/>
-          </a:ln>
-        </p:spPr>
-        <p:style>
-          <a:lnRef idx="2">
-            <a:schemeClr val="accent1">
-              <a:shade val="15000"/>
-            </a:schemeClr>
-          </a:lnRef>
-          <a:fillRef idx="1">
-            <a:schemeClr val="accent1"/>
-          </a:fillRef>
-          <a:effectRef idx="0">
-            <a:schemeClr val="accent1"/>
-          </a:effectRef>
-          <a:fontRef idx="minor">
-            <a:schemeClr val="lt1"/>
-          </a:fontRef>
-        </p:style>
-        <p:txBody>
-          <a:bodyPr rtlCol="0" anchor="ctr"/>
-          <a:lstStyle/>
-          <a:p>
-            <a:pPr algn="ctr"/>
-            <a:endParaRPr lang="uk-UA">
-              <a:solidFill>
-                <a:schemeClr val="tx1"/>
-              </a:solidFill>
-            </a:endParaRPr>
-          </a:p>
-        </p:txBody>
-      </p:sp>
-      <p:sp>
-        <p:nvSpPr>
-          <p:cNvPr id="30" name="Стрілка: шеврон 29">
-            <a:extLst>
-              <a:ext uri="{FF2B5EF4-FFF2-40B4-BE49-F238E27FC236}">
-                <a16:creationId xmlns:a16="http://schemas.microsoft.com/office/drawing/2014/main" id="{4E8043BB-87AB-0C3D-C9CF-00B5E51EEF82}"/>
-              </a:ext>
-            </a:extLst>
-          </p:cNvPr>
-          <p:cNvSpPr/>
-          <p:nvPr/>
-        </p:nvSpPr>
-        <p:spPr>
-          <a:xfrm>
-            <a:off x="-20640553" y="2578388"/>
-            <a:ext cx="934787" cy="1982637"/>
-          </a:xfrm>
-          <a:prstGeom prst="chevron">
-            <a:avLst>
-              <a:gd name="adj" fmla="val 54192"/>
-            </a:avLst>
-          </a:prstGeom>
-          <a:solidFill>
-            <a:srgbClr val="0D372F">
-              <a:alpha val="38000"/>
-            </a:srgbClr>
-          </a:solidFill>
-          <a:ln>
-            <a:noFill/>
-          </a:ln>
-        </p:spPr>
-        <p:style>
-          <a:lnRef idx="2">
-            <a:schemeClr val="accent1">
-              <a:shade val="15000"/>
-            </a:schemeClr>
-          </a:lnRef>
-          <a:fillRef idx="1">
-            <a:schemeClr val="accent1"/>
-          </a:fillRef>
-          <a:effectRef idx="0">
-            <a:schemeClr val="accent1"/>
-          </a:effectRef>
-          <a:fontRef idx="minor">
-            <a:schemeClr val="lt1"/>
-          </a:fontRef>
-        </p:style>
-        <p:txBody>
-          <a:bodyPr rtlCol="0" anchor="ctr"/>
-          <a:lstStyle/>
-          <a:p>
-            <a:pPr algn="ctr"/>
-            <a:endParaRPr lang="uk-UA">
-              <a:solidFill>
-                <a:schemeClr val="tx1"/>
-              </a:solidFill>
-            </a:endParaRPr>
-          </a:p>
-        </p:txBody>
-      </p:sp>
-      <p:sp>
-        <p:nvSpPr>
-          <p:cNvPr id="31" name="Стрілка: шеврон 30">
-            <a:extLst>
-              <a:ext uri="{FF2B5EF4-FFF2-40B4-BE49-F238E27FC236}">
-                <a16:creationId xmlns:a16="http://schemas.microsoft.com/office/drawing/2014/main" id="{FEA0ED58-1688-73F8-CC72-FF5E16AD0B39}"/>
-              </a:ext>
-            </a:extLst>
-          </p:cNvPr>
-          <p:cNvSpPr/>
-          <p:nvPr/>
-        </p:nvSpPr>
-        <p:spPr>
-          <a:xfrm>
-            <a:off x="-25263969" y="2540894"/>
-            <a:ext cx="934787" cy="1982637"/>
-          </a:xfrm>
-          <a:prstGeom prst="chevron">
-            <a:avLst>
-              <a:gd name="adj" fmla="val 54192"/>
-            </a:avLst>
-          </a:prstGeom>
-          <a:solidFill>
-            <a:srgbClr val="0D372F">
-              <a:alpha val="38000"/>
-            </a:srgbClr>
-          </a:solidFill>
-          <a:ln>
-            <a:noFill/>
-          </a:ln>
-        </p:spPr>
-        <p:style>
-          <a:lnRef idx="2">
-            <a:schemeClr val="accent1">
-              <a:shade val="15000"/>
-            </a:schemeClr>
-          </a:lnRef>
-          <a:fillRef idx="1">
-            <a:schemeClr val="accent1"/>
-          </a:fillRef>
-          <a:effectRef idx="0">
-            <a:schemeClr val="accent1"/>
-          </a:effectRef>
-          <a:fontRef idx="minor">
-            <a:schemeClr val="lt1"/>
-          </a:fontRef>
-        </p:style>
-        <p:txBody>
-          <a:bodyPr rtlCol="0" anchor="ctr"/>
-          <a:lstStyle/>
-          <a:p>
-            <a:pPr algn="ctr"/>
-            <a:endParaRPr lang="uk-UA">
-              <a:solidFill>
-                <a:schemeClr val="tx1"/>
-              </a:solidFill>
-            </a:endParaRPr>
-          </a:p>
-        </p:txBody>
-      </p:sp>
-      <p:sp>
-        <p:nvSpPr>
-          <p:cNvPr id="32" name="Стрілка: шеврон 31">
-            <a:extLst>
-              <a:ext uri="{FF2B5EF4-FFF2-40B4-BE49-F238E27FC236}">
-                <a16:creationId xmlns:a16="http://schemas.microsoft.com/office/drawing/2014/main" id="{DBF80720-A416-ECC2-1DDB-72C808F11674}"/>
-              </a:ext>
-            </a:extLst>
-          </p:cNvPr>
-          <p:cNvSpPr/>
-          <p:nvPr/>
-        </p:nvSpPr>
-        <p:spPr>
-          <a:xfrm>
-            <a:off x="-19440657" y="2552893"/>
-            <a:ext cx="934787" cy="1982637"/>
-          </a:xfrm>
-          <a:prstGeom prst="chevron">
-            <a:avLst>
-              <a:gd name="adj" fmla="val 54192"/>
-            </a:avLst>
-          </a:prstGeom>
-          <a:solidFill>
-            <a:srgbClr val="0D372F">
-              <a:alpha val="38000"/>
-            </a:srgbClr>
-          </a:solidFill>
-          <a:ln>
-            <a:noFill/>
-          </a:ln>
-        </p:spPr>
-        <p:style>
-          <a:lnRef idx="2">
-            <a:schemeClr val="accent1">
-              <a:shade val="15000"/>
-            </a:schemeClr>
-          </a:lnRef>
-          <a:fillRef idx="1">
-            <a:schemeClr val="accent1"/>
-          </a:fillRef>
-          <a:effectRef idx="0">
-            <a:schemeClr val="accent1"/>
-          </a:effectRef>
-          <a:fontRef idx="minor">
-            <a:schemeClr val="lt1"/>
-          </a:fontRef>
-        </p:style>
-        <p:txBody>
-          <a:bodyPr rtlCol="0" anchor="ctr"/>
-          <a:lstStyle/>
-          <a:p>
-            <a:pPr algn="ctr"/>
-            <a:endParaRPr lang="uk-UA">
-              <a:solidFill>
-                <a:schemeClr val="tx1"/>
-              </a:solidFill>
-            </a:endParaRPr>
-          </a:p>
-        </p:txBody>
-      </p:sp>
-    </p:spTree>
-    <p:extLst>
-      <p:ext uri="{BB962C8B-B14F-4D97-AF65-F5344CB8AC3E}">
-        <p14:creationId xmlns:p14="http://schemas.microsoft.com/office/powerpoint/2010/main" val="587297364"/>
-      </p:ext>
-    </p:extLst>
-  </p:cSld>
-  <p:clrMapOvr>
-    <a:masterClrMapping/>
-  </p:clrMapOvr>
-  <mc:AlternateContent xmlns:mc="http://schemas.openxmlformats.org/markup-compatibility/2006" xmlns:p159="http://schemas.microsoft.com/office/powerpoint/2015/09/main">
-    <mc:Choice Requires="p159">
-      <p:transition xmlns:p14="http://schemas.microsoft.com/office/powerpoint/2010/main" spd="slow" p14:dur="2000">
-        <p159:morph option="byObject"/>
-      </p:transition>
-    </mc:Choice>
-    <mc:Fallback xmlns="">
-      <p:transition spd="slow">
-        <p:fade/>
-      </p:transition>
-    </mc:Fallback>
-  </mc:AlternateContent>
-</p:sld>
-</file>
-
-<file path=ppt/slides/slide9.xml><?xml version="1.0" encoding="utf-8"?>
-<p:sld xmlns:a="http://schemas.openxmlformats.org/drawingml/2006/main" xmlns:r="http://schemas.openxmlformats.org/officeDocument/2006/relationships" xmlns:p="http://schemas.openxmlformats.org/presentationml/2006/main">
-  <p:cSld>
-    <p:bg>
-      <p:bgPr>
-        <a:solidFill>
-          <a:srgbClr val="D3E5DD"/>
-        </a:solidFill>
-        <a:effectLst/>
-      </p:bgPr>
-    </p:bg>
-    <p:spTree>
-      <p:nvGrpSpPr>
-        <p:cNvPr id="1" name=""/>
-        <p:cNvGrpSpPr/>
-        <p:nvPr/>
-      </p:nvGrpSpPr>
-      <p:grpSpPr>
-        <a:xfrm>
-          <a:off x="0" y="0"/>
-          <a:ext cx="0" cy="0"/>
-          <a:chOff x="0" y="0"/>
-          <a:chExt cx="0" cy="0"/>
-        </a:xfrm>
-      </p:grpSpPr>
-      <p:sp>
-        <p:nvSpPr>
-          <p:cNvPr id="20" name="Стрілка: шеврон 19">
-            <a:extLst>
-              <a:ext uri="{FF2B5EF4-FFF2-40B4-BE49-F238E27FC236}">
-                <a16:creationId xmlns:a16="http://schemas.microsoft.com/office/drawing/2014/main" id="{7119E403-408E-1B32-6686-15E7AD95EA71}"/>
-              </a:ext>
-            </a:extLst>
-          </p:cNvPr>
-          <p:cNvSpPr/>
-          <p:nvPr/>
-        </p:nvSpPr>
-        <p:spPr>
-          <a:xfrm>
-            <a:off x="7312244" y="2267253"/>
-            <a:ext cx="1755228" cy="2323494"/>
-          </a:xfrm>
-          <a:prstGeom prst="chevron">
-            <a:avLst>
-              <a:gd name="adj" fmla="val 54192"/>
-            </a:avLst>
-          </a:prstGeom>
-          <a:solidFill>
-            <a:srgbClr val="0D372F">
-              <a:alpha val="38000"/>
-            </a:srgbClr>
-          </a:solidFill>
-          <a:ln>
-            <a:noFill/>
-          </a:ln>
-        </p:spPr>
-        <p:style>
-          <a:lnRef idx="2">
-            <a:schemeClr val="accent1">
-              <a:shade val="15000"/>
-            </a:schemeClr>
-          </a:lnRef>
-          <a:fillRef idx="1">
-            <a:schemeClr val="accent1"/>
-          </a:fillRef>
-          <a:effectRef idx="0">
-            <a:schemeClr val="accent1"/>
-          </a:effectRef>
-          <a:fontRef idx="minor">
-            <a:schemeClr val="lt1"/>
-          </a:fontRef>
-        </p:style>
-        <p:txBody>
-          <a:bodyPr rtlCol="0" anchor="ctr"/>
-          <a:lstStyle/>
-          <a:p>
-            <a:pPr algn="ctr"/>
-            <a:endParaRPr lang="uk-UA">
-              <a:solidFill>
-                <a:schemeClr val="tx1"/>
-              </a:solidFill>
-            </a:endParaRPr>
-          </a:p>
-        </p:txBody>
-      </p:sp>
-      <p:sp>
-        <p:nvSpPr>
-          <p:cNvPr id="21" name="Стрілка: шеврон 20">
-            <a:extLst>
-              <a:ext uri="{FF2B5EF4-FFF2-40B4-BE49-F238E27FC236}">
-                <a16:creationId xmlns:a16="http://schemas.microsoft.com/office/drawing/2014/main" id="{1CCC582D-EAF0-2EE2-136E-A6A3DB371638}"/>
-              </a:ext>
-            </a:extLst>
-          </p:cNvPr>
-          <p:cNvSpPr/>
-          <p:nvPr/>
-        </p:nvSpPr>
-        <p:spPr>
-          <a:xfrm>
-            <a:off x="8512632" y="2267253"/>
-            <a:ext cx="1755228" cy="2323494"/>
-          </a:xfrm>
-          <a:prstGeom prst="chevron">
-            <a:avLst>
-              <a:gd name="adj" fmla="val 54192"/>
-            </a:avLst>
-          </a:prstGeom>
-          <a:solidFill>
-            <a:srgbClr val="0D372F">
-              <a:alpha val="38000"/>
-            </a:srgbClr>
-          </a:solidFill>
-          <a:ln>
-            <a:noFill/>
-          </a:ln>
-        </p:spPr>
-        <p:style>
-          <a:lnRef idx="2">
-            <a:schemeClr val="accent1">
-              <a:shade val="15000"/>
-            </a:schemeClr>
-          </a:lnRef>
-          <a:fillRef idx="1">
-            <a:schemeClr val="accent1"/>
-          </a:fillRef>
-          <a:effectRef idx="0">
-            <a:schemeClr val="accent1"/>
-          </a:effectRef>
-          <a:fontRef idx="minor">
-            <a:schemeClr val="lt1"/>
-          </a:fontRef>
-        </p:style>
-        <p:txBody>
-          <a:bodyPr rtlCol="0" anchor="ctr"/>
-          <a:lstStyle/>
-          <a:p>
-            <a:pPr algn="ctr"/>
-            <a:endParaRPr lang="uk-UA">
-              <a:solidFill>
-                <a:schemeClr val="tx1"/>
-              </a:solidFill>
-            </a:endParaRPr>
-          </a:p>
-        </p:txBody>
-      </p:sp>
-      <p:sp>
-        <p:nvSpPr>
-          <p:cNvPr id="22" name="Стрілка: шеврон 21">
-            <a:extLst>
-              <a:ext uri="{FF2B5EF4-FFF2-40B4-BE49-F238E27FC236}">
-                <a16:creationId xmlns:a16="http://schemas.microsoft.com/office/drawing/2014/main" id="{7AA5A350-4531-9C62-7040-CA6BB3BD3495}"/>
-              </a:ext>
-            </a:extLst>
-          </p:cNvPr>
-          <p:cNvSpPr/>
-          <p:nvPr/>
-        </p:nvSpPr>
-        <p:spPr>
-          <a:xfrm>
-            <a:off x="9635285" y="2286000"/>
-            <a:ext cx="1755228" cy="2323494"/>
-          </a:xfrm>
-          <a:prstGeom prst="chevron">
-            <a:avLst>
-              <a:gd name="adj" fmla="val 54192"/>
-            </a:avLst>
-          </a:prstGeom>
-          <a:solidFill>
-            <a:srgbClr val="0D372F">
-              <a:alpha val="38000"/>
-            </a:srgbClr>
-          </a:solidFill>
-          <a:ln>
-            <a:noFill/>
-          </a:ln>
-        </p:spPr>
-        <p:style>
-          <a:lnRef idx="2">
-            <a:schemeClr val="accent1">
-              <a:shade val="15000"/>
-            </a:schemeClr>
-          </a:lnRef>
-          <a:fillRef idx="1">
-            <a:schemeClr val="accent1"/>
-          </a:fillRef>
-          <a:effectRef idx="0">
-            <a:schemeClr val="accent1"/>
-          </a:effectRef>
-          <a:fontRef idx="minor">
-            <a:schemeClr val="lt1"/>
-          </a:fontRef>
-        </p:style>
-        <p:txBody>
-          <a:bodyPr rtlCol="0" anchor="ctr"/>
-          <a:lstStyle/>
-          <a:p>
-            <a:pPr algn="ctr"/>
-            <a:endParaRPr lang="uk-UA">
-              <a:solidFill>
-                <a:schemeClr val="tx1"/>
-              </a:solidFill>
-            </a:endParaRPr>
-          </a:p>
-        </p:txBody>
-      </p:sp>
-      <p:sp>
-        <p:nvSpPr>
-          <p:cNvPr id="23" name="Стрілка: шеврон 22">
-            <a:extLst>
-              <a:ext uri="{FF2B5EF4-FFF2-40B4-BE49-F238E27FC236}">
-                <a16:creationId xmlns:a16="http://schemas.microsoft.com/office/drawing/2014/main" id="{58F5FAC1-766B-002C-B62C-94111A2AE4C3}"/>
-              </a:ext>
-            </a:extLst>
-          </p:cNvPr>
-          <p:cNvSpPr/>
-          <p:nvPr/>
-        </p:nvSpPr>
-        <p:spPr>
-          <a:xfrm>
-            <a:off x="10757938" y="2304747"/>
-            <a:ext cx="1755228" cy="2323494"/>
-          </a:xfrm>
-          <a:prstGeom prst="chevron">
-            <a:avLst>
-              <a:gd name="adj" fmla="val 54192"/>
-            </a:avLst>
-          </a:prstGeom>
-          <a:solidFill>
-            <a:srgbClr val="0D372F">
-              <a:alpha val="38000"/>
-            </a:srgbClr>
-          </a:solidFill>
-          <a:ln>
-            <a:noFill/>
-          </a:ln>
-        </p:spPr>
-        <p:style>
-          <a:lnRef idx="2">
-            <a:schemeClr val="accent1">
-              <a:shade val="15000"/>
-            </a:schemeClr>
-          </a:lnRef>
-          <a:fillRef idx="1">
-            <a:schemeClr val="accent1"/>
-          </a:fillRef>
-          <a:effectRef idx="0">
-            <a:schemeClr val="accent1"/>
-          </a:effectRef>
-          <a:fontRef idx="minor">
-            <a:schemeClr val="lt1"/>
-          </a:fontRef>
-        </p:style>
-        <p:txBody>
-          <a:bodyPr rtlCol="0" anchor="ctr"/>
-          <a:lstStyle/>
-          <a:p>
-            <a:pPr algn="ctr"/>
-            <a:endParaRPr lang="uk-UA">
-              <a:solidFill>
-                <a:schemeClr val="tx1"/>
-              </a:solidFill>
-            </a:endParaRPr>
-          </a:p>
-        </p:txBody>
-      </p:sp>
-      <p:sp>
-        <p:nvSpPr>
-          <p:cNvPr id="24" name="Стрілка: шеврон 23">
-            <a:extLst>
-              <a:ext uri="{FF2B5EF4-FFF2-40B4-BE49-F238E27FC236}">
-                <a16:creationId xmlns:a16="http://schemas.microsoft.com/office/drawing/2014/main" id="{8214B328-14C3-3BA3-703E-6E6529A800DD}"/>
-              </a:ext>
-            </a:extLst>
-          </p:cNvPr>
-          <p:cNvSpPr/>
-          <p:nvPr/>
-        </p:nvSpPr>
-        <p:spPr>
-          <a:xfrm>
-            <a:off x="6134522" y="2267253"/>
-            <a:ext cx="1755228" cy="2323494"/>
-          </a:xfrm>
-          <a:prstGeom prst="chevron">
-            <a:avLst>
-              <a:gd name="adj" fmla="val 54192"/>
-            </a:avLst>
-          </a:prstGeom>
-          <a:solidFill>
-            <a:srgbClr val="0D372F">
-              <a:alpha val="38000"/>
-            </a:srgbClr>
-          </a:solidFill>
-          <a:ln>
-            <a:noFill/>
-          </a:ln>
-        </p:spPr>
-        <p:style>
-          <a:lnRef idx="2">
-            <a:schemeClr val="accent1">
-              <a:shade val="15000"/>
-            </a:schemeClr>
-          </a:lnRef>
-          <a:fillRef idx="1">
-            <a:schemeClr val="accent1"/>
-          </a:fillRef>
-          <a:effectRef idx="0">
-            <a:schemeClr val="accent1"/>
-          </a:effectRef>
-          <a:fontRef idx="minor">
-            <a:schemeClr val="lt1"/>
-          </a:fontRef>
-        </p:style>
-        <p:txBody>
-          <a:bodyPr rtlCol="0" anchor="ctr"/>
-          <a:lstStyle/>
-          <a:p>
-            <a:pPr algn="ctr"/>
-            <a:endParaRPr lang="uk-UA">
-              <a:solidFill>
-                <a:schemeClr val="tx1"/>
-              </a:solidFill>
-            </a:endParaRPr>
-          </a:p>
-        </p:txBody>
-      </p:sp>
-      <p:sp>
-        <p:nvSpPr>
-          <p:cNvPr id="25" name="Стрілка: шеврон 24">
-            <a:extLst>
-              <a:ext uri="{FF2B5EF4-FFF2-40B4-BE49-F238E27FC236}">
-                <a16:creationId xmlns:a16="http://schemas.microsoft.com/office/drawing/2014/main" id="{FA48A319-84D1-4A2B-FAB7-B6C6E14038B8}"/>
-              </a:ext>
-            </a:extLst>
-          </p:cNvPr>
-          <p:cNvSpPr/>
-          <p:nvPr/>
-        </p:nvSpPr>
-        <p:spPr>
-          <a:xfrm>
-            <a:off x="11957834" y="2279252"/>
-            <a:ext cx="1755228" cy="2323494"/>
-          </a:xfrm>
-          <a:prstGeom prst="chevron">
-            <a:avLst>
-              <a:gd name="adj" fmla="val 54192"/>
-            </a:avLst>
-          </a:prstGeom>
-          <a:solidFill>
-            <a:srgbClr val="0D372F">
-              <a:alpha val="38000"/>
-            </a:srgbClr>
-          </a:solidFill>
-          <a:ln>
-            <a:noFill/>
-          </a:ln>
-        </p:spPr>
-        <p:style>
-          <a:lnRef idx="2">
-            <a:schemeClr val="accent1">
-              <a:shade val="15000"/>
-            </a:schemeClr>
-          </a:lnRef>
-          <a:fillRef idx="1">
-            <a:schemeClr val="accent1"/>
-          </a:fillRef>
-          <a:effectRef idx="0">
-            <a:schemeClr val="accent1"/>
-          </a:effectRef>
-          <a:fontRef idx="minor">
-            <a:schemeClr val="lt1"/>
-          </a:fontRef>
-        </p:style>
-        <p:txBody>
-          <a:bodyPr rtlCol="0" anchor="ctr"/>
-          <a:lstStyle/>
-          <a:p>
-            <a:pPr algn="ctr"/>
-            <a:endParaRPr lang="uk-UA">
-              <a:solidFill>
-                <a:schemeClr val="tx1"/>
-              </a:solidFill>
-            </a:endParaRPr>
-          </a:p>
-        </p:txBody>
-      </p:sp>
-      <p:sp>
-        <p:nvSpPr>
-          <p:cNvPr id="13" name="AutoShape 2" descr="Continuous line drawing of retro sport car driving fast Stock Vector by  ©OneLineStock 276961366">
-            <a:extLst>
-              <a:ext uri="{FF2B5EF4-FFF2-40B4-BE49-F238E27FC236}">
-                <a16:creationId xmlns:a16="http://schemas.microsoft.com/office/drawing/2014/main" id="{A3971AC3-D430-4BA9-E3C7-73FE56DC5956}"/>
-              </a:ext>
-            </a:extLst>
-          </p:cNvPr>
-          <p:cNvSpPr>
-            <a:spLocks noChangeAspect="1" noChangeArrowheads="1"/>
-          </p:cNvSpPr>
-          <p:nvPr/>
-        </p:nvSpPr>
-        <p:spPr bwMode="auto">
-          <a:xfrm>
-            <a:off x="5943599" y="3276599"/>
-            <a:ext cx="1122333" cy="1122333"/>
-          </a:xfrm>
-          <a:prstGeom prst="rect">
-            <a:avLst/>
-          </a:prstGeom>
-          <a:noFill/>
-          <a:extLst>
-            <a:ext uri="{909E8E84-426E-40DD-AFC4-6F175D3DCCD1}">
-              <a14:hiddenFill xmlns:a14="http://schemas.microsoft.com/office/drawing/2010/main">
-                <a:solidFill>
-                  <a:srgbClr val="FFFFFF"/>
-                </a:solidFill>
-              </a14:hiddenFill>
-            </a:ext>
-          </a:extLst>
-        </p:spPr>
-        <p:txBody>
-          <a:bodyPr vert="horz" wrap="square" lIns="91440" tIns="45720" rIns="91440" bIns="45720" numCol="1" anchor="t" anchorCtr="0" compatLnSpc="1">
-            <a:prstTxWarp prst="textNoShape">
-              <a:avLst/>
-            </a:prstTxWarp>
-          </a:bodyPr>
-          <a:lstStyle/>
-          <a:p>
-            <a:endParaRPr lang="uk-UA"/>
-          </a:p>
-        </p:txBody>
-      </p:sp>
-      <p:sp>
-        <p:nvSpPr>
-          <p:cNvPr id="4" name="TextBox 3">
-            <a:extLst>
-              <a:ext uri="{FF2B5EF4-FFF2-40B4-BE49-F238E27FC236}">
-                <a16:creationId xmlns:a16="http://schemas.microsoft.com/office/drawing/2014/main" id="{1621BBBA-FEE4-83CF-49C6-0A8BF8BE869A}"/>
-              </a:ext>
-            </a:extLst>
-          </p:cNvPr>
-          <p:cNvSpPr txBox="1"/>
-          <p:nvPr/>
-        </p:nvSpPr>
-        <p:spPr>
-          <a:xfrm>
-            <a:off x="-1378545" y="1956119"/>
-            <a:ext cx="1239442" cy="584775"/>
-          </a:xfrm>
-          <a:prstGeom prst="rect">
-            <a:avLst/>
-          </a:prstGeom>
-          <a:noFill/>
-        </p:spPr>
-        <p:txBody>
-          <a:bodyPr wrap="none" rtlCol="0">
-            <a:spAutoFit/>
-          </a:bodyPr>
-          <a:lstStyle/>
-          <a:p>
-            <a:r>
-              <a:rPr lang="uk-UA" sz="3200" dirty="0">
-                <a:solidFill>
-                  <a:srgbClr val="D3E5DD"/>
-                </a:solidFill>
-                <a:latin typeface="Franklin Gothic Demi Cond" panose="020B0706030402020204" pitchFamily="34" charset="0"/>
-              </a:rPr>
-              <a:t>Плюси</a:t>
-            </a:r>
-          </a:p>
-        </p:txBody>
-      </p:sp>
-      <p:sp>
-        <p:nvSpPr>
-          <p:cNvPr id="10" name="TextBox 9">
-            <a:extLst>
-              <a:ext uri="{FF2B5EF4-FFF2-40B4-BE49-F238E27FC236}">
-                <a16:creationId xmlns:a16="http://schemas.microsoft.com/office/drawing/2014/main" id="{FE1B2B1B-4330-1B03-7338-76C6A11B40F1}"/>
-              </a:ext>
-            </a:extLst>
-          </p:cNvPr>
-          <p:cNvSpPr txBox="1"/>
-          <p:nvPr/>
-        </p:nvSpPr>
-        <p:spPr>
-          <a:xfrm>
-            <a:off x="12282072" y="1956119"/>
-            <a:ext cx="1313373" cy="584775"/>
-          </a:xfrm>
-          <a:prstGeom prst="rect">
-            <a:avLst/>
-          </a:prstGeom>
-          <a:noFill/>
-        </p:spPr>
-        <p:txBody>
-          <a:bodyPr wrap="none" rtlCol="0">
-            <a:spAutoFit/>
-          </a:bodyPr>
-          <a:lstStyle/>
-          <a:p>
-            <a:r>
-              <a:rPr lang="uk-UA" sz="3200" dirty="0">
-                <a:solidFill>
-                  <a:srgbClr val="0D372F"/>
-                </a:solidFill>
-                <a:latin typeface="Franklin Gothic Demi Cond" panose="020B0706030402020204" pitchFamily="34" charset="0"/>
-              </a:rPr>
-              <a:t>Мінуси</a:t>
-            </a:r>
-          </a:p>
-        </p:txBody>
-      </p:sp>
-      <p:sp>
-        <p:nvSpPr>
-          <p:cNvPr id="9" name="TextBox 8">
-            <a:extLst>
-              <a:ext uri="{FF2B5EF4-FFF2-40B4-BE49-F238E27FC236}">
-                <a16:creationId xmlns:a16="http://schemas.microsoft.com/office/drawing/2014/main" id="{35D3CB5C-6B1C-9F1C-9505-D46CD94BBE69}"/>
-              </a:ext>
-            </a:extLst>
-          </p:cNvPr>
-          <p:cNvSpPr txBox="1"/>
-          <p:nvPr/>
-        </p:nvSpPr>
-        <p:spPr>
-          <a:xfrm>
-            <a:off x="1512402" y="756745"/>
-            <a:ext cx="3113170" cy="707886"/>
-          </a:xfrm>
-          <a:prstGeom prst="rect">
-            <a:avLst/>
-          </a:prstGeom>
-          <a:noFill/>
-        </p:spPr>
-        <p:txBody>
-          <a:bodyPr wrap="square" rtlCol="0">
-            <a:spAutoFit/>
-          </a:bodyPr>
-          <a:lstStyle/>
-          <a:p>
-            <a:r>
-              <a:rPr lang="uk-UA" sz="4000" dirty="0" err="1">
-                <a:solidFill>
-                  <a:srgbClr val="0D372F"/>
-                </a:solidFill>
-                <a:latin typeface="Franklin Gothic Demi Cond" panose="020B0706030402020204" pitchFamily="34" charset="0"/>
-              </a:rPr>
-              <a:t>Аутенфікація</a:t>
-            </a:r>
-            <a:endParaRPr lang="uk-UA" sz="4000" dirty="0">
-              <a:solidFill>
-                <a:srgbClr val="0D372F"/>
-              </a:solidFill>
-              <a:latin typeface="Franklin Gothic Demi Cond" panose="020B0706030402020204" pitchFamily="34" charset="0"/>
-            </a:endParaRPr>
-          </a:p>
-        </p:txBody>
-      </p:sp>
-      <p:sp>
-        <p:nvSpPr>
-          <p:cNvPr id="12" name="Стрілка: шеврон 11">
-            <a:extLst>
-              <a:ext uri="{FF2B5EF4-FFF2-40B4-BE49-F238E27FC236}">
-                <a16:creationId xmlns:a16="http://schemas.microsoft.com/office/drawing/2014/main" id="{9485F26B-D795-5768-7026-A1B4F9C84947}"/>
-              </a:ext>
-            </a:extLst>
-          </p:cNvPr>
-          <p:cNvSpPr/>
-          <p:nvPr/>
-        </p:nvSpPr>
-        <p:spPr>
-          <a:xfrm>
-            <a:off x="391721" y="2248506"/>
-            <a:ext cx="1755228" cy="2323494"/>
-          </a:xfrm>
-          <a:prstGeom prst="chevron">
-            <a:avLst>
-              <a:gd name="adj" fmla="val 54192"/>
-            </a:avLst>
-          </a:prstGeom>
-          <a:solidFill>
-            <a:srgbClr val="0D372F">
-              <a:alpha val="38000"/>
-            </a:srgbClr>
-          </a:solidFill>
-          <a:ln>
-            <a:noFill/>
-          </a:ln>
-        </p:spPr>
-        <p:style>
-          <a:lnRef idx="2">
-            <a:schemeClr val="accent1">
-              <a:shade val="15000"/>
-            </a:schemeClr>
-          </a:lnRef>
-          <a:fillRef idx="1">
-            <a:schemeClr val="accent1"/>
-          </a:fillRef>
-          <a:effectRef idx="0">
-            <a:schemeClr val="accent1"/>
-          </a:effectRef>
-          <a:fontRef idx="minor">
-            <a:schemeClr val="lt1"/>
-          </a:fontRef>
-        </p:style>
-        <p:txBody>
-          <a:bodyPr rtlCol="0" anchor="ctr"/>
-          <a:lstStyle/>
-          <a:p>
-            <a:pPr algn="ctr"/>
-            <a:endParaRPr lang="uk-UA">
-              <a:solidFill>
-                <a:schemeClr val="tx1"/>
-              </a:solidFill>
-            </a:endParaRPr>
-          </a:p>
-        </p:txBody>
-      </p:sp>
-      <p:sp>
-        <p:nvSpPr>
-          <p:cNvPr id="15" name="Стрілка: шеврон 14">
-            <a:extLst>
-              <a:ext uri="{FF2B5EF4-FFF2-40B4-BE49-F238E27FC236}">
-                <a16:creationId xmlns:a16="http://schemas.microsoft.com/office/drawing/2014/main" id="{3CCDA09F-AA1F-D036-1EF8-5F3E4817390C}"/>
-              </a:ext>
-            </a:extLst>
-          </p:cNvPr>
-          <p:cNvSpPr/>
-          <p:nvPr/>
-        </p:nvSpPr>
-        <p:spPr>
-          <a:xfrm>
-            <a:off x="1592109" y="2248506"/>
-            <a:ext cx="1755228" cy="2323494"/>
-          </a:xfrm>
-          <a:prstGeom prst="chevron">
-            <a:avLst>
-              <a:gd name="adj" fmla="val 54192"/>
-            </a:avLst>
-          </a:prstGeom>
-          <a:solidFill>
-            <a:srgbClr val="0D372F">
-              <a:alpha val="38000"/>
-            </a:srgbClr>
-          </a:solidFill>
-          <a:ln>
-            <a:noFill/>
-          </a:ln>
-        </p:spPr>
-        <p:style>
-          <a:lnRef idx="2">
-            <a:schemeClr val="accent1">
-              <a:shade val="15000"/>
-            </a:schemeClr>
-          </a:lnRef>
-          <a:fillRef idx="1">
-            <a:schemeClr val="accent1"/>
-          </a:fillRef>
-          <a:effectRef idx="0">
-            <a:schemeClr val="accent1"/>
-          </a:effectRef>
-          <a:fontRef idx="minor">
-            <a:schemeClr val="lt1"/>
-          </a:fontRef>
-        </p:style>
-        <p:txBody>
-          <a:bodyPr rtlCol="0" anchor="ctr"/>
-          <a:lstStyle/>
-          <a:p>
-            <a:pPr algn="ctr"/>
-            <a:endParaRPr lang="uk-UA">
-              <a:solidFill>
-                <a:schemeClr val="tx1"/>
-              </a:solidFill>
-            </a:endParaRPr>
-          </a:p>
-        </p:txBody>
-      </p:sp>
-      <p:sp>
-        <p:nvSpPr>
-          <p:cNvPr id="16" name="Стрілка: шеврон 15">
-            <a:extLst>
-              <a:ext uri="{FF2B5EF4-FFF2-40B4-BE49-F238E27FC236}">
-                <a16:creationId xmlns:a16="http://schemas.microsoft.com/office/drawing/2014/main" id="{C8C3CA67-AF54-FFFE-EB90-09BC427E2D5C}"/>
-              </a:ext>
-            </a:extLst>
-          </p:cNvPr>
-          <p:cNvSpPr/>
-          <p:nvPr/>
-        </p:nvSpPr>
-        <p:spPr>
-          <a:xfrm>
-            <a:off x="2714762" y="2267253"/>
-            <a:ext cx="1755228" cy="2323494"/>
-          </a:xfrm>
-          <a:prstGeom prst="chevron">
-            <a:avLst>
-              <a:gd name="adj" fmla="val 54192"/>
-            </a:avLst>
-          </a:prstGeom>
-          <a:solidFill>
-            <a:srgbClr val="0D372F">
-              <a:alpha val="38000"/>
-            </a:srgbClr>
-          </a:solidFill>
-          <a:ln>
-            <a:noFill/>
-          </a:ln>
-        </p:spPr>
-        <p:style>
-          <a:lnRef idx="2">
-            <a:schemeClr val="accent1">
-              <a:shade val="15000"/>
-            </a:schemeClr>
-          </a:lnRef>
-          <a:fillRef idx="1">
-            <a:schemeClr val="accent1"/>
-          </a:fillRef>
-          <a:effectRef idx="0">
-            <a:schemeClr val="accent1"/>
-          </a:effectRef>
-          <a:fontRef idx="minor">
-            <a:schemeClr val="lt1"/>
-          </a:fontRef>
-        </p:style>
-        <p:txBody>
-          <a:bodyPr rtlCol="0" anchor="ctr"/>
-          <a:lstStyle/>
-          <a:p>
-            <a:pPr algn="ctr"/>
-            <a:endParaRPr lang="uk-UA">
-              <a:solidFill>
-                <a:schemeClr val="tx1"/>
-              </a:solidFill>
-            </a:endParaRPr>
-          </a:p>
-        </p:txBody>
-      </p:sp>
-      <p:sp>
-        <p:nvSpPr>
-          <p:cNvPr id="17" name="Стрілка: шеврон 16">
-            <a:extLst>
-              <a:ext uri="{FF2B5EF4-FFF2-40B4-BE49-F238E27FC236}">
-                <a16:creationId xmlns:a16="http://schemas.microsoft.com/office/drawing/2014/main" id="{0E0DD223-DAA8-37CF-C360-50E4A569E215}"/>
-              </a:ext>
-            </a:extLst>
-          </p:cNvPr>
-          <p:cNvSpPr/>
-          <p:nvPr/>
-        </p:nvSpPr>
-        <p:spPr>
-          <a:xfrm>
-            <a:off x="3837415" y="2286000"/>
-            <a:ext cx="1755228" cy="2323494"/>
-          </a:xfrm>
-          <a:prstGeom prst="chevron">
-            <a:avLst>
-              <a:gd name="adj" fmla="val 54192"/>
-            </a:avLst>
-          </a:prstGeom>
-          <a:solidFill>
-            <a:srgbClr val="0D372F">
-              <a:alpha val="38000"/>
-            </a:srgbClr>
-          </a:solidFill>
-          <a:ln>
-            <a:noFill/>
-          </a:ln>
-        </p:spPr>
-        <p:style>
-          <a:lnRef idx="2">
-            <a:schemeClr val="accent1">
-              <a:shade val="15000"/>
-            </a:schemeClr>
-          </a:lnRef>
-          <a:fillRef idx="1">
-            <a:schemeClr val="accent1"/>
-          </a:fillRef>
-          <a:effectRef idx="0">
-            <a:schemeClr val="accent1"/>
-          </a:effectRef>
-          <a:fontRef idx="minor">
-            <a:schemeClr val="lt1"/>
-          </a:fontRef>
-        </p:style>
-        <p:txBody>
-          <a:bodyPr rtlCol="0" anchor="ctr"/>
-          <a:lstStyle/>
-          <a:p>
-            <a:pPr algn="ctr"/>
-            <a:endParaRPr lang="uk-UA">
-              <a:solidFill>
-                <a:schemeClr val="tx1"/>
-              </a:solidFill>
-            </a:endParaRPr>
-          </a:p>
-        </p:txBody>
-      </p:sp>
-      <p:sp>
-        <p:nvSpPr>
-          <p:cNvPr id="18" name="Стрілка: шеврон 17">
-            <a:extLst>
-              <a:ext uri="{FF2B5EF4-FFF2-40B4-BE49-F238E27FC236}">
-                <a16:creationId xmlns:a16="http://schemas.microsoft.com/office/drawing/2014/main" id="{76771D32-2209-DE62-B7C1-6DA26FAA9CD6}"/>
-              </a:ext>
-            </a:extLst>
-          </p:cNvPr>
-          <p:cNvSpPr/>
-          <p:nvPr/>
-        </p:nvSpPr>
-        <p:spPr>
-          <a:xfrm>
-            <a:off x="-786001" y="2248506"/>
-            <a:ext cx="1755228" cy="2323494"/>
-          </a:xfrm>
-          <a:prstGeom prst="chevron">
-            <a:avLst>
-              <a:gd name="adj" fmla="val 54192"/>
-            </a:avLst>
-          </a:prstGeom>
-          <a:solidFill>
-            <a:srgbClr val="0D372F">
-              <a:alpha val="38000"/>
-            </a:srgbClr>
-          </a:solidFill>
-          <a:ln>
-            <a:noFill/>
-          </a:ln>
-        </p:spPr>
-        <p:style>
-          <a:lnRef idx="2">
-            <a:schemeClr val="accent1">
-              <a:shade val="15000"/>
-            </a:schemeClr>
-          </a:lnRef>
-          <a:fillRef idx="1">
-            <a:schemeClr val="accent1"/>
-          </a:fillRef>
-          <a:effectRef idx="0">
-            <a:schemeClr val="accent1"/>
-          </a:effectRef>
-          <a:fontRef idx="minor">
-            <a:schemeClr val="lt1"/>
-          </a:fontRef>
-        </p:style>
-        <p:txBody>
-          <a:bodyPr rtlCol="0" anchor="ctr"/>
-          <a:lstStyle/>
-          <a:p>
-            <a:pPr algn="ctr"/>
-            <a:endParaRPr lang="uk-UA">
-              <a:solidFill>
-                <a:schemeClr val="tx1"/>
-              </a:solidFill>
-            </a:endParaRPr>
-          </a:p>
-        </p:txBody>
-      </p:sp>
-      <p:sp>
-        <p:nvSpPr>
-          <p:cNvPr id="19" name="Стрілка: шеврон 18">
-            <a:extLst>
-              <a:ext uri="{FF2B5EF4-FFF2-40B4-BE49-F238E27FC236}">
-                <a16:creationId xmlns:a16="http://schemas.microsoft.com/office/drawing/2014/main" id="{723ADF94-A0A5-041D-3244-580AF55C2410}"/>
-              </a:ext>
-            </a:extLst>
-          </p:cNvPr>
-          <p:cNvSpPr/>
-          <p:nvPr/>
-        </p:nvSpPr>
-        <p:spPr>
-          <a:xfrm>
-            <a:off x="5037311" y="2260505"/>
-            <a:ext cx="1755228" cy="2323494"/>
-          </a:xfrm>
-          <a:prstGeom prst="chevron">
-            <a:avLst>
-              <a:gd name="adj" fmla="val 54192"/>
-            </a:avLst>
-          </a:prstGeom>
-          <a:solidFill>
-            <a:srgbClr val="0D372F">
-              <a:alpha val="38000"/>
-            </a:srgbClr>
-          </a:solidFill>
-          <a:ln>
-            <a:noFill/>
-          </a:ln>
-        </p:spPr>
-        <p:style>
-          <a:lnRef idx="2">
-            <a:schemeClr val="accent1">
-              <a:shade val="15000"/>
-            </a:schemeClr>
-          </a:lnRef>
-          <a:fillRef idx="1">
-            <a:schemeClr val="accent1"/>
-          </a:fillRef>
-          <a:effectRef idx="0">
-            <a:schemeClr val="accent1"/>
-          </a:effectRef>
-          <a:fontRef idx="minor">
-            <a:schemeClr val="lt1"/>
-          </a:fontRef>
-        </p:style>
-        <p:txBody>
-          <a:bodyPr rtlCol="0" anchor="ctr"/>
-          <a:lstStyle/>
-          <a:p>
-            <a:pPr algn="ctr"/>
-            <a:endParaRPr lang="uk-UA">
-              <a:solidFill>
-                <a:schemeClr val="tx1"/>
-              </a:solidFill>
-            </a:endParaRPr>
-          </a:p>
-        </p:txBody>
-      </p:sp>
-      <p:pic>
-        <p:nvPicPr>
-          <p:cNvPr id="8" name="Рисунок 7">
-            <a:extLst>
-              <a:ext uri="{FF2B5EF4-FFF2-40B4-BE49-F238E27FC236}">
-                <a16:creationId xmlns:a16="http://schemas.microsoft.com/office/drawing/2014/main" id="{EAC1B122-AE5E-2CF5-4B57-0D19AE3AED2E}"/>
-              </a:ext>
-            </a:extLst>
-          </p:cNvPr>
-          <p:cNvPicPr>
-            <a:picLocks noChangeAspect="1"/>
-          </p:cNvPicPr>
-          <p:nvPr/>
-        </p:nvPicPr>
-        <p:blipFill>
-          <a:blip r:embed="rId2"/>
-          <a:stretch>
-            <a:fillRect/>
-          </a:stretch>
-        </p:blipFill>
-        <p:spPr>
-          <a:xfrm>
-            <a:off x="6277076" y="90972"/>
-            <a:ext cx="5654040" cy="3185627"/>
-          </a:xfrm>
-          <a:prstGeom prst="rect">
-            <a:avLst/>
-          </a:prstGeom>
-        </p:spPr>
-      </p:pic>
-      <p:pic>
-        <p:nvPicPr>
-          <p:cNvPr id="5" name="Рисунок 4">
-            <a:extLst>
-              <a:ext uri="{FF2B5EF4-FFF2-40B4-BE49-F238E27FC236}">
-                <a16:creationId xmlns:a16="http://schemas.microsoft.com/office/drawing/2014/main" id="{99DD6AED-061F-8A0A-CE90-009A5A18559C}"/>
-              </a:ext>
-            </a:extLst>
-          </p:cNvPr>
-          <p:cNvPicPr>
-            <a:picLocks noChangeAspect="1"/>
-          </p:cNvPicPr>
-          <p:nvPr/>
-        </p:nvPicPr>
-        <p:blipFill>
-          <a:blip r:embed="rId3"/>
-          <a:stretch>
-            <a:fillRect/>
-          </a:stretch>
-        </p:blipFill>
-        <p:spPr>
-          <a:xfrm>
-            <a:off x="6277076" y="3429000"/>
-            <a:ext cx="5654041" cy="3185628"/>
-          </a:xfrm>
-          <a:prstGeom prst="rect">
-            <a:avLst/>
-          </a:prstGeom>
-        </p:spPr>
-      </p:pic>
-      <p:sp>
-        <p:nvSpPr>
-          <p:cNvPr id="26" name="TextBox 25">
-            <a:extLst>
-              <a:ext uri="{FF2B5EF4-FFF2-40B4-BE49-F238E27FC236}">
-                <a16:creationId xmlns:a16="http://schemas.microsoft.com/office/drawing/2014/main" id="{87132B45-65C0-85FA-698E-E888EC12AD71}"/>
-              </a:ext>
-            </a:extLst>
-          </p:cNvPr>
-          <p:cNvSpPr txBox="1"/>
-          <p:nvPr/>
-        </p:nvSpPr>
-        <p:spPr>
-          <a:xfrm>
-            <a:off x="1845298" y="5184297"/>
-            <a:ext cx="2447377" cy="707886"/>
-          </a:xfrm>
-          <a:prstGeom prst="rect">
-            <a:avLst/>
-          </a:prstGeom>
-          <a:noFill/>
-        </p:spPr>
-        <p:txBody>
-          <a:bodyPr wrap="square" rtlCol="0">
-            <a:spAutoFit/>
-          </a:bodyPr>
-          <a:lstStyle/>
-          <a:p>
-            <a:r>
-              <a:rPr lang="uk-UA" sz="4000" dirty="0">
-                <a:solidFill>
-                  <a:srgbClr val="0D372F"/>
-                </a:solidFill>
-                <a:latin typeface="Franklin Gothic Demi Cond" panose="020B0706030402020204" pitchFamily="34" charset="0"/>
-              </a:rPr>
-              <a:t>Реєстрація</a:t>
-            </a:r>
-          </a:p>
-        </p:txBody>
-      </p:sp>
-    </p:spTree>
-    <p:extLst>
-      <p:ext uri="{BB962C8B-B14F-4D97-AF65-F5344CB8AC3E}">
-        <p14:creationId xmlns:p14="http://schemas.microsoft.com/office/powerpoint/2010/main" val="1107502083"/>
+        <p14:creationId xmlns:p14="http://schemas.microsoft.com/office/powerpoint/2010/main" val="2791380589"/>
       </p:ext>
     </p:extLst>
   </p:cSld>
